--- a/Team-1/2018-03-14-발표자료/2018-03-14-발표자료.pptx
+++ b/Team-1/2018-03-14-발표자료/2018-03-14-발표자료.pptx
@@ -26,13 +26,13 @@
   <p:notesSz cx="6858000" cy="9144000"/>
   <p:embeddedFontLst>
     <p:embeddedFont>
-      <p:font typeface="맑은 고딕" panose="020B0503020000020004" pitchFamily="50" charset="-127"/>
+      <p:font typeface="나눔스퀘어" panose="020B0600000101010101" charset="-127"/>
       <p:regular r:id="rId16"/>
-      <p:bold r:id="rId17"/>
     </p:embeddedFont>
     <p:embeddedFont>
-      <p:font typeface="나눔스퀘어" panose="020B0600000101010101" charset="-127"/>
-      <p:regular r:id="rId18"/>
+      <p:font typeface="맑은 고딕" panose="020B0503020000020004" pitchFamily="50" charset="-127"/>
+      <p:regular r:id="rId17"/>
+      <p:bold r:id="rId18"/>
     </p:embeddedFont>
   </p:embeddedFontLst>
   <p:defaultTextStyle>
@@ -231,7 +231,7 @@
           <a:p>
             <a:fld id="{4AB57EFC-A8CF-42EC-AFAA-0B024A5A7825}" type="datetimeFigureOut">
               <a:rPr lang="ko-KR" altLang="en-US" smtClean="0"/>
-              <a:t>2018-03-08</a:t>
+              <a:t>2018-03-13</a:t>
             </a:fld>
             <a:endParaRPr lang="ko-KR" altLang="en-US"/>
           </a:p>
@@ -882,7 +882,7 @@
           <a:p>
             <a:fld id="{858C740F-6345-449F-BB23-DB9DFB9BE0C6}" type="datetimeFigureOut">
               <a:rPr lang="ko-KR" altLang="en-US" smtClean="0"/>
-              <a:t>2018-03-08</a:t>
+              <a:t>2018-03-13</a:t>
             </a:fld>
             <a:endParaRPr lang="ko-KR" altLang="en-US"/>
           </a:p>
@@ -1052,7 +1052,7 @@
           <a:p>
             <a:fld id="{858C740F-6345-449F-BB23-DB9DFB9BE0C6}" type="datetimeFigureOut">
               <a:rPr lang="ko-KR" altLang="en-US" smtClean="0"/>
-              <a:t>2018-03-08</a:t>
+              <a:t>2018-03-13</a:t>
             </a:fld>
             <a:endParaRPr lang="ko-KR" altLang="en-US"/>
           </a:p>
@@ -1232,7 +1232,7 @@
           <a:p>
             <a:fld id="{858C740F-6345-449F-BB23-DB9DFB9BE0C6}" type="datetimeFigureOut">
               <a:rPr lang="ko-KR" altLang="en-US" smtClean="0"/>
-              <a:t>2018-03-08</a:t>
+              <a:t>2018-03-13</a:t>
             </a:fld>
             <a:endParaRPr lang="ko-KR" altLang="en-US"/>
           </a:p>
@@ -1402,7 +1402,7 @@
           <a:p>
             <a:fld id="{858C740F-6345-449F-BB23-DB9DFB9BE0C6}" type="datetimeFigureOut">
               <a:rPr lang="ko-KR" altLang="en-US" smtClean="0"/>
-              <a:t>2018-03-08</a:t>
+              <a:t>2018-03-13</a:t>
             </a:fld>
             <a:endParaRPr lang="ko-KR" altLang="en-US"/>
           </a:p>
@@ -1648,7 +1648,7 @@
           <a:p>
             <a:fld id="{858C740F-6345-449F-BB23-DB9DFB9BE0C6}" type="datetimeFigureOut">
               <a:rPr lang="ko-KR" altLang="en-US" smtClean="0"/>
-              <a:t>2018-03-08</a:t>
+              <a:t>2018-03-13</a:t>
             </a:fld>
             <a:endParaRPr lang="ko-KR" altLang="en-US"/>
           </a:p>
@@ -1880,7 +1880,7 @@
           <a:p>
             <a:fld id="{858C740F-6345-449F-BB23-DB9DFB9BE0C6}" type="datetimeFigureOut">
               <a:rPr lang="ko-KR" altLang="en-US" smtClean="0"/>
-              <a:t>2018-03-08</a:t>
+              <a:t>2018-03-13</a:t>
             </a:fld>
             <a:endParaRPr lang="ko-KR" altLang="en-US"/>
           </a:p>
@@ -2247,7 +2247,7 @@
           <a:p>
             <a:fld id="{858C740F-6345-449F-BB23-DB9DFB9BE0C6}" type="datetimeFigureOut">
               <a:rPr lang="ko-KR" altLang="en-US" smtClean="0"/>
-              <a:t>2018-03-08</a:t>
+              <a:t>2018-03-13</a:t>
             </a:fld>
             <a:endParaRPr lang="ko-KR" altLang="en-US"/>
           </a:p>
@@ -2365,7 +2365,7 @@
           <a:p>
             <a:fld id="{858C740F-6345-449F-BB23-DB9DFB9BE0C6}" type="datetimeFigureOut">
               <a:rPr lang="ko-KR" altLang="en-US" smtClean="0"/>
-              <a:t>2018-03-08</a:t>
+              <a:t>2018-03-13</a:t>
             </a:fld>
             <a:endParaRPr lang="ko-KR" altLang="en-US"/>
           </a:p>
@@ -2460,7 +2460,7 @@
           <a:p>
             <a:fld id="{858C740F-6345-449F-BB23-DB9DFB9BE0C6}" type="datetimeFigureOut">
               <a:rPr lang="ko-KR" altLang="en-US" smtClean="0"/>
-              <a:t>2018-03-08</a:t>
+              <a:t>2018-03-13</a:t>
             </a:fld>
             <a:endParaRPr lang="ko-KR" altLang="en-US"/>
           </a:p>
@@ -2737,7 +2737,7 @@
           <a:p>
             <a:fld id="{858C740F-6345-449F-BB23-DB9DFB9BE0C6}" type="datetimeFigureOut">
               <a:rPr lang="ko-KR" altLang="en-US" smtClean="0"/>
-              <a:t>2018-03-08</a:t>
+              <a:t>2018-03-13</a:t>
             </a:fld>
             <a:endParaRPr lang="ko-KR" altLang="en-US"/>
           </a:p>
@@ -2990,7 +2990,7 @@
           <a:p>
             <a:fld id="{858C740F-6345-449F-BB23-DB9DFB9BE0C6}" type="datetimeFigureOut">
               <a:rPr lang="ko-KR" altLang="en-US" smtClean="0"/>
-              <a:t>2018-03-08</a:t>
+              <a:t>2018-03-13</a:t>
             </a:fld>
             <a:endParaRPr lang="ko-KR" altLang="en-US"/>
           </a:p>
@@ -3203,7 +3203,7 @@
           <a:p>
             <a:fld id="{858C740F-6345-449F-BB23-DB9DFB9BE0C6}" type="datetimeFigureOut">
               <a:rPr lang="ko-KR" altLang="en-US" smtClean="0"/>
-              <a:t>2018-03-08</a:t>
+              <a:t>2018-03-13</a:t>
             </a:fld>
             <a:endParaRPr lang="ko-KR" altLang="en-US"/>
           </a:p>
@@ -7930,9 +7930,14 @@
               <a:buAutoNum type="circleNumDbPlain"/>
             </a:pPr>
             <a:r>
-              <a:rPr lang="en-US" altLang="ko-KR" dirty="0" smtClean="0"/>
-              <a:t>1</a:t>
-            </a:r>
+              <a:rPr lang="ko-KR" altLang="en-US" dirty="0" err="1" smtClean="0"/>
+              <a:t>팔굽혀</a:t>
+            </a:r>
+            <a:r>
+              <a:rPr lang="ko-KR" altLang="en-US" dirty="0" smtClean="0"/>
+              <a:t> 펴기</a:t>
+            </a:r>
+            <a:endParaRPr lang="en-US" altLang="ko-KR" dirty="0" smtClean="0"/>
           </a:p>
           <a:p>
             <a:pPr marL="342900" indent="-342900">
@@ -7947,9 +7952,10 @@
               <a:buAutoNum type="circleNumDbPlain"/>
             </a:pPr>
             <a:r>
-              <a:rPr lang="en-US" altLang="ko-KR" dirty="0" smtClean="0"/>
-              <a:t>2</a:t>
-            </a:r>
+              <a:rPr lang="ko-KR" altLang="en-US" dirty="0" err="1" smtClean="0"/>
+              <a:t>스쿼트</a:t>
+            </a:r>
+            <a:endParaRPr lang="en-US" altLang="ko-KR" dirty="0" smtClean="0"/>
           </a:p>
           <a:p>
             <a:pPr marL="342900" indent="-342900">
@@ -7964,9 +7970,10 @@
               <a:buAutoNum type="circleNumDbPlain"/>
             </a:pPr>
             <a:r>
-              <a:rPr lang="en-US" altLang="ko-KR" dirty="0" smtClean="0"/>
-              <a:t>3</a:t>
-            </a:r>
+              <a:rPr lang="ko-KR" altLang="en-US" dirty="0" err="1" smtClean="0"/>
+              <a:t>플랭크</a:t>
+            </a:r>
+            <a:endParaRPr lang="en-US" altLang="ko-KR" dirty="0" smtClean="0"/>
           </a:p>
           <a:p>
             <a:pPr marL="342900" indent="-342900">
@@ -7981,9 +7988,10 @@
               <a:buAutoNum type="circleNumDbPlain"/>
             </a:pPr>
             <a:r>
-              <a:rPr lang="en-US" altLang="ko-KR" dirty="0" smtClean="0"/>
-              <a:t>4</a:t>
-            </a:r>
+              <a:rPr lang="ko-KR" altLang="en-US" dirty="0" err="1" smtClean="0"/>
+              <a:t>레그레이즈</a:t>
+            </a:r>
+            <a:endParaRPr lang="en-US" altLang="ko-KR" dirty="0" smtClean="0"/>
           </a:p>
           <a:p>
             <a:pPr marL="342900" indent="-342900">
@@ -7998,9 +8006,10 @@
               <a:buAutoNum type="circleNumDbPlain"/>
             </a:pPr>
             <a:r>
-              <a:rPr lang="en-US" altLang="ko-KR" dirty="0" smtClean="0"/>
-              <a:t>5</a:t>
-            </a:r>
+              <a:rPr lang="ko-KR" altLang="en-US" dirty="0" err="1" smtClean="0"/>
+              <a:t>크런치</a:t>
+            </a:r>
+            <a:endParaRPr lang="en-US" altLang="ko-KR" dirty="0" smtClean="0"/>
           </a:p>
           <a:p>
             <a:pPr marL="342900" indent="-342900">
@@ -8073,9 +8082,10 @@
               <a:buAutoNum type="circleNumDbPlain" startAt="6"/>
             </a:pPr>
             <a:r>
-              <a:rPr lang="en-US" altLang="ko-KR" dirty="0" smtClean="0"/>
-              <a:t>1</a:t>
-            </a:r>
+              <a:rPr lang="ko-KR" altLang="en-US" dirty="0" smtClean="0"/>
+              <a:t>윗몸일으키기</a:t>
+            </a:r>
+            <a:endParaRPr lang="en-US" altLang="ko-KR" dirty="0" smtClean="0"/>
           </a:p>
           <a:p>
             <a:pPr marL="342900" indent="-342900">
@@ -8090,9 +8100,10 @@
               <a:buAutoNum type="circleNumDbPlain" startAt="6"/>
             </a:pPr>
             <a:r>
-              <a:rPr lang="en-US" altLang="ko-KR" dirty="0" smtClean="0"/>
-              <a:t>2</a:t>
-            </a:r>
+              <a:rPr lang="ko-KR" altLang="en-US" dirty="0" err="1" smtClean="0"/>
+              <a:t>브릿지</a:t>
+            </a:r>
+            <a:endParaRPr lang="en-US" altLang="ko-KR" dirty="0" smtClean="0"/>
           </a:p>
           <a:p>
             <a:pPr marL="342900" indent="-342900">
@@ -8107,9 +8118,10 @@
               <a:buAutoNum type="circleNumDbPlain" startAt="6"/>
             </a:pPr>
             <a:r>
-              <a:rPr lang="en-US" altLang="ko-KR" dirty="0" smtClean="0"/>
-              <a:t>3</a:t>
-            </a:r>
+              <a:rPr lang="ko-KR" altLang="en-US" dirty="0" smtClean="0"/>
+              <a:t>클러치</a:t>
+            </a:r>
+            <a:endParaRPr lang="en-US" altLang="ko-KR" dirty="0" smtClean="0"/>
           </a:p>
           <a:p>
             <a:pPr marL="342900" indent="-342900">
@@ -8124,9 +8136,10 @@
               <a:buAutoNum type="circleNumDbPlain" startAt="6"/>
             </a:pPr>
             <a:r>
-              <a:rPr lang="en-US" altLang="ko-KR" dirty="0" smtClean="0"/>
-              <a:t>4</a:t>
-            </a:r>
+              <a:rPr lang="ko-KR" altLang="en-US" dirty="0" err="1" smtClean="0"/>
+              <a:t>런지</a:t>
+            </a:r>
+            <a:endParaRPr lang="en-US" altLang="ko-KR" dirty="0" smtClean="0"/>
           </a:p>
           <a:p>
             <a:pPr marL="342900" indent="-342900">
@@ -8141,9 +8154,10 @@
               <a:buAutoNum type="circleNumDbPlain" startAt="6"/>
             </a:pPr>
             <a:r>
-              <a:rPr lang="en-US" altLang="ko-KR" dirty="0" smtClean="0"/>
-              <a:t>5</a:t>
-            </a:r>
+              <a:rPr lang="ko-KR" altLang="en-US" dirty="0" err="1" smtClean="0"/>
+              <a:t>버피테스트</a:t>
+            </a:r>
+            <a:endParaRPr lang="en-US" altLang="ko-KR" dirty="0" smtClean="0"/>
           </a:p>
           <a:p>
             <a:pPr marL="342900" indent="-342900">

--- a/Team-1/2018-03-14-발표자료/2018-03-14-발표자료.pptx
+++ b/Team-1/2018-03-14-발표자료/2018-03-14-발표자료.pptx
@@ -5,34 +5,31 @@
     <p:sldMasterId id="2147483648" r:id="rId1"/>
   </p:sldMasterIdLst>
   <p:notesMasterIdLst>
-    <p:notesMasterId r:id="rId15"/>
+    <p:notesMasterId r:id="rId12"/>
   </p:notesMasterIdLst>
   <p:sldIdLst>
     <p:sldId id="267" r:id="rId2"/>
     <p:sldId id="256" r:id="rId3"/>
-    <p:sldId id="279" r:id="rId4"/>
-    <p:sldId id="285" r:id="rId5"/>
-    <p:sldId id="283" r:id="rId6"/>
-    <p:sldId id="281" r:id="rId7"/>
-    <p:sldId id="280" r:id="rId8"/>
-    <p:sldId id="275" r:id="rId9"/>
-    <p:sldId id="260" r:id="rId10"/>
-    <p:sldId id="276" r:id="rId11"/>
-    <p:sldId id="277" r:id="rId12"/>
-    <p:sldId id="282" r:id="rId13"/>
-    <p:sldId id="268" r:id="rId14"/>
+    <p:sldId id="285" r:id="rId4"/>
+    <p:sldId id="281" r:id="rId5"/>
+    <p:sldId id="275" r:id="rId6"/>
+    <p:sldId id="260" r:id="rId7"/>
+    <p:sldId id="276" r:id="rId8"/>
+    <p:sldId id="277" r:id="rId9"/>
+    <p:sldId id="282" r:id="rId10"/>
+    <p:sldId id="268" r:id="rId11"/>
   </p:sldIdLst>
   <p:sldSz cx="12192000" cy="6858000"/>
   <p:notesSz cx="6858000" cy="9144000"/>
   <p:embeddedFontLst>
     <p:embeddedFont>
       <p:font typeface="나눔스퀘어" panose="020B0600000101010101" charset="-127"/>
-      <p:regular r:id="rId16"/>
+      <p:regular r:id="rId13"/>
     </p:embeddedFont>
     <p:embeddedFont>
       <p:font typeface="맑은 고딕" panose="020B0503020000020004" pitchFamily="50" charset="-127"/>
-      <p:regular r:id="rId17"/>
-      <p:bold r:id="rId18"/>
+      <p:regular r:id="rId14"/>
+      <p:bold r:id="rId15"/>
     </p:embeddedFont>
   </p:embeddedFontLst>
   <p:defaultTextStyle>
@@ -564,7 +561,7 @@
           <a:p>
             <a:fld id="{54CFBD2B-19E4-4F43-A5CD-A4B71A96C2EB}" type="slidenum">
               <a:rPr lang="ko-KR" altLang="en-US" smtClean="0"/>
-              <a:t>6</a:t>
+              <a:t>4</a:t>
             </a:fld>
             <a:endParaRPr lang="ko-KR" altLang="en-US"/>
           </a:p>
@@ -648,7 +645,7 @@
           <a:p>
             <a:fld id="{54CFBD2B-19E4-4F43-A5CD-A4B71A96C2EB}" type="slidenum">
               <a:rPr lang="ko-KR" altLang="en-US" smtClean="0"/>
-              <a:t>10</a:t>
+              <a:t>7</a:t>
             </a:fld>
             <a:endParaRPr lang="ko-KR" altLang="en-US"/>
           </a:p>
@@ -732,7 +729,7 @@
           <a:p>
             <a:fld id="{54CFBD2B-19E4-4F43-A5CD-A4B71A96C2EB}" type="slidenum">
               <a:rPr lang="ko-KR" altLang="en-US" smtClean="0"/>
-              <a:t>11</a:t>
+              <a:t>8</a:t>
             </a:fld>
             <a:endParaRPr lang="ko-KR" altLang="en-US"/>
           </a:p>
@@ -4099,1205 +4096,6 @@
           <a:chExt cx="0" cy="0"/>
         </a:xfrm>
       </p:grpSpPr>
-      <p:sp>
-        <p:nvSpPr>
-          <p:cNvPr id="3" name="직사각형 2"/>
-          <p:cNvSpPr/>
-          <p:nvPr/>
-        </p:nvSpPr>
-        <p:spPr>
-          <a:xfrm>
-            <a:off x="1524000" y="6715148"/>
-            <a:ext cx="9144000" cy="142852"/>
-          </a:xfrm>
-          <a:prstGeom prst="rect">
-            <a:avLst/>
-          </a:prstGeom>
-          <a:solidFill>
-            <a:srgbClr val="F9E1D2"/>
-          </a:solidFill>
-          <a:ln>
-            <a:noFill/>
-          </a:ln>
-        </p:spPr>
-        <p:style>
-          <a:lnRef idx="2">
-            <a:schemeClr val="accent1">
-              <a:shade val="50000"/>
-            </a:schemeClr>
-          </a:lnRef>
-          <a:fillRef idx="1">
-            <a:schemeClr val="accent1"/>
-          </a:fillRef>
-          <a:effectRef idx="0">
-            <a:schemeClr val="accent1"/>
-          </a:effectRef>
-          <a:fontRef idx="minor">
-            <a:schemeClr val="lt1"/>
-          </a:fontRef>
-        </p:style>
-        <p:txBody>
-          <a:bodyPr rtlCol="0" anchor="ctr"/>
-          <a:lstStyle/>
-          <a:p>
-            <a:pPr algn="ctr"/>
-            <a:endParaRPr lang="ko-KR" altLang="en-US"/>
-          </a:p>
-        </p:txBody>
-      </p:sp>
-      <p:pic>
-        <p:nvPicPr>
-          <p:cNvPr id="14" name="Picture 2" descr="핸드폰png에 대한 이미지 검색결과"/>
-          <p:cNvPicPr>
-            <a:picLocks noChangeAspect="1" noChangeArrowheads="1"/>
-          </p:cNvPicPr>
-          <p:nvPr/>
-        </p:nvPicPr>
-        <p:blipFill>
-          <a:blip r:embed="rId3">
-            <a:extLst>
-              <a:ext uri="{28A0092B-C50C-407E-A947-70E740481C1C}">
-                <a14:useLocalDpi xmlns:a14="http://schemas.microsoft.com/office/drawing/2010/main" val="0"/>
-              </a:ext>
-            </a:extLst>
-          </a:blip>
-          <a:srcRect/>
-          <a:stretch>
-            <a:fillRect/>
-          </a:stretch>
-        </p:blipFill>
-        <p:spPr bwMode="auto">
-          <a:xfrm>
-            <a:off x="5258705" y="1596140"/>
-            <a:ext cx="1674589" cy="3091549"/>
-          </a:xfrm>
-          <a:prstGeom prst="rect">
-            <a:avLst/>
-          </a:prstGeom>
-          <a:noFill/>
-          <a:extLst>
-            <a:ext uri="{909E8E84-426E-40DD-AFC4-6F175D3DCCD1}">
-              <a14:hiddenFill xmlns:a14="http://schemas.microsoft.com/office/drawing/2010/main">
-                <a:solidFill>
-                  <a:srgbClr val="FFFFFF"/>
-                </a:solidFill>
-              </a14:hiddenFill>
-            </a:ext>
-          </a:extLst>
-        </p:spPr>
-      </p:pic>
-      <p:sp>
-        <p:nvSpPr>
-          <p:cNvPr id="37" name="TextBox 36"/>
-          <p:cNvSpPr txBox="1"/>
-          <p:nvPr/>
-        </p:nvSpPr>
-        <p:spPr>
-          <a:xfrm>
-            <a:off x="2171216" y="5055732"/>
-            <a:ext cx="7849568" cy="1338828"/>
-          </a:xfrm>
-          <a:prstGeom prst="rect">
-            <a:avLst/>
-          </a:prstGeom>
-          <a:noFill/>
-        </p:spPr>
-        <p:txBody>
-          <a:bodyPr wrap="square" rtlCol="0">
-            <a:spAutoFit/>
-          </a:bodyPr>
-          <a:lstStyle/>
-          <a:p>
-            <a:pPr>
-              <a:lnSpc>
-                <a:spcPct val="150000"/>
-              </a:lnSpc>
-            </a:pPr>
-            <a:r>
-              <a:rPr lang="ko-KR" altLang="en-US" dirty="0" smtClean="0">
-                <a:solidFill>
-                  <a:srgbClr val="5A5059"/>
-                </a:solidFill>
-              </a:rPr>
-              <a:t>자세 비교 안내는 순서대로 </a:t>
-            </a:r>
-            <a:r>
-              <a:rPr lang="en-US" altLang="ko-KR" dirty="0" smtClean="0">
-                <a:solidFill>
-                  <a:srgbClr val="5A5059"/>
-                </a:solidFill>
-              </a:rPr>
-              <a:t>1</a:t>
-            </a:r>
-            <a:r>
-              <a:rPr lang="ko-KR" altLang="en-US" dirty="0" smtClean="0">
-                <a:solidFill>
-                  <a:srgbClr val="5A5059"/>
-                </a:solidFill>
-              </a:rPr>
-              <a:t>번부터 ○번 구분 동작 까지의 자세를 천천히 사용자가 취할 수 있도록 음성을 통해 안내합니다</a:t>
-            </a:r>
-            <a:r>
-              <a:rPr lang="en-US" altLang="ko-KR" dirty="0" smtClean="0">
-                <a:solidFill>
-                  <a:srgbClr val="5A5059"/>
-                </a:solidFill>
-              </a:rPr>
-              <a:t>.</a:t>
-            </a:r>
-          </a:p>
-          <a:p>
-            <a:pPr>
-              <a:lnSpc>
-                <a:spcPct val="150000"/>
-              </a:lnSpc>
-            </a:pPr>
-            <a:r>
-              <a:rPr lang="en-US" altLang="ko-KR" dirty="0" smtClean="0">
-                <a:solidFill>
-                  <a:srgbClr val="5A5059"/>
-                </a:solidFill>
-              </a:rPr>
-              <a:t>Ex) 1</a:t>
-            </a:r>
-            <a:r>
-              <a:rPr lang="ko-KR" altLang="en-US" dirty="0" smtClean="0">
-                <a:solidFill>
-                  <a:srgbClr val="5A5059"/>
-                </a:solidFill>
-              </a:rPr>
-              <a:t>번 구분 동작을 취해주세요</a:t>
-            </a:r>
-            <a:r>
-              <a:rPr lang="en-US" altLang="ko-KR" dirty="0" smtClean="0">
-                <a:solidFill>
-                  <a:srgbClr val="5A5059"/>
-                </a:solidFill>
-              </a:rPr>
-              <a:t>, 5</a:t>
-            </a:r>
-            <a:r>
-              <a:rPr lang="ko-KR" altLang="en-US" dirty="0" err="1" smtClean="0">
-                <a:solidFill>
-                  <a:srgbClr val="5A5059"/>
-                </a:solidFill>
-              </a:rPr>
-              <a:t>초뒤에</a:t>
-            </a:r>
-            <a:r>
-              <a:rPr lang="ko-KR" altLang="en-US" dirty="0" smtClean="0">
-                <a:solidFill>
-                  <a:srgbClr val="5A5059"/>
-                </a:solidFill>
-              </a:rPr>
-              <a:t> 촬영이 시작됩니다</a:t>
-            </a:r>
-            <a:r>
-              <a:rPr lang="en-US" altLang="ko-KR" dirty="0" smtClean="0">
-                <a:solidFill>
-                  <a:srgbClr val="5A5059"/>
-                </a:solidFill>
-              </a:rPr>
-              <a:t>. 5,4,3,2,1…</a:t>
-            </a:r>
-            <a:endParaRPr lang="ko-KR" altLang="en-US" dirty="0">
-              <a:solidFill>
-                <a:srgbClr val="5A5059"/>
-              </a:solidFill>
-            </a:endParaRPr>
-          </a:p>
-        </p:txBody>
-      </p:sp>
-      <p:pic>
-        <p:nvPicPr>
-          <p:cNvPr id="2" name="그림 1"/>
-          <p:cNvPicPr>
-            <a:picLocks noChangeAspect="1"/>
-          </p:cNvPicPr>
-          <p:nvPr/>
-        </p:nvPicPr>
-        <p:blipFill>
-          <a:blip r:embed="rId4"/>
-          <a:stretch>
-            <a:fillRect/>
-          </a:stretch>
-        </p:blipFill>
-        <p:spPr>
-          <a:xfrm>
-            <a:off x="5448299" y="2151622"/>
-            <a:ext cx="1295400" cy="1162050"/>
-          </a:xfrm>
-          <a:prstGeom prst="rect">
-            <a:avLst/>
-          </a:prstGeom>
-        </p:spPr>
-      </p:pic>
-      <p:sp>
-        <p:nvSpPr>
-          <p:cNvPr id="4" name="TextBox 3"/>
-          <p:cNvSpPr txBox="1"/>
-          <p:nvPr/>
-        </p:nvSpPr>
-        <p:spPr>
-          <a:xfrm>
-            <a:off x="5489904" y="3398194"/>
-            <a:ext cx="1212191" cy="646331"/>
-          </a:xfrm>
-          <a:prstGeom prst="rect">
-            <a:avLst/>
-          </a:prstGeom>
-          <a:noFill/>
-        </p:spPr>
-        <p:txBody>
-          <a:bodyPr wrap="none" rtlCol="0">
-            <a:spAutoFit/>
-          </a:bodyPr>
-          <a:lstStyle/>
-          <a:p>
-            <a:pPr algn="ctr"/>
-            <a:r>
-              <a:rPr lang="ko-KR" altLang="en-US" dirty="0" smtClean="0"/>
-              <a:t>자세 비교</a:t>
-            </a:r>
-            <a:endParaRPr lang="en-US" altLang="ko-KR" dirty="0" smtClean="0"/>
-          </a:p>
-          <a:p>
-            <a:pPr algn="ctr"/>
-            <a:r>
-              <a:rPr lang="ko-KR" altLang="en-US" dirty="0" smtClean="0"/>
-              <a:t>안내 중</a:t>
-            </a:r>
-            <a:r>
-              <a:rPr lang="en-US" altLang="ko-KR" dirty="0" smtClean="0"/>
-              <a:t>…</a:t>
-            </a:r>
-            <a:endParaRPr lang="ko-KR" altLang="en-US" dirty="0"/>
-          </a:p>
-        </p:txBody>
-      </p:sp>
-      <p:sp>
-        <p:nvSpPr>
-          <p:cNvPr id="9" name="직사각형 8">
-            <a:extLst>
-              <a:ext uri="{FF2B5EF4-FFF2-40B4-BE49-F238E27FC236}">
-                <a16:creationId xmlns:a16="http://schemas.microsoft.com/office/drawing/2014/main" id="{BC928A49-E8FC-4698-9DF3-C1ECCCAA9010}"/>
-              </a:ext>
-            </a:extLst>
-          </p:cNvPr>
-          <p:cNvSpPr/>
-          <p:nvPr/>
-        </p:nvSpPr>
-        <p:spPr>
-          <a:xfrm>
-            <a:off x="0" y="358461"/>
-            <a:ext cx="552450" cy="779907"/>
-          </a:xfrm>
-          <a:prstGeom prst="rect">
-            <a:avLst/>
-          </a:prstGeom>
-          <a:solidFill>
-            <a:srgbClr val="F1DBCB"/>
-          </a:solidFill>
-          <a:ln>
-            <a:noFill/>
-          </a:ln>
-        </p:spPr>
-        <p:style>
-          <a:lnRef idx="2">
-            <a:schemeClr val="accent1">
-              <a:shade val="50000"/>
-            </a:schemeClr>
-          </a:lnRef>
-          <a:fillRef idx="1">
-            <a:schemeClr val="accent1"/>
-          </a:fillRef>
-          <a:effectRef idx="0">
-            <a:schemeClr val="accent1"/>
-          </a:effectRef>
-          <a:fontRef idx="minor">
-            <a:schemeClr val="lt1"/>
-          </a:fontRef>
-        </p:style>
-        <p:txBody>
-          <a:bodyPr rtlCol="0" anchor="ctr"/>
-          <a:lstStyle/>
-          <a:p>
-            <a:pPr algn="ctr"/>
-            <a:endParaRPr lang="ko-KR" altLang="en-US"/>
-          </a:p>
-        </p:txBody>
-      </p:sp>
-      <p:sp>
-        <p:nvSpPr>
-          <p:cNvPr id="10" name="TextBox 9">
-            <a:extLst>
-              <a:ext uri="{FF2B5EF4-FFF2-40B4-BE49-F238E27FC236}">
-                <a16:creationId xmlns:a16="http://schemas.microsoft.com/office/drawing/2014/main" id="{E0ADA58E-6A48-4162-A86C-847135D83AB1}"/>
-              </a:ext>
-            </a:extLst>
-          </p:cNvPr>
-          <p:cNvSpPr txBox="1"/>
-          <p:nvPr/>
-        </p:nvSpPr>
-        <p:spPr>
-          <a:xfrm>
-            <a:off x="580586" y="441958"/>
-            <a:ext cx="1794081" cy="584775"/>
-          </a:xfrm>
-          <a:prstGeom prst="rect">
-            <a:avLst/>
-          </a:prstGeom>
-          <a:noFill/>
-        </p:spPr>
-        <p:txBody>
-          <a:bodyPr wrap="none" rtlCol="0">
-            <a:spAutoFit/>
-          </a:bodyPr>
-          <a:lstStyle/>
-          <a:p>
-            <a:r>
-              <a:rPr lang="ko-KR" altLang="en-US" sz="3200" b="1" dirty="0" smtClean="0">
-                <a:ln>
-                  <a:solidFill>
-                    <a:schemeClr val="bg2">
-                      <a:lumMod val="50000"/>
-                      <a:alpha val="15000"/>
-                    </a:schemeClr>
-                  </a:solidFill>
-                </a:ln>
-                <a:solidFill>
-                  <a:schemeClr val="bg2">
-                    <a:lumMod val="50000"/>
-                  </a:schemeClr>
-                </a:solidFill>
-                <a:latin typeface="나눔스퀘어" panose="020B0600000101010101" pitchFamily="50" charset="-127"/>
-                <a:ea typeface="나눔스퀘어" panose="020B0600000101010101" pitchFamily="50" charset="-127"/>
-                <a:cs typeface="조선일보명조" panose="02030304000000000000" pitchFamily="18" charset="-127"/>
-              </a:rPr>
-              <a:t>자세비교</a:t>
-            </a:r>
-            <a:endParaRPr lang="ko-KR" altLang="en-US" sz="3200" b="1" dirty="0">
-              <a:ln>
-                <a:solidFill>
-                  <a:schemeClr val="bg2">
-                    <a:lumMod val="50000"/>
-                    <a:alpha val="15000"/>
-                  </a:schemeClr>
-                </a:solidFill>
-              </a:ln>
-              <a:solidFill>
-                <a:schemeClr val="bg2">
-                  <a:lumMod val="50000"/>
-                </a:schemeClr>
-              </a:solidFill>
-              <a:latin typeface="나눔스퀘어" panose="020B0600000101010101" pitchFamily="50" charset="-127"/>
-              <a:ea typeface="나눔스퀘어" panose="020B0600000101010101" pitchFamily="50" charset="-127"/>
-              <a:cs typeface="조선일보명조" panose="02030304000000000000" pitchFamily="18" charset="-127"/>
-            </a:endParaRPr>
-          </a:p>
-        </p:txBody>
-      </p:sp>
-    </p:spTree>
-    <p:extLst>
-      <p:ext uri="{BB962C8B-B14F-4D97-AF65-F5344CB8AC3E}">
-        <p14:creationId xmlns:p14="http://schemas.microsoft.com/office/powerpoint/2010/main" val="1363279188"/>
-      </p:ext>
-    </p:extLst>
-  </p:cSld>
-  <p:clrMapOvr>
-    <a:masterClrMapping/>
-  </p:clrMapOvr>
-  <p:timing>
-    <p:tnLst>
-      <p:par>
-        <p:cTn id="1" dur="indefinite" restart="never" nodeType="tmRoot"/>
-      </p:par>
-    </p:tnLst>
-  </p:timing>
-</p:sld>
-</file>
-
-<file path=ppt/slides/slide11.xml><?xml version="1.0" encoding="utf-8"?>
-<p:sld xmlns:a="http://schemas.openxmlformats.org/drawingml/2006/main" xmlns:r="http://schemas.openxmlformats.org/officeDocument/2006/relationships" xmlns:p="http://schemas.openxmlformats.org/presentationml/2006/main">
-  <p:cSld>
-    <p:spTree>
-      <p:nvGrpSpPr>
-        <p:cNvPr id="1" name=""/>
-        <p:cNvGrpSpPr/>
-        <p:nvPr/>
-      </p:nvGrpSpPr>
-      <p:grpSpPr>
-        <a:xfrm>
-          <a:off x="0" y="0"/>
-          <a:ext cx="0" cy="0"/>
-          <a:chOff x="0" y="0"/>
-          <a:chExt cx="0" cy="0"/>
-        </a:xfrm>
-      </p:grpSpPr>
-      <p:sp>
-        <p:nvSpPr>
-          <p:cNvPr id="3" name="직사각형 2"/>
-          <p:cNvSpPr/>
-          <p:nvPr/>
-        </p:nvSpPr>
-        <p:spPr>
-          <a:xfrm>
-            <a:off x="1524000" y="6715148"/>
-            <a:ext cx="9144000" cy="142852"/>
-          </a:xfrm>
-          <a:prstGeom prst="rect">
-            <a:avLst/>
-          </a:prstGeom>
-          <a:solidFill>
-            <a:srgbClr val="F9E1D2"/>
-          </a:solidFill>
-          <a:ln>
-            <a:noFill/>
-          </a:ln>
-        </p:spPr>
-        <p:style>
-          <a:lnRef idx="2">
-            <a:schemeClr val="accent1">
-              <a:shade val="50000"/>
-            </a:schemeClr>
-          </a:lnRef>
-          <a:fillRef idx="1">
-            <a:schemeClr val="accent1"/>
-          </a:fillRef>
-          <a:effectRef idx="0">
-            <a:schemeClr val="accent1"/>
-          </a:effectRef>
-          <a:fontRef idx="minor">
-            <a:schemeClr val="lt1"/>
-          </a:fontRef>
-        </p:style>
-        <p:txBody>
-          <a:bodyPr rtlCol="0" anchor="ctr"/>
-          <a:lstStyle/>
-          <a:p>
-            <a:pPr algn="ctr"/>
-            <a:endParaRPr lang="ko-KR" altLang="en-US"/>
-          </a:p>
-        </p:txBody>
-      </p:sp>
-      <p:pic>
-        <p:nvPicPr>
-          <p:cNvPr id="8" name="Picture 2" descr="핸드폰png에 대한 이미지 검색결과"/>
-          <p:cNvPicPr>
-            <a:picLocks noChangeAspect="1" noChangeArrowheads="1"/>
-          </p:cNvPicPr>
-          <p:nvPr/>
-        </p:nvPicPr>
-        <p:blipFill>
-          <a:blip r:embed="rId3">
-            <a:extLst>
-              <a:ext uri="{28A0092B-C50C-407E-A947-70E740481C1C}">
-                <a14:useLocalDpi xmlns:a14="http://schemas.microsoft.com/office/drawing/2010/main" val="0"/>
-              </a:ext>
-            </a:extLst>
-          </a:blip>
-          <a:srcRect/>
-          <a:stretch>
-            <a:fillRect/>
-          </a:stretch>
-        </p:blipFill>
-        <p:spPr bwMode="auto">
-          <a:xfrm>
-            <a:off x="2179075" y="1655651"/>
-            <a:ext cx="1674589" cy="3091549"/>
-          </a:xfrm>
-          <a:prstGeom prst="rect">
-            <a:avLst/>
-          </a:prstGeom>
-          <a:noFill/>
-          <a:extLst>
-            <a:ext uri="{909E8E84-426E-40DD-AFC4-6F175D3DCCD1}">
-              <a14:hiddenFill xmlns:a14="http://schemas.microsoft.com/office/drawing/2010/main">
-                <a:solidFill>
-                  <a:srgbClr val="FFFFFF"/>
-                </a:solidFill>
-              </a14:hiddenFill>
-            </a:ext>
-          </a:extLst>
-        </p:spPr>
-      </p:pic>
-      <p:sp>
-        <p:nvSpPr>
-          <p:cNvPr id="9" name="직사각형 8"/>
-          <p:cNvSpPr/>
-          <p:nvPr/>
-        </p:nvSpPr>
-        <p:spPr>
-          <a:xfrm>
-            <a:off x="2207568" y="1865721"/>
-            <a:ext cx="1620000" cy="1276400"/>
-          </a:xfrm>
-          <a:prstGeom prst="rect">
-            <a:avLst/>
-          </a:prstGeom>
-          <a:noFill/>
-          <a:ln>
-            <a:solidFill>
-              <a:schemeClr val="tx1"/>
-            </a:solidFill>
-          </a:ln>
-        </p:spPr>
-        <p:style>
-          <a:lnRef idx="2">
-            <a:schemeClr val="accent1">
-              <a:shade val="50000"/>
-            </a:schemeClr>
-          </a:lnRef>
-          <a:fillRef idx="1">
-            <a:schemeClr val="accent1"/>
-          </a:fillRef>
-          <a:effectRef idx="0">
-            <a:schemeClr val="accent1"/>
-          </a:effectRef>
-          <a:fontRef idx="minor">
-            <a:schemeClr val="lt1"/>
-          </a:fontRef>
-        </p:style>
-        <p:txBody>
-          <a:bodyPr rtlCol="0" anchor="ctr"/>
-          <a:lstStyle/>
-          <a:p>
-            <a:pPr algn="ctr"/>
-            <a:endParaRPr lang="ko-KR" altLang="en-US"/>
-          </a:p>
-        </p:txBody>
-      </p:sp>
-      <p:sp>
-        <p:nvSpPr>
-          <p:cNvPr id="10" name="TextBox 9"/>
-          <p:cNvSpPr txBox="1"/>
-          <p:nvPr/>
-        </p:nvSpPr>
-        <p:spPr>
-          <a:xfrm>
-            <a:off x="2207568" y="2156653"/>
-            <a:ext cx="1620000" cy="646331"/>
-          </a:xfrm>
-          <a:prstGeom prst="rect">
-            <a:avLst/>
-          </a:prstGeom>
-          <a:noFill/>
-        </p:spPr>
-        <p:txBody>
-          <a:bodyPr wrap="square" rtlCol="0">
-            <a:spAutoFit/>
-          </a:bodyPr>
-          <a:lstStyle/>
-          <a:p>
-            <a:pPr algn="ctr"/>
-            <a:r>
-              <a:rPr lang="ko-KR" altLang="en-US"/>
-              <a:t>트레이너의 자세</a:t>
-            </a:r>
-          </a:p>
-        </p:txBody>
-      </p:sp>
-      <p:sp>
-        <p:nvSpPr>
-          <p:cNvPr id="11" name="TextBox 10"/>
-          <p:cNvSpPr txBox="1"/>
-          <p:nvPr/>
-        </p:nvSpPr>
-        <p:spPr>
-          <a:xfrm>
-            <a:off x="2206368" y="3575328"/>
-            <a:ext cx="1620000" cy="369332"/>
-          </a:xfrm>
-          <a:prstGeom prst="rect">
-            <a:avLst/>
-          </a:prstGeom>
-          <a:noFill/>
-        </p:spPr>
-        <p:txBody>
-          <a:bodyPr wrap="square" rtlCol="0">
-            <a:spAutoFit/>
-          </a:bodyPr>
-          <a:lstStyle/>
-          <a:p>
-            <a:pPr algn="ctr"/>
-            <a:r>
-              <a:rPr lang="ko-KR" altLang="en-US" dirty="0" smtClean="0"/>
-              <a:t>사용자 </a:t>
-            </a:r>
-            <a:r>
-              <a:rPr lang="ko-KR" altLang="en-US" dirty="0"/>
-              <a:t>자세</a:t>
-            </a:r>
-          </a:p>
-        </p:txBody>
-      </p:sp>
-      <p:pic>
-        <p:nvPicPr>
-          <p:cNvPr id="16" name="그림 15"/>
-          <p:cNvPicPr>
-            <a:picLocks noChangeAspect="1"/>
-          </p:cNvPicPr>
-          <p:nvPr/>
-        </p:nvPicPr>
-        <p:blipFill>
-          <a:blip r:embed="rId4"/>
-          <a:stretch>
-            <a:fillRect/>
-          </a:stretch>
-        </p:blipFill>
-        <p:spPr>
-          <a:xfrm>
-            <a:off x="4511824" y="1825116"/>
-            <a:ext cx="5689328" cy="2812170"/>
-          </a:xfrm>
-          <a:prstGeom prst="rect">
-            <a:avLst/>
-          </a:prstGeom>
-        </p:spPr>
-      </p:pic>
-      <p:cxnSp>
-        <p:nvCxnSpPr>
-          <p:cNvPr id="19" name="직선 화살표 연결선 18"/>
-          <p:cNvCxnSpPr/>
-          <p:nvPr/>
-        </p:nvCxnSpPr>
-        <p:spPr>
-          <a:xfrm>
-            <a:off x="3800274" y="3845562"/>
-            <a:ext cx="711551" cy="12052"/>
-          </a:xfrm>
-          <a:prstGeom prst="straightConnector1">
-            <a:avLst/>
-          </a:prstGeom>
-          <a:ln w="38100">
-            <a:solidFill>
-              <a:srgbClr val="FF0000"/>
-            </a:solidFill>
-            <a:tailEnd type="triangle"/>
-          </a:ln>
-        </p:spPr>
-        <p:style>
-          <a:lnRef idx="1">
-            <a:schemeClr val="accent1"/>
-          </a:lnRef>
-          <a:fillRef idx="0">
-            <a:schemeClr val="accent1"/>
-          </a:fillRef>
-          <a:effectRef idx="0">
-            <a:schemeClr val="accent1"/>
-          </a:effectRef>
-          <a:fontRef idx="minor">
-            <a:schemeClr val="tx1"/>
-          </a:fontRef>
-        </p:style>
-      </p:cxnSp>
-      <p:cxnSp>
-        <p:nvCxnSpPr>
-          <p:cNvPr id="20" name="직선 화살표 연결선 19"/>
-          <p:cNvCxnSpPr/>
-          <p:nvPr/>
-        </p:nvCxnSpPr>
-        <p:spPr>
-          <a:xfrm>
-            <a:off x="3800274" y="2491869"/>
-            <a:ext cx="711551" cy="12052"/>
-          </a:xfrm>
-          <a:prstGeom prst="straightConnector1">
-            <a:avLst/>
-          </a:prstGeom>
-          <a:ln w="38100">
-            <a:solidFill>
-              <a:srgbClr val="FF0000"/>
-            </a:solidFill>
-            <a:tailEnd type="triangle"/>
-          </a:ln>
-        </p:spPr>
-        <p:style>
-          <a:lnRef idx="1">
-            <a:schemeClr val="accent1"/>
-          </a:lnRef>
-          <a:fillRef idx="0">
-            <a:schemeClr val="accent1"/>
-          </a:fillRef>
-          <a:effectRef idx="0">
-            <a:schemeClr val="accent1"/>
-          </a:effectRef>
-          <a:fontRef idx="minor">
-            <a:schemeClr val="tx1"/>
-          </a:fontRef>
-        </p:style>
-      </p:cxnSp>
-      <p:sp>
-        <p:nvSpPr>
-          <p:cNvPr id="23" name="TextBox 22"/>
-          <p:cNvSpPr txBox="1"/>
-          <p:nvPr/>
-        </p:nvSpPr>
-        <p:spPr>
-          <a:xfrm>
-            <a:off x="2351584" y="5061799"/>
-            <a:ext cx="7849568" cy="923330"/>
-          </a:xfrm>
-          <a:prstGeom prst="rect">
-            <a:avLst/>
-          </a:prstGeom>
-          <a:noFill/>
-        </p:spPr>
-        <p:txBody>
-          <a:bodyPr wrap="square" rtlCol="0">
-            <a:spAutoFit/>
-          </a:bodyPr>
-          <a:lstStyle/>
-          <a:p>
-            <a:pPr>
-              <a:lnSpc>
-                <a:spcPct val="150000"/>
-              </a:lnSpc>
-            </a:pPr>
-            <a:r>
-              <a:rPr lang="ko-KR" altLang="en-US" dirty="0" smtClean="0"/>
-              <a:t>이후 촬영된 사진을 위와 같이 영상 처리된 결과물이 트레이너의 자세와 사용자 자세로 나누어 출력됩니다</a:t>
-            </a:r>
-            <a:r>
-              <a:rPr lang="en-US" altLang="ko-KR" dirty="0" smtClean="0"/>
-              <a:t>.</a:t>
-            </a:r>
-            <a:endParaRPr lang="ko-KR" altLang="en-US" dirty="0"/>
-          </a:p>
-        </p:txBody>
-      </p:sp>
-      <p:sp>
-        <p:nvSpPr>
-          <p:cNvPr id="14" name="직사각형 13">
-            <a:extLst>
-              <a:ext uri="{FF2B5EF4-FFF2-40B4-BE49-F238E27FC236}">
-                <a16:creationId xmlns:a16="http://schemas.microsoft.com/office/drawing/2014/main" id="{BC928A49-E8FC-4698-9DF3-C1ECCCAA9010}"/>
-              </a:ext>
-            </a:extLst>
-          </p:cNvPr>
-          <p:cNvSpPr/>
-          <p:nvPr/>
-        </p:nvSpPr>
-        <p:spPr>
-          <a:xfrm>
-            <a:off x="0" y="358461"/>
-            <a:ext cx="552450" cy="779907"/>
-          </a:xfrm>
-          <a:prstGeom prst="rect">
-            <a:avLst/>
-          </a:prstGeom>
-          <a:solidFill>
-            <a:srgbClr val="F1DBCB"/>
-          </a:solidFill>
-          <a:ln>
-            <a:noFill/>
-          </a:ln>
-        </p:spPr>
-        <p:style>
-          <a:lnRef idx="2">
-            <a:schemeClr val="accent1">
-              <a:shade val="50000"/>
-            </a:schemeClr>
-          </a:lnRef>
-          <a:fillRef idx="1">
-            <a:schemeClr val="accent1"/>
-          </a:fillRef>
-          <a:effectRef idx="0">
-            <a:schemeClr val="accent1"/>
-          </a:effectRef>
-          <a:fontRef idx="minor">
-            <a:schemeClr val="lt1"/>
-          </a:fontRef>
-        </p:style>
-        <p:txBody>
-          <a:bodyPr rtlCol="0" anchor="ctr"/>
-          <a:lstStyle/>
-          <a:p>
-            <a:pPr algn="ctr"/>
-            <a:endParaRPr lang="ko-KR" altLang="en-US"/>
-          </a:p>
-        </p:txBody>
-      </p:sp>
-      <p:sp>
-        <p:nvSpPr>
-          <p:cNvPr id="15" name="TextBox 14">
-            <a:extLst>
-              <a:ext uri="{FF2B5EF4-FFF2-40B4-BE49-F238E27FC236}">
-                <a16:creationId xmlns:a16="http://schemas.microsoft.com/office/drawing/2014/main" id="{E0ADA58E-6A48-4162-A86C-847135D83AB1}"/>
-              </a:ext>
-            </a:extLst>
-          </p:cNvPr>
-          <p:cNvSpPr txBox="1"/>
-          <p:nvPr/>
-        </p:nvSpPr>
-        <p:spPr>
-          <a:xfrm>
-            <a:off x="580586" y="441958"/>
-            <a:ext cx="1794081" cy="584775"/>
-          </a:xfrm>
-          <a:prstGeom prst="rect">
-            <a:avLst/>
-          </a:prstGeom>
-          <a:noFill/>
-        </p:spPr>
-        <p:txBody>
-          <a:bodyPr wrap="none" rtlCol="0">
-            <a:spAutoFit/>
-          </a:bodyPr>
-          <a:lstStyle/>
-          <a:p>
-            <a:r>
-              <a:rPr lang="ko-KR" altLang="en-US" sz="3200" b="1" dirty="0" smtClean="0">
-                <a:ln>
-                  <a:solidFill>
-                    <a:schemeClr val="bg2">
-                      <a:lumMod val="50000"/>
-                      <a:alpha val="15000"/>
-                    </a:schemeClr>
-                  </a:solidFill>
-                </a:ln>
-                <a:solidFill>
-                  <a:schemeClr val="bg2">
-                    <a:lumMod val="50000"/>
-                  </a:schemeClr>
-                </a:solidFill>
-                <a:latin typeface="나눔스퀘어" panose="020B0600000101010101" pitchFamily="50" charset="-127"/>
-                <a:ea typeface="나눔스퀘어" panose="020B0600000101010101" pitchFamily="50" charset="-127"/>
-                <a:cs typeface="조선일보명조" panose="02030304000000000000" pitchFamily="18" charset="-127"/>
-              </a:rPr>
-              <a:t>자세비교</a:t>
-            </a:r>
-            <a:endParaRPr lang="ko-KR" altLang="en-US" sz="3200" b="1" dirty="0">
-              <a:ln>
-                <a:solidFill>
-                  <a:schemeClr val="bg2">
-                    <a:lumMod val="50000"/>
-                    <a:alpha val="15000"/>
-                  </a:schemeClr>
-                </a:solidFill>
-              </a:ln>
-              <a:solidFill>
-                <a:schemeClr val="bg2">
-                  <a:lumMod val="50000"/>
-                </a:schemeClr>
-              </a:solidFill>
-              <a:latin typeface="나눔스퀘어" panose="020B0600000101010101" pitchFamily="50" charset="-127"/>
-              <a:ea typeface="나눔스퀘어" panose="020B0600000101010101" pitchFamily="50" charset="-127"/>
-              <a:cs typeface="조선일보명조" panose="02030304000000000000" pitchFamily="18" charset="-127"/>
-            </a:endParaRPr>
-          </a:p>
-        </p:txBody>
-      </p:sp>
-    </p:spTree>
-    <p:extLst>
-      <p:ext uri="{BB962C8B-B14F-4D97-AF65-F5344CB8AC3E}">
-        <p14:creationId xmlns:p14="http://schemas.microsoft.com/office/powerpoint/2010/main" val="2488935104"/>
-      </p:ext>
-    </p:extLst>
-  </p:cSld>
-  <p:clrMapOvr>
-    <a:masterClrMapping/>
-  </p:clrMapOvr>
-  <p:timing>
-    <p:tnLst>
-      <p:par>
-        <p:cTn id="1" dur="indefinite" restart="never" nodeType="tmRoot"/>
-      </p:par>
-    </p:tnLst>
-  </p:timing>
-</p:sld>
-</file>
-
-<file path=ppt/slides/slide12.xml><?xml version="1.0" encoding="utf-8"?>
-<p:sld xmlns:a="http://schemas.openxmlformats.org/drawingml/2006/main" xmlns:r="http://schemas.openxmlformats.org/officeDocument/2006/relationships" xmlns:p="http://schemas.openxmlformats.org/presentationml/2006/main">
-  <p:cSld>
-    <p:spTree>
-      <p:nvGrpSpPr>
-        <p:cNvPr id="1" name=""/>
-        <p:cNvGrpSpPr/>
-        <p:nvPr/>
-      </p:nvGrpSpPr>
-      <p:grpSpPr>
-        <a:xfrm>
-          <a:off x="0" y="0"/>
-          <a:ext cx="0" cy="0"/>
-          <a:chOff x="0" y="0"/>
-          <a:chExt cx="0" cy="0"/>
-        </a:xfrm>
-      </p:grpSpPr>
-      <p:sp>
-        <p:nvSpPr>
-          <p:cNvPr id="7" name="직사각형 6"/>
-          <p:cNvSpPr/>
-          <p:nvPr/>
-        </p:nvSpPr>
-        <p:spPr>
-          <a:xfrm>
-            <a:off x="5831912" y="1678828"/>
-            <a:ext cx="3365326" cy="45719"/>
-          </a:xfrm>
-          <a:prstGeom prst="rect">
-            <a:avLst/>
-          </a:prstGeom>
-          <a:solidFill>
-            <a:srgbClr val="2E2926"/>
-          </a:solidFill>
-          <a:ln>
-            <a:noFill/>
-          </a:ln>
-        </p:spPr>
-        <p:style>
-          <a:lnRef idx="2">
-            <a:schemeClr val="accent1">
-              <a:shade val="50000"/>
-            </a:schemeClr>
-          </a:lnRef>
-          <a:fillRef idx="1">
-            <a:schemeClr val="accent1"/>
-          </a:fillRef>
-          <a:effectRef idx="0">
-            <a:schemeClr val="accent1"/>
-          </a:effectRef>
-          <a:fontRef idx="minor">
-            <a:schemeClr val="lt1"/>
-          </a:fontRef>
-        </p:style>
-        <p:txBody>
-          <a:bodyPr rtlCol="0" anchor="ctr"/>
-          <a:lstStyle/>
-          <a:p>
-            <a:pPr algn="ctr"/>
-            <a:endParaRPr lang="ko-KR" altLang="en-US"/>
-          </a:p>
-        </p:txBody>
-      </p:sp>
-      <p:sp>
-        <p:nvSpPr>
-          <p:cNvPr id="8" name="직사각형 7"/>
-          <p:cNvSpPr/>
-          <p:nvPr/>
-        </p:nvSpPr>
-        <p:spPr>
-          <a:xfrm>
-            <a:off x="807791" y="1683026"/>
-            <a:ext cx="8839926" cy="5174974"/>
-          </a:xfrm>
-          <a:prstGeom prst="rect">
-            <a:avLst/>
-          </a:prstGeom>
-          <a:solidFill>
-            <a:srgbClr val="F9E1D2"/>
-          </a:solidFill>
-          <a:ln>
-            <a:noFill/>
-          </a:ln>
-        </p:spPr>
-        <p:style>
-          <a:lnRef idx="2">
-            <a:schemeClr val="accent1">
-              <a:shade val="50000"/>
-            </a:schemeClr>
-          </a:lnRef>
-          <a:fillRef idx="1">
-            <a:schemeClr val="accent1"/>
-          </a:fillRef>
-          <a:effectRef idx="0">
-            <a:schemeClr val="accent1"/>
-          </a:effectRef>
-          <a:fontRef idx="minor">
-            <a:schemeClr val="lt1"/>
-          </a:fontRef>
-        </p:style>
-        <p:txBody>
-          <a:bodyPr rtlCol="0" anchor="ctr"/>
-          <a:lstStyle/>
-          <a:p>
-            <a:pPr algn="ctr"/>
-            <a:endParaRPr lang="ko-KR" altLang="en-US"/>
-          </a:p>
-        </p:txBody>
-      </p:sp>
-      <p:sp>
-        <p:nvSpPr>
-          <p:cNvPr id="3" name="직사각형 2"/>
-          <p:cNvSpPr/>
-          <p:nvPr/>
-        </p:nvSpPr>
-        <p:spPr>
-          <a:xfrm>
-            <a:off x="0" y="3050771"/>
-            <a:ext cx="12192000" cy="1388225"/>
-          </a:xfrm>
-          <a:prstGeom prst="rect">
-            <a:avLst/>
-          </a:prstGeom>
-          <a:solidFill>
-            <a:schemeClr val="bg1"/>
-          </a:solidFill>
-          <a:ln>
-            <a:solidFill>
-              <a:schemeClr val="bg1"/>
-            </a:solidFill>
-          </a:ln>
-        </p:spPr>
-        <p:style>
-          <a:lnRef idx="2">
-            <a:schemeClr val="accent1">
-              <a:shade val="50000"/>
-            </a:schemeClr>
-          </a:lnRef>
-          <a:fillRef idx="1">
-            <a:schemeClr val="accent1"/>
-          </a:fillRef>
-          <a:effectRef idx="0">
-            <a:schemeClr val="accent1"/>
-          </a:effectRef>
-          <a:fontRef idx="minor">
-            <a:schemeClr val="lt1"/>
-          </a:fontRef>
-        </p:style>
-        <p:txBody>
-          <a:bodyPr rtlCol="0" anchor="ctr"/>
-          <a:lstStyle/>
-          <a:p>
-            <a:pPr algn="ctr"/>
-            <a:endParaRPr lang="ko-KR" altLang="en-US"/>
-          </a:p>
-        </p:txBody>
-      </p:sp>
-      <p:pic>
-        <p:nvPicPr>
-          <p:cNvPr id="2" name="그림 1"/>
-          <p:cNvPicPr>
-            <a:picLocks noChangeAspect="1"/>
-          </p:cNvPicPr>
-          <p:nvPr/>
-        </p:nvPicPr>
-        <p:blipFill>
-          <a:blip r:embed="rId2"/>
-          <a:stretch>
-            <a:fillRect/>
-          </a:stretch>
-        </p:blipFill>
-        <p:spPr>
-          <a:xfrm>
-            <a:off x="8115763" y="433928"/>
-            <a:ext cx="3815806" cy="5895343"/>
-          </a:xfrm>
-          <a:prstGeom prst="rect">
-            <a:avLst/>
-          </a:prstGeom>
-        </p:spPr>
-      </p:pic>
-      <p:sp>
-        <p:nvSpPr>
-          <p:cNvPr id="9" name="TextBox 8">
-            <a:extLst>
-              <a:ext uri="{FF2B5EF4-FFF2-40B4-BE49-F238E27FC236}">
-                <a16:creationId xmlns:a16="http://schemas.microsoft.com/office/drawing/2014/main" id="{53D894E1-17B5-4116-8BF7-04FAC5459A1A}"/>
-              </a:ext>
-            </a:extLst>
-          </p:cNvPr>
-          <p:cNvSpPr txBox="1"/>
-          <p:nvPr/>
-        </p:nvSpPr>
-        <p:spPr>
-          <a:xfrm>
-            <a:off x="4439542" y="2838558"/>
-            <a:ext cx="2784737" cy="1600438"/>
-          </a:xfrm>
-          <a:prstGeom prst="rect">
-            <a:avLst/>
-          </a:prstGeom>
-          <a:noFill/>
-        </p:spPr>
-        <p:txBody>
-          <a:bodyPr wrap="none" rtlCol="0">
-            <a:spAutoFit/>
-          </a:bodyPr>
-          <a:lstStyle>
-            <a:defPPr>
-              <a:defRPr lang="ko-KR"/>
-            </a:defPPr>
-            <a:lvl1pPr>
-              <a:defRPr sz="1200">
-                <a:ln>
-                  <a:solidFill>
-                    <a:schemeClr val="bg2">
-                      <a:lumMod val="50000"/>
-                      <a:alpha val="15000"/>
-                    </a:schemeClr>
-                  </a:solidFill>
-                </a:ln>
-                <a:solidFill>
-                  <a:schemeClr val="bg2">
-                    <a:lumMod val="50000"/>
-                  </a:schemeClr>
-                </a:solidFill>
-                <a:latin typeface="나눔스퀘어" panose="020B0600000101010101" pitchFamily="50" charset="-127"/>
-                <a:ea typeface="나눔스퀘어" panose="020B0600000101010101" pitchFamily="50" charset="-127"/>
-                <a:cs typeface="조선일보명조" panose="02030304000000000000" pitchFamily="18" charset="-127"/>
-              </a:defRPr>
-            </a:lvl1pPr>
-          </a:lstStyle>
-          <a:p>
-            <a:r>
-              <a:rPr lang="en-US" altLang="ko-KR" sz="9800" b="1" dirty="0" smtClean="0">
-                <a:solidFill>
-                  <a:schemeClr val="bg2">
-                    <a:lumMod val="25000"/>
-                  </a:schemeClr>
-                </a:solidFill>
-              </a:rPr>
-              <a:t>Q&amp;A</a:t>
-            </a:r>
-            <a:endParaRPr lang="ko-KR" altLang="en-US" sz="9800" b="1" dirty="0">
-              <a:solidFill>
-                <a:schemeClr val="bg2">
-                  <a:lumMod val="25000"/>
-                </a:schemeClr>
-              </a:solidFill>
-            </a:endParaRPr>
-          </a:p>
-        </p:txBody>
-      </p:sp>
-    </p:spTree>
-    <p:extLst>
-      <p:ext uri="{BB962C8B-B14F-4D97-AF65-F5344CB8AC3E}">
-        <p14:creationId xmlns:p14="http://schemas.microsoft.com/office/powerpoint/2010/main" val="2003285196"/>
-      </p:ext>
-    </p:extLst>
-  </p:cSld>
-  <p:clrMapOvr>
-    <a:masterClrMapping/>
-  </p:clrMapOvr>
-  <p:timing>
-    <p:tnLst>
-      <p:par>
-        <p:cTn id="1" dur="indefinite" restart="never" nodeType="tmRoot"/>
-      </p:par>
-    </p:tnLst>
-  </p:timing>
-</p:sld>
-</file>
-
-<file path=ppt/slides/slide13.xml><?xml version="1.0" encoding="utf-8"?>
-<p:sld xmlns:a="http://schemas.openxmlformats.org/drawingml/2006/main" xmlns:r="http://schemas.openxmlformats.org/officeDocument/2006/relationships" xmlns:p="http://schemas.openxmlformats.org/presentationml/2006/main">
-  <p:cSld>
-    <p:spTree>
-      <p:nvGrpSpPr>
-        <p:cNvPr id="1" name=""/>
-        <p:cNvGrpSpPr/>
-        <p:nvPr/>
-      </p:nvGrpSpPr>
-      <p:grpSpPr>
-        <a:xfrm>
-          <a:off x="0" y="0"/>
-          <a:ext cx="0" cy="0"/>
-          <a:chOff x="0" y="0"/>
-          <a:chExt cx="0" cy="0"/>
-        </a:xfrm>
-      </p:grpSpPr>
       <p:pic>
         <p:nvPicPr>
           <p:cNvPr id="10" name="그림 9"/>
@@ -6457,23 +5255,26 @@
       </p:grpSpPr>
       <p:sp>
         <p:nvSpPr>
-          <p:cNvPr id="6" name="직사각형 5"/>
+          <p:cNvPr id="125" name="타원 124">
+            <a:extLst>
+              <a:ext uri="{FF2B5EF4-FFF2-40B4-BE49-F238E27FC236}">
+                <a16:creationId xmlns:a16="http://schemas.microsoft.com/office/drawing/2014/main" id="{256FCFC0-25E9-4C3E-964F-1A2EBB74241B}"/>
+              </a:ext>
+            </a:extLst>
+          </p:cNvPr>
           <p:cNvSpPr/>
           <p:nvPr/>
         </p:nvSpPr>
         <p:spPr>
           <a:xfrm>
-            <a:off x="807791" y="1683026"/>
-            <a:ext cx="8839926" cy="5174974"/>
-          </a:xfrm>
-          <a:prstGeom prst="rect">
+            <a:off x="6978835" y="1771366"/>
+            <a:ext cx="1185015" cy="1185015"/>
+          </a:xfrm>
+          <a:prstGeom prst="ellipse">
             <a:avLst/>
           </a:prstGeom>
           <a:solidFill>
-            <a:schemeClr val="accent2">
-              <a:lumMod val="20000"/>
-              <a:lumOff val="80000"/>
-            </a:schemeClr>
+            <a:schemeClr val="bg1"/>
           </a:solidFill>
           <a:ln>
             <a:noFill/>
@@ -6506,10 +5307,10 @@
       </p:sp>
       <p:sp>
         <p:nvSpPr>
-          <p:cNvPr id="9" name="TextBox 8">
+          <p:cNvPr id="47" name="TextBox 46">
             <a:extLst>
               <a:ext uri="{FF2B5EF4-FFF2-40B4-BE49-F238E27FC236}">
-                <a16:creationId xmlns:a16="http://schemas.microsoft.com/office/drawing/2014/main" id="{53D894E1-17B5-4116-8BF7-04FAC5459A1A}"/>
+                <a16:creationId xmlns:a16="http://schemas.microsoft.com/office/drawing/2014/main" id="{3052408C-A493-4DE0-B897-FDC36E599181}"/>
               </a:ext>
             </a:extLst>
           </p:cNvPr>
@@ -6518,8 +5319,8 @@
         </p:nvSpPr>
         <p:spPr>
           <a:xfrm>
-            <a:off x="1997985" y="1151549"/>
-            <a:ext cx="1928733" cy="584775"/>
+            <a:off x="2101482" y="4167982"/>
+            <a:ext cx="2980530" cy="1384995"/>
           </a:xfrm>
           <a:prstGeom prst="rect">
             <a:avLst/>
@@ -6527,15 +5328,271 @@
           <a:noFill/>
         </p:spPr>
         <p:txBody>
+          <a:bodyPr wrap="square" rtlCol="0">
+            <a:spAutoFit/>
+          </a:bodyPr>
+          <a:lstStyle/>
+          <a:p>
+            <a:pPr algn="ctr">
+              <a:lnSpc>
+                <a:spcPct val="150000"/>
+              </a:lnSpc>
+            </a:pPr>
+            <a:r>
+              <a:rPr lang="ko-KR" altLang="en-US" sz="1200" b="1" dirty="0" smtClean="0">
+                <a:latin typeface="+mn-ea"/>
+              </a:rPr>
+              <a:t>혼자 운동할 때</a:t>
+            </a:r>
+            <a:endParaRPr lang="en-US" altLang="ko-KR" sz="1200" b="1" dirty="0" smtClean="0">
+              <a:latin typeface="+mn-ea"/>
+            </a:endParaRPr>
+          </a:p>
+          <a:p>
+            <a:pPr marL="171450" indent="-171450">
+              <a:lnSpc>
+                <a:spcPct val="150000"/>
+              </a:lnSpc>
+              <a:buFont typeface="Arial" panose="020B0604020202020204" pitchFamily="34" charset="0"/>
+              <a:buChar char="•"/>
+            </a:pPr>
+            <a:r>
+              <a:rPr lang="ko-KR" altLang="en-US" sz="1100" b="1" dirty="0" smtClean="0">
+                <a:latin typeface="+mn-ea"/>
+              </a:rPr>
+              <a:t>자신의 </a:t>
+            </a:r>
+            <a:r>
+              <a:rPr lang="ko-KR" altLang="en-US" sz="1100" b="1" dirty="0">
+                <a:latin typeface="+mn-ea"/>
+              </a:rPr>
+              <a:t>운동 자세가 맞는 자세인지</a:t>
+            </a:r>
+            <a:r>
+              <a:rPr lang="en-US" altLang="ko-KR" sz="1100" b="1" dirty="0">
+                <a:latin typeface="+mn-ea"/>
+              </a:rPr>
+              <a:t>,</a:t>
+            </a:r>
+            <a:r>
+              <a:rPr lang="ko-KR" altLang="en-US" sz="1100" b="1" dirty="0">
+                <a:latin typeface="+mn-ea"/>
+              </a:rPr>
+              <a:t> 자신이 맞는 운동법</a:t>
+            </a:r>
+            <a:r>
+              <a:rPr lang="en-US" altLang="ko-KR" sz="1100" b="1" dirty="0">
+                <a:latin typeface="+mn-ea"/>
+              </a:rPr>
+              <a:t>,</a:t>
+            </a:r>
+            <a:r>
+              <a:rPr lang="ko-KR" altLang="en-US" sz="1100" b="1" dirty="0">
+                <a:latin typeface="+mn-ea"/>
+              </a:rPr>
+              <a:t> 적절한 운동량으로 운동을 하는지 알기 힘들다</a:t>
+            </a:r>
+            <a:r>
+              <a:rPr lang="en-US" altLang="ko-KR" sz="1100" b="1" dirty="0">
+                <a:latin typeface="+mn-ea"/>
+              </a:rPr>
+              <a:t>.</a:t>
+            </a:r>
+          </a:p>
+          <a:p>
+            <a:pPr marL="171450" indent="-171450">
+              <a:lnSpc>
+                <a:spcPct val="150000"/>
+              </a:lnSpc>
+              <a:buFont typeface="Arial" panose="020B0604020202020204" pitchFamily="34" charset="0"/>
+              <a:buChar char="•"/>
+            </a:pPr>
+            <a:r>
+              <a:rPr lang="ko-KR" altLang="en-US" sz="1100" b="1" dirty="0">
+                <a:latin typeface="+mn-ea"/>
+              </a:rPr>
+              <a:t>자신의 자세를 확인하기 힘들다</a:t>
+            </a:r>
+            <a:r>
+              <a:rPr lang="en-US" altLang="ko-KR" sz="1100" b="1" dirty="0">
+                <a:latin typeface="+mn-ea"/>
+              </a:rPr>
+              <a:t>.</a:t>
+            </a:r>
+          </a:p>
+        </p:txBody>
+      </p:sp>
+      <p:sp>
+        <p:nvSpPr>
+          <p:cNvPr id="105" name="TextBox 104">
+            <a:extLst>
+              <a:ext uri="{FF2B5EF4-FFF2-40B4-BE49-F238E27FC236}">
+                <a16:creationId xmlns:a16="http://schemas.microsoft.com/office/drawing/2014/main" id="{15177EA3-C2FD-45E7-A409-0E8C59510A13}"/>
+              </a:ext>
+            </a:extLst>
+          </p:cNvPr>
+          <p:cNvSpPr txBox="1"/>
+          <p:nvPr/>
+        </p:nvSpPr>
+        <p:spPr>
+          <a:xfrm>
+            <a:off x="6488686" y="4167983"/>
+            <a:ext cx="3385863" cy="1384995"/>
+          </a:xfrm>
+          <a:prstGeom prst="rect">
+            <a:avLst/>
+          </a:prstGeom>
+          <a:noFill/>
+        </p:spPr>
+        <p:txBody>
           <a:bodyPr wrap="none" rtlCol="0">
             <a:spAutoFit/>
           </a:bodyPr>
-          <a:lstStyle>
-            <a:defPPr>
-              <a:defRPr lang="ko-KR"/>
-            </a:defPPr>
-            <a:lvl1pPr>
-              <a:defRPr sz="1200">
+          <a:lstStyle/>
+          <a:p>
+            <a:pPr algn="ctr">
+              <a:lnSpc>
+                <a:spcPct val="150000"/>
+              </a:lnSpc>
+            </a:pPr>
+            <a:r>
+              <a:rPr lang="ko-KR" altLang="en-US" sz="1200" b="1" dirty="0">
+                <a:latin typeface="+mn-ea"/>
+              </a:rPr>
+              <a:t>핸드폰 앱을 통한</a:t>
+            </a:r>
+            <a:endParaRPr lang="en-US" altLang="ko-KR" sz="1200" b="1" dirty="0">
+              <a:latin typeface="+mn-ea"/>
+            </a:endParaRPr>
+          </a:p>
+          <a:p>
+            <a:pPr marL="171450" indent="-171450">
+              <a:lnSpc>
+                <a:spcPct val="150000"/>
+              </a:lnSpc>
+              <a:buFont typeface="Arial" panose="020B0604020202020204" pitchFamily="34" charset="0"/>
+              <a:buChar char="•"/>
+            </a:pPr>
+            <a:r>
+              <a:rPr lang="ko-KR" altLang="en-US" sz="1100" b="1" dirty="0">
+                <a:latin typeface="+mn-ea"/>
+              </a:rPr>
+              <a:t>회원의 신체 정보에 맞는 운동법</a:t>
+            </a:r>
+            <a:r>
+              <a:rPr lang="en-US" altLang="ko-KR" sz="1100" b="1" dirty="0">
+                <a:latin typeface="+mn-ea"/>
+              </a:rPr>
+              <a:t>, </a:t>
+            </a:r>
+            <a:r>
+              <a:rPr lang="ko-KR" altLang="en-US" sz="1100" b="1" dirty="0">
+                <a:latin typeface="+mn-ea"/>
+              </a:rPr>
+              <a:t>운동량 제시</a:t>
+            </a:r>
+            <a:endParaRPr lang="en-US" altLang="ko-KR" sz="1100" b="1" dirty="0">
+              <a:latin typeface="+mn-ea"/>
+            </a:endParaRPr>
+          </a:p>
+          <a:p>
+            <a:pPr marL="171450" indent="-171450">
+              <a:lnSpc>
+                <a:spcPct val="150000"/>
+              </a:lnSpc>
+              <a:buFont typeface="Arial" panose="020B0604020202020204" pitchFamily="34" charset="0"/>
+              <a:buChar char="•"/>
+            </a:pPr>
+            <a:r>
+              <a:rPr lang="ko-KR" altLang="en-US" sz="1100" b="1" dirty="0">
+                <a:latin typeface="+mn-ea"/>
+              </a:rPr>
+              <a:t>해당 운동 동영상 제공</a:t>
+            </a:r>
+            <a:endParaRPr lang="en-US" altLang="ko-KR" sz="1100" b="1" dirty="0">
+              <a:latin typeface="+mn-ea"/>
+            </a:endParaRPr>
+          </a:p>
+          <a:p>
+            <a:pPr marL="171450" indent="-171450">
+              <a:lnSpc>
+                <a:spcPct val="150000"/>
+              </a:lnSpc>
+              <a:buFont typeface="Arial" panose="020B0604020202020204" pitchFamily="34" charset="0"/>
+              <a:buChar char="•"/>
+            </a:pPr>
+            <a:r>
+              <a:rPr lang="ko-KR" altLang="en-US" sz="1100" b="1" dirty="0">
+                <a:latin typeface="+mn-ea"/>
+              </a:rPr>
+              <a:t>자동 </a:t>
+            </a:r>
+            <a:r>
+              <a:rPr lang="ko-KR" altLang="en-US" sz="1100" b="1" dirty="0" err="1">
+                <a:latin typeface="+mn-ea"/>
+              </a:rPr>
+              <a:t>무빙</a:t>
+            </a:r>
+            <a:r>
+              <a:rPr lang="ko-KR" altLang="en-US" sz="1100" b="1" dirty="0">
+                <a:latin typeface="+mn-ea"/>
+              </a:rPr>
+              <a:t> 카메라를 이용한 간편한 내 자세 확인</a:t>
+            </a:r>
+            <a:endParaRPr lang="en-US" altLang="ko-KR" sz="1100" b="1" dirty="0">
+              <a:latin typeface="+mn-ea"/>
+            </a:endParaRPr>
+          </a:p>
+          <a:p>
+            <a:pPr marL="171450" indent="-171450">
+              <a:lnSpc>
+                <a:spcPct val="150000"/>
+              </a:lnSpc>
+              <a:buFont typeface="Arial" panose="020B0604020202020204" pitchFamily="34" charset="0"/>
+              <a:buChar char="•"/>
+            </a:pPr>
+            <a:r>
+              <a:rPr lang="ko-KR" altLang="en-US" sz="1100" b="1" dirty="0">
+                <a:latin typeface="+mn-ea"/>
+              </a:rPr>
+              <a:t>올바른 자세와 내 자세를 비교 </a:t>
+            </a:r>
+            <a:endParaRPr lang="en-US" altLang="ko-KR" sz="1100" b="1" dirty="0">
+              <a:latin typeface="+mn-ea"/>
+            </a:endParaRPr>
+          </a:p>
+        </p:txBody>
+      </p:sp>
+      <p:sp>
+        <p:nvSpPr>
+          <p:cNvPr id="122" name="TextBox 121">
+            <a:extLst>
+              <a:ext uri="{FF2B5EF4-FFF2-40B4-BE49-F238E27FC236}">
+                <a16:creationId xmlns:a16="http://schemas.microsoft.com/office/drawing/2014/main" id="{C52DAF71-A91E-4B03-99F3-F82A10C4BB3E}"/>
+              </a:ext>
+            </a:extLst>
+          </p:cNvPr>
+          <p:cNvSpPr txBox="1"/>
+          <p:nvPr/>
+        </p:nvSpPr>
+        <p:spPr>
+          <a:xfrm>
+            <a:off x="4667000" y="672991"/>
+            <a:ext cx="1928733" cy="584775"/>
+          </a:xfrm>
+          <a:prstGeom prst="rect">
+            <a:avLst/>
+          </a:prstGeom>
+          <a:noFill/>
+        </p:spPr>
+        <p:txBody>
+          <a:bodyPr wrap="none" rtlCol="0">
+            <a:spAutoFit/>
+          </a:bodyPr>
+          <a:lstStyle/>
+          <a:p>
+            <a:r>
+              <a:rPr lang="ko-KR" altLang="en-US" sz="3200" b="1" dirty="0" smtClean="0">
                 <a:ln>
                   <a:solidFill>
                     <a:schemeClr val="bg2">
@@ -6544,57 +5601,53 @@
                     </a:schemeClr>
                   </a:solidFill>
                 </a:ln>
+                <a:latin typeface="나눔스퀘어" panose="020B0600000101010101" pitchFamily="50" charset="-127"/>
+                <a:ea typeface="나눔스퀘어" panose="020B0600000101010101" pitchFamily="50" charset="-127"/>
+                <a:cs typeface="조선일보명조" panose="02030304000000000000" pitchFamily="18" charset="-127"/>
+              </a:rPr>
+              <a:t>주제 개요</a:t>
+            </a:r>
+            <a:endParaRPr lang="ko-KR" altLang="en-US" sz="3200" b="1" dirty="0">
+              <a:ln>
                 <a:solidFill>
                   <a:schemeClr val="bg2">
                     <a:lumMod val="50000"/>
+                    <a:alpha val="15000"/>
                   </a:schemeClr>
                 </a:solidFill>
-                <a:latin typeface="나눔스퀘어" panose="020B0600000101010101" pitchFamily="50" charset="-127"/>
-                <a:ea typeface="나눔스퀘어" panose="020B0600000101010101" pitchFamily="50" charset="-127"/>
-                <a:cs typeface="조선일보명조" panose="02030304000000000000" pitchFamily="18" charset="-127"/>
-              </a:defRPr>
-            </a:lvl1pPr>
-          </a:lstStyle>
-          <a:p>
-            <a:r>
-              <a:rPr lang="ko-KR" altLang="en-US" sz="3200" b="1" dirty="0" smtClean="0">
-                <a:solidFill>
-                  <a:schemeClr val="bg2">
-                    <a:lumMod val="25000"/>
-                  </a:schemeClr>
-                </a:solidFill>
-              </a:rPr>
-              <a:t>주제 개요</a:t>
-            </a:r>
-            <a:endParaRPr lang="ko-KR" altLang="en-US" sz="3200" b="1" dirty="0">
-              <a:solidFill>
-                <a:schemeClr val="bg2">
-                  <a:lumMod val="25000"/>
-                </a:schemeClr>
-              </a:solidFill>
+              </a:ln>
+              <a:latin typeface="나눔스퀘어" panose="020B0600000101010101" pitchFamily="50" charset="-127"/>
+              <a:ea typeface="나눔스퀘어" panose="020B0600000101010101" pitchFamily="50" charset="-127"/>
+              <a:cs typeface="조선일보명조" panose="02030304000000000000" pitchFamily="18" charset="-127"/>
             </a:endParaRPr>
           </a:p>
         </p:txBody>
       </p:sp>
       <p:sp>
         <p:nvSpPr>
-          <p:cNvPr id="7" name="직사각형 6"/>
+          <p:cNvPr id="127" name="타원 126">
+            <a:extLst>
+              <a:ext uri="{FF2B5EF4-FFF2-40B4-BE49-F238E27FC236}">
+                <a16:creationId xmlns:a16="http://schemas.microsoft.com/office/drawing/2014/main" id="{CD1921FE-9207-4852-B739-0E98B8D01C76}"/>
+              </a:ext>
+            </a:extLst>
+          </p:cNvPr>
           <p:cNvSpPr/>
           <p:nvPr/>
         </p:nvSpPr>
         <p:spPr>
           <a:xfrm>
-            <a:off x="5831912" y="1678828"/>
-            <a:ext cx="3365326" cy="45719"/>
-          </a:xfrm>
-          <a:prstGeom prst="rect">
+            <a:off x="7143368" y="1800806"/>
+            <a:ext cx="1940708" cy="1940708"/>
+          </a:xfrm>
+          <a:prstGeom prst="ellipse">
             <a:avLst/>
           </a:prstGeom>
-          <a:solidFill>
-            <a:srgbClr val="2E2926"/>
-          </a:solidFill>
-          <a:ln>
-            <a:noFill/>
+          <a:noFill/>
+          <a:ln w="38100">
+            <a:solidFill>
+              <a:srgbClr val="2E2926"/>
+            </a:solidFill>
           </a:ln>
         </p:spPr>
         <p:style>
@@ -6622,34 +5675,345 @@
           </a:p>
         </p:txBody>
       </p:sp>
-      <p:pic>
-        <p:nvPicPr>
-          <p:cNvPr id="2" name="그림 1"/>
-          <p:cNvPicPr>
-            <a:picLocks noChangeAspect="1"/>
-          </p:cNvPicPr>
+      <p:sp>
+        <p:nvSpPr>
+          <p:cNvPr id="44" name="타원 43">
+            <a:extLst>
+              <a:ext uri="{FF2B5EF4-FFF2-40B4-BE49-F238E27FC236}">
+                <a16:creationId xmlns:a16="http://schemas.microsoft.com/office/drawing/2014/main" id="{B8C5F81E-758E-4469-85C9-45B8FB0533C4}"/>
+              </a:ext>
+            </a:extLst>
+          </p:cNvPr>
+          <p:cNvSpPr/>
           <p:nvPr/>
-        </p:nvPicPr>
-        <p:blipFill>
-          <a:blip r:embed="rId2"/>
-          <a:stretch>
-            <a:fillRect/>
-          </a:stretch>
-        </p:blipFill>
-        <p:spPr>
-          <a:xfrm>
-            <a:off x="8115763" y="433928"/>
-            <a:ext cx="3815806" cy="5895343"/>
+        </p:nvSpPr>
+        <p:spPr>
+          <a:xfrm>
+            <a:off x="7255846" y="1913284"/>
+            <a:ext cx="1715753" cy="1715753"/>
+          </a:xfrm>
+          <a:prstGeom prst="ellipse">
+            <a:avLst/>
+          </a:prstGeom>
+          <a:solidFill>
+            <a:srgbClr val="2E2926"/>
+          </a:solidFill>
+          <a:ln>
+            <a:noFill/>
+          </a:ln>
+        </p:spPr>
+        <p:style>
+          <a:lnRef idx="2">
+            <a:schemeClr val="accent1">
+              <a:shade val="50000"/>
+            </a:schemeClr>
+          </a:lnRef>
+          <a:fillRef idx="1">
+            <a:schemeClr val="accent1"/>
+          </a:fillRef>
+          <a:effectRef idx="0">
+            <a:schemeClr val="accent1"/>
+          </a:effectRef>
+          <a:fontRef idx="minor">
+            <a:schemeClr val="lt1"/>
+          </a:fontRef>
+        </p:style>
+        <p:txBody>
+          <a:bodyPr rtlCol="0" anchor="ctr"/>
+          <a:lstStyle/>
+          <a:p>
+            <a:pPr algn="ctr"/>
+            <a:endParaRPr lang="ko-KR" altLang="en-US"/>
+          </a:p>
+        </p:txBody>
+      </p:sp>
+      <p:sp>
+        <p:nvSpPr>
+          <p:cNvPr id="123" name="타원 122">
+            <a:extLst>
+              <a:ext uri="{FF2B5EF4-FFF2-40B4-BE49-F238E27FC236}">
+                <a16:creationId xmlns:a16="http://schemas.microsoft.com/office/drawing/2014/main" id="{52CB1394-9D37-4696-89C9-ED5BF642AFC0}"/>
+              </a:ext>
+            </a:extLst>
+          </p:cNvPr>
+          <p:cNvSpPr/>
+          <p:nvPr/>
+        </p:nvSpPr>
+        <p:spPr>
+          <a:xfrm>
+            <a:off x="2621393" y="1742016"/>
+            <a:ext cx="1940708" cy="1940708"/>
+          </a:xfrm>
+          <a:prstGeom prst="ellipse">
+            <a:avLst/>
+          </a:prstGeom>
+          <a:noFill/>
+          <a:ln w="38100">
+            <a:solidFill>
+              <a:srgbClr val="F9E1D2"/>
+            </a:solidFill>
+          </a:ln>
+        </p:spPr>
+        <p:style>
+          <a:lnRef idx="2">
+            <a:schemeClr val="accent1">
+              <a:shade val="50000"/>
+            </a:schemeClr>
+          </a:lnRef>
+          <a:fillRef idx="1">
+            <a:schemeClr val="accent1"/>
+          </a:fillRef>
+          <a:effectRef idx="0">
+            <a:schemeClr val="accent1"/>
+          </a:effectRef>
+          <a:fontRef idx="minor">
+            <a:schemeClr val="lt1"/>
+          </a:fontRef>
+        </p:style>
+        <p:txBody>
+          <a:bodyPr rtlCol="0" anchor="ctr"/>
+          <a:lstStyle/>
+          <a:p>
+            <a:pPr algn="ctr"/>
+            <a:endParaRPr lang="ko-KR" altLang="en-US"/>
+          </a:p>
+        </p:txBody>
+      </p:sp>
+      <p:sp>
+        <p:nvSpPr>
+          <p:cNvPr id="3" name="타원 2">
+            <a:extLst>
+              <a:ext uri="{FF2B5EF4-FFF2-40B4-BE49-F238E27FC236}">
+                <a16:creationId xmlns:a16="http://schemas.microsoft.com/office/drawing/2014/main" id="{63F5BC52-9E11-424B-A5BE-065BA466063E}"/>
+              </a:ext>
+            </a:extLst>
+          </p:cNvPr>
+          <p:cNvSpPr/>
+          <p:nvPr/>
+        </p:nvSpPr>
+        <p:spPr>
+          <a:xfrm>
+            <a:off x="2406733" y="1527356"/>
+            <a:ext cx="1185015" cy="1185015"/>
+          </a:xfrm>
+          <a:prstGeom prst="ellipse">
+            <a:avLst/>
+          </a:prstGeom>
+          <a:solidFill>
+            <a:schemeClr val="bg1"/>
+          </a:solidFill>
+          <a:ln>
+            <a:noFill/>
+          </a:ln>
+        </p:spPr>
+        <p:style>
+          <a:lnRef idx="2">
+            <a:schemeClr val="accent1">
+              <a:shade val="50000"/>
+            </a:schemeClr>
+          </a:lnRef>
+          <a:fillRef idx="1">
+            <a:schemeClr val="accent1"/>
+          </a:fillRef>
+          <a:effectRef idx="0">
+            <a:schemeClr val="accent1"/>
+          </a:effectRef>
+          <a:fontRef idx="minor">
+            <a:schemeClr val="lt1"/>
+          </a:fontRef>
+        </p:style>
+        <p:txBody>
+          <a:bodyPr rtlCol="0" anchor="ctr"/>
+          <a:lstStyle/>
+          <a:p>
+            <a:pPr algn="ctr"/>
+            <a:endParaRPr lang="ko-KR" altLang="en-US"/>
+          </a:p>
+        </p:txBody>
+      </p:sp>
+      <p:sp>
+        <p:nvSpPr>
+          <p:cNvPr id="41" name="타원 40">
+            <a:extLst>
+              <a:ext uri="{FF2B5EF4-FFF2-40B4-BE49-F238E27FC236}">
+                <a16:creationId xmlns:a16="http://schemas.microsoft.com/office/drawing/2014/main" id="{B91AE33B-7972-41DA-B710-D65D579D4A19}"/>
+              </a:ext>
+            </a:extLst>
+          </p:cNvPr>
+          <p:cNvSpPr/>
+          <p:nvPr/>
+        </p:nvSpPr>
+        <p:spPr>
+          <a:xfrm>
+            <a:off x="2733871" y="1854494"/>
+            <a:ext cx="1715753" cy="1715753"/>
+          </a:xfrm>
+          <a:prstGeom prst="ellipse">
+            <a:avLst/>
+          </a:prstGeom>
+          <a:solidFill>
+            <a:srgbClr val="F9E1D2"/>
+          </a:solidFill>
+          <a:ln>
+            <a:noFill/>
+          </a:ln>
+        </p:spPr>
+        <p:style>
+          <a:lnRef idx="2">
+            <a:schemeClr val="accent1">
+              <a:shade val="50000"/>
+            </a:schemeClr>
+          </a:lnRef>
+          <a:fillRef idx="1">
+            <a:schemeClr val="accent1"/>
+          </a:fillRef>
+          <a:effectRef idx="0">
+            <a:schemeClr val="accent1"/>
+          </a:effectRef>
+          <a:fontRef idx="minor">
+            <a:schemeClr val="lt1"/>
+          </a:fontRef>
+        </p:style>
+        <p:txBody>
+          <a:bodyPr rtlCol="0" anchor="ctr"/>
+          <a:lstStyle/>
+          <a:p>
+            <a:pPr algn="ctr"/>
+            <a:endParaRPr lang="ko-KR" altLang="en-US"/>
+          </a:p>
+        </p:txBody>
+      </p:sp>
+      <p:sp>
+        <p:nvSpPr>
+          <p:cNvPr id="46" name="TextBox 45">
+            <a:extLst>
+              <a:ext uri="{FF2B5EF4-FFF2-40B4-BE49-F238E27FC236}">
+                <a16:creationId xmlns:a16="http://schemas.microsoft.com/office/drawing/2014/main" id="{FBCA14CE-1C88-4CFB-9AAC-EB8E53D3F3F5}"/>
+              </a:ext>
+            </a:extLst>
+          </p:cNvPr>
+          <p:cNvSpPr txBox="1"/>
+          <p:nvPr/>
+        </p:nvSpPr>
+        <p:spPr>
+          <a:xfrm>
+            <a:off x="3040955" y="2481538"/>
+            <a:ext cx="1101584" cy="461665"/>
           </a:xfrm>
           <a:prstGeom prst="rect">
             <a:avLst/>
           </a:prstGeom>
-        </p:spPr>
-      </p:pic>
+          <a:noFill/>
+        </p:spPr>
+        <p:txBody>
+          <a:bodyPr wrap="none" rtlCol="0">
+            <a:spAutoFit/>
+          </a:bodyPr>
+          <a:lstStyle/>
+          <a:p>
+            <a:r>
+              <a:rPr lang="ko-KR" altLang="en-US" sz="2400" b="1" dirty="0" smtClean="0">
+                <a:ln>
+                  <a:solidFill>
+                    <a:schemeClr val="bg2">
+                      <a:lumMod val="25000"/>
+                      <a:alpha val="15000"/>
+                    </a:schemeClr>
+                  </a:solidFill>
+                </a:ln>
+                <a:solidFill>
+                  <a:schemeClr val="bg2">
+                    <a:lumMod val="25000"/>
+                  </a:schemeClr>
+                </a:solidFill>
+                <a:latin typeface="나눔스퀘어" panose="020B0600000101010101" pitchFamily="50" charset="-127"/>
+                <a:ea typeface="나눔스퀘어" panose="020B0600000101010101" pitchFamily="50" charset="-127"/>
+                <a:cs typeface="조선일보명조" panose="02030304000000000000" pitchFamily="18" charset="-127"/>
+              </a:rPr>
+              <a:t>문제점</a:t>
+            </a:r>
+            <a:endParaRPr lang="ko-KR" altLang="en-US" sz="2400" b="1" dirty="0">
+              <a:ln>
+                <a:solidFill>
+                  <a:schemeClr val="bg2">
+                    <a:lumMod val="25000"/>
+                    <a:alpha val="15000"/>
+                  </a:schemeClr>
+                </a:solidFill>
+              </a:ln>
+              <a:solidFill>
+                <a:schemeClr val="bg2">
+                  <a:lumMod val="25000"/>
+                </a:schemeClr>
+              </a:solidFill>
+              <a:latin typeface="나눔스퀘어" panose="020B0600000101010101" pitchFamily="50" charset="-127"/>
+              <a:ea typeface="나눔스퀘어" panose="020B0600000101010101" pitchFamily="50" charset="-127"/>
+              <a:cs typeface="조선일보명조" panose="02030304000000000000" pitchFamily="18" charset="-127"/>
+            </a:endParaRPr>
+          </a:p>
+        </p:txBody>
+      </p:sp>
+      <p:sp>
+        <p:nvSpPr>
+          <p:cNvPr id="134" name="TextBox 133">
+            <a:extLst>
+              <a:ext uri="{FF2B5EF4-FFF2-40B4-BE49-F238E27FC236}">
+                <a16:creationId xmlns:a16="http://schemas.microsoft.com/office/drawing/2014/main" id="{0BCDAF9C-9B81-4094-B537-670FAAD0E950}"/>
+              </a:ext>
+            </a:extLst>
+          </p:cNvPr>
+          <p:cNvSpPr txBox="1"/>
+          <p:nvPr/>
+        </p:nvSpPr>
+        <p:spPr>
+          <a:xfrm>
+            <a:off x="7483350" y="2562799"/>
+            <a:ext cx="1396536" cy="461665"/>
+          </a:xfrm>
+          <a:prstGeom prst="rect">
+            <a:avLst/>
+          </a:prstGeom>
+          <a:noFill/>
+        </p:spPr>
+        <p:txBody>
+          <a:bodyPr wrap="none" rtlCol="0">
+            <a:spAutoFit/>
+          </a:bodyPr>
+          <a:lstStyle>
+            <a:defPPr>
+              <a:defRPr lang="ko-KR"/>
+            </a:defPPr>
+            <a:lvl1pPr>
+              <a:defRPr sz="2400" b="1">
+                <a:ln>
+                  <a:solidFill>
+                    <a:schemeClr val="bg1">
+                      <a:alpha val="15000"/>
+                    </a:schemeClr>
+                  </a:solidFill>
+                </a:ln>
+                <a:solidFill>
+                  <a:schemeClr val="bg1"/>
+                </a:solidFill>
+                <a:latin typeface="나눔스퀘어" panose="020B0600000101010101" pitchFamily="50" charset="-127"/>
+                <a:ea typeface="나눔스퀘어" panose="020B0600000101010101" pitchFamily="50" charset="-127"/>
+                <a:cs typeface="조선일보명조" panose="02030304000000000000" pitchFamily="18" charset="-127"/>
+              </a:defRPr>
+            </a:lvl1pPr>
+          </a:lstStyle>
+          <a:p>
+            <a:r>
+              <a:rPr lang="ko-KR" altLang="en-US" smtClean="0"/>
+              <a:t>아이디어</a:t>
+            </a:r>
+            <a:endParaRPr lang="ko-KR" altLang="en-US" dirty="0"/>
+          </a:p>
+        </p:txBody>
+      </p:sp>
     </p:spTree>
     <p:extLst>
       <p:ext uri="{BB962C8B-B14F-4D97-AF65-F5344CB8AC3E}">
-        <p14:creationId xmlns:p14="http://schemas.microsoft.com/office/powerpoint/2010/main" val="3984089956"/>
+        <p14:creationId xmlns:p14="http://schemas.microsoft.com/office/powerpoint/2010/main" val="1565735505"/>
       </p:ext>
     </p:extLst>
   </p:cSld>
@@ -6685,1028 +6049,6 @@
       </p:grpSpPr>
       <p:sp>
         <p:nvSpPr>
-          <p:cNvPr id="125" name="타원 124">
-            <a:extLst>
-              <a:ext uri="{FF2B5EF4-FFF2-40B4-BE49-F238E27FC236}">
-                <a16:creationId xmlns:a16="http://schemas.microsoft.com/office/drawing/2014/main" id="{256FCFC0-25E9-4C3E-964F-1A2EBB74241B}"/>
-              </a:ext>
-            </a:extLst>
-          </p:cNvPr>
-          <p:cNvSpPr/>
-          <p:nvPr/>
-        </p:nvSpPr>
-        <p:spPr>
-          <a:xfrm>
-            <a:off x="6978835" y="1771366"/>
-            <a:ext cx="1185015" cy="1185015"/>
-          </a:xfrm>
-          <a:prstGeom prst="ellipse">
-            <a:avLst/>
-          </a:prstGeom>
-          <a:solidFill>
-            <a:schemeClr val="bg1"/>
-          </a:solidFill>
-          <a:ln>
-            <a:noFill/>
-          </a:ln>
-        </p:spPr>
-        <p:style>
-          <a:lnRef idx="2">
-            <a:schemeClr val="accent1">
-              <a:shade val="50000"/>
-            </a:schemeClr>
-          </a:lnRef>
-          <a:fillRef idx="1">
-            <a:schemeClr val="accent1"/>
-          </a:fillRef>
-          <a:effectRef idx="0">
-            <a:schemeClr val="accent1"/>
-          </a:effectRef>
-          <a:fontRef idx="minor">
-            <a:schemeClr val="lt1"/>
-          </a:fontRef>
-        </p:style>
-        <p:txBody>
-          <a:bodyPr rtlCol="0" anchor="ctr"/>
-          <a:lstStyle/>
-          <a:p>
-            <a:pPr algn="ctr"/>
-            <a:endParaRPr lang="ko-KR" altLang="en-US"/>
-          </a:p>
-        </p:txBody>
-      </p:sp>
-      <p:sp>
-        <p:nvSpPr>
-          <p:cNvPr id="47" name="TextBox 46">
-            <a:extLst>
-              <a:ext uri="{FF2B5EF4-FFF2-40B4-BE49-F238E27FC236}">
-                <a16:creationId xmlns:a16="http://schemas.microsoft.com/office/drawing/2014/main" id="{3052408C-A493-4DE0-B897-FDC36E599181}"/>
-              </a:ext>
-            </a:extLst>
-          </p:cNvPr>
-          <p:cNvSpPr txBox="1"/>
-          <p:nvPr/>
-        </p:nvSpPr>
-        <p:spPr>
-          <a:xfrm>
-            <a:off x="2101482" y="4167982"/>
-            <a:ext cx="2980530" cy="1384995"/>
-          </a:xfrm>
-          <a:prstGeom prst="rect">
-            <a:avLst/>
-          </a:prstGeom>
-          <a:noFill/>
-        </p:spPr>
-        <p:txBody>
-          <a:bodyPr wrap="square" rtlCol="0">
-            <a:spAutoFit/>
-          </a:bodyPr>
-          <a:lstStyle/>
-          <a:p>
-            <a:pPr algn="ctr">
-              <a:lnSpc>
-                <a:spcPct val="150000"/>
-              </a:lnSpc>
-            </a:pPr>
-            <a:r>
-              <a:rPr lang="ko-KR" altLang="en-US" sz="1200" b="1" dirty="0" smtClean="0">
-                <a:latin typeface="+mn-ea"/>
-              </a:rPr>
-              <a:t>혼자 운동할 때</a:t>
-            </a:r>
-            <a:endParaRPr lang="en-US" altLang="ko-KR" sz="1200" b="1" dirty="0" smtClean="0">
-              <a:latin typeface="+mn-ea"/>
-            </a:endParaRPr>
-          </a:p>
-          <a:p>
-            <a:pPr marL="171450" indent="-171450">
-              <a:lnSpc>
-                <a:spcPct val="150000"/>
-              </a:lnSpc>
-              <a:buFont typeface="Arial" panose="020B0604020202020204" pitchFamily="34" charset="0"/>
-              <a:buChar char="•"/>
-            </a:pPr>
-            <a:r>
-              <a:rPr lang="ko-KR" altLang="en-US" sz="1100" b="1" dirty="0" smtClean="0">
-                <a:latin typeface="+mn-ea"/>
-              </a:rPr>
-              <a:t>자신의 </a:t>
-            </a:r>
-            <a:r>
-              <a:rPr lang="ko-KR" altLang="en-US" sz="1100" b="1" dirty="0">
-                <a:latin typeface="+mn-ea"/>
-              </a:rPr>
-              <a:t>운동 자세가 맞는 자세인지</a:t>
-            </a:r>
-            <a:r>
-              <a:rPr lang="en-US" altLang="ko-KR" sz="1100" b="1" dirty="0">
-                <a:latin typeface="+mn-ea"/>
-              </a:rPr>
-              <a:t>,</a:t>
-            </a:r>
-            <a:r>
-              <a:rPr lang="ko-KR" altLang="en-US" sz="1100" b="1" dirty="0">
-                <a:latin typeface="+mn-ea"/>
-              </a:rPr>
-              <a:t> 자신이 맞는 운동법</a:t>
-            </a:r>
-            <a:r>
-              <a:rPr lang="en-US" altLang="ko-KR" sz="1100" b="1" dirty="0">
-                <a:latin typeface="+mn-ea"/>
-              </a:rPr>
-              <a:t>,</a:t>
-            </a:r>
-            <a:r>
-              <a:rPr lang="ko-KR" altLang="en-US" sz="1100" b="1" dirty="0">
-                <a:latin typeface="+mn-ea"/>
-              </a:rPr>
-              <a:t> 적절한 운동량으로 운동을 하는지 알기 힘들다</a:t>
-            </a:r>
-            <a:r>
-              <a:rPr lang="en-US" altLang="ko-KR" sz="1100" b="1" dirty="0">
-                <a:latin typeface="+mn-ea"/>
-              </a:rPr>
-              <a:t>.</a:t>
-            </a:r>
-          </a:p>
-          <a:p>
-            <a:pPr marL="171450" indent="-171450">
-              <a:lnSpc>
-                <a:spcPct val="150000"/>
-              </a:lnSpc>
-              <a:buFont typeface="Arial" panose="020B0604020202020204" pitchFamily="34" charset="0"/>
-              <a:buChar char="•"/>
-            </a:pPr>
-            <a:r>
-              <a:rPr lang="ko-KR" altLang="en-US" sz="1100" b="1" dirty="0">
-                <a:latin typeface="+mn-ea"/>
-              </a:rPr>
-              <a:t>자신의 자세를 확인하기 힘들다</a:t>
-            </a:r>
-            <a:r>
-              <a:rPr lang="en-US" altLang="ko-KR" sz="1100" b="1" dirty="0">
-                <a:latin typeface="+mn-ea"/>
-              </a:rPr>
-              <a:t>.</a:t>
-            </a:r>
-          </a:p>
-        </p:txBody>
-      </p:sp>
-      <p:sp>
-        <p:nvSpPr>
-          <p:cNvPr id="105" name="TextBox 104">
-            <a:extLst>
-              <a:ext uri="{FF2B5EF4-FFF2-40B4-BE49-F238E27FC236}">
-                <a16:creationId xmlns:a16="http://schemas.microsoft.com/office/drawing/2014/main" id="{15177EA3-C2FD-45E7-A409-0E8C59510A13}"/>
-              </a:ext>
-            </a:extLst>
-          </p:cNvPr>
-          <p:cNvSpPr txBox="1"/>
-          <p:nvPr/>
-        </p:nvSpPr>
-        <p:spPr>
-          <a:xfrm>
-            <a:off x="6488686" y="4167983"/>
-            <a:ext cx="3385863" cy="1384995"/>
-          </a:xfrm>
-          <a:prstGeom prst="rect">
-            <a:avLst/>
-          </a:prstGeom>
-          <a:noFill/>
-        </p:spPr>
-        <p:txBody>
-          <a:bodyPr wrap="none" rtlCol="0">
-            <a:spAutoFit/>
-          </a:bodyPr>
-          <a:lstStyle/>
-          <a:p>
-            <a:pPr algn="ctr">
-              <a:lnSpc>
-                <a:spcPct val="150000"/>
-              </a:lnSpc>
-            </a:pPr>
-            <a:r>
-              <a:rPr lang="ko-KR" altLang="en-US" sz="1200" b="1" dirty="0">
-                <a:latin typeface="+mn-ea"/>
-              </a:rPr>
-              <a:t>핸드폰 앱을 통한</a:t>
-            </a:r>
-            <a:endParaRPr lang="en-US" altLang="ko-KR" sz="1200" b="1" dirty="0">
-              <a:latin typeface="+mn-ea"/>
-            </a:endParaRPr>
-          </a:p>
-          <a:p>
-            <a:pPr marL="171450" indent="-171450">
-              <a:lnSpc>
-                <a:spcPct val="150000"/>
-              </a:lnSpc>
-              <a:buFont typeface="Arial" panose="020B0604020202020204" pitchFamily="34" charset="0"/>
-              <a:buChar char="•"/>
-            </a:pPr>
-            <a:r>
-              <a:rPr lang="ko-KR" altLang="en-US" sz="1100" b="1" dirty="0">
-                <a:latin typeface="+mn-ea"/>
-              </a:rPr>
-              <a:t>회원의 신체 정보에 맞는 운동법</a:t>
-            </a:r>
-            <a:r>
-              <a:rPr lang="en-US" altLang="ko-KR" sz="1100" b="1" dirty="0">
-                <a:latin typeface="+mn-ea"/>
-              </a:rPr>
-              <a:t>, </a:t>
-            </a:r>
-            <a:r>
-              <a:rPr lang="ko-KR" altLang="en-US" sz="1100" b="1" dirty="0">
-                <a:latin typeface="+mn-ea"/>
-              </a:rPr>
-              <a:t>운동량 제시</a:t>
-            </a:r>
-            <a:endParaRPr lang="en-US" altLang="ko-KR" sz="1100" b="1" dirty="0">
-              <a:latin typeface="+mn-ea"/>
-            </a:endParaRPr>
-          </a:p>
-          <a:p>
-            <a:pPr marL="171450" indent="-171450">
-              <a:lnSpc>
-                <a:spcPct val="150000"/>
-              </a:lnSpc>
-              <a:buFont typeface="Arial" panose="020B0604020202020204" pitchFamily="34" charset="0"/>
-              <a:buChar char="•"/>
-            </a:pPr>
-            <a:r>
-              <a:rPr lang="ko-KR" altLang="en-US" sz="1100" b="1" dirty="0">
-                <a:latin typeface="+mn-ea"/>
-              </a:rPr>
-              <a:t>해당 운동 동영상 제공</a:t>
-            </a:r>
-            <a:endParaRPr lang="en-US" altLang="ko-KR" sz="1100" b="1" dirty="0">
-              <a:latin typeface="+mn-ea"/>
-            </a:endParaRPr>
-          </a:p>
-          <a:p>
-            <a:pPr marL="171450" indent="-171450">
-              <a:lnSpc>
-                <a:spcPct val="150000"/>
-              </a:lnSpc>
-              <a:buFont typeface="Arial" panose="020B0604020202020204" pitchFamily="34" charset="0"/>
-              <a:buChar char="•"/>
-            </a:pPr>
-            <a:r>
-              <a:rPr lang="ko-KR" altLang="en-US" sz="1100" b="1" dirty="0">
-                <a:latin typeface="+mn-ea"/>
-              </a:rPr>
-              <a:t>자동 </a:t>
-            </a:r>
-            <a:r>
-              <a:rPr lang="ko-KR" altLang="en-US" sz="1100" b="1" dirty="0" err="1">
-                <a:latin typeface="+mn-ea"/>
-              </a:rPr>
-              <a:t>무빙</a:t>
-            </a:r>
-            <a:r>
-              <a:rPr lang="ko-KR" altLang="en-US" sz="1100" b="1" dirty="0">
-                <a:latin typeface="+mn-ea"/>
-              </a:rPr>
-              <a:t> 카메라를 이용한 간편한 내 자세 확인</a:t>
-            </a:r>
-            <a:endParaRPr lang="en-US" altLang="ko-KR" sz="1100" b="1" dirty="0">
-              <a:latin typeface="+mn-ea"/>
-            </a:endParaRPr>
-          </a:p>
-          <a:p>
-            <a:pPr marL="171450" indent="-171450">
-              <a:lnSpc>
-                <a:spcPct val="150000"/>
-              </a:lnSpc>
-              <a:buFont typeface="Arial" panose="020B0604020202020204" pitchFamily="34" charset="0"/>
-              <a:buChar char="•"/>
-            </a:pPr>
-            <a:r>
-              <a:rPr lang="ko-KR" altLang="en-US" sz="1100" b="1" dirty="0">
-                <a:latin typeface="+mn-ea"/>
-              </a:rPr>
-              <a:t>올바른 자세와 내 자세를 비교 </a:t>
-            </a:r>
-            <a:endParaRPr lang="en-US" altLang="ko-KR" sz="1100" b="1" dirty="0">
-              <a:latin typeface="+mn-ea"/>
-            </a:endParaRPr>
-          </a:p>
-        </p:txBody>
-      </p:sp>
-      <p:sp>
-        <p:nvSpPr>
-          <p:cNvPr id="122" name="TextBox 121">
-            <a:extLst>
-              <a:ext uri="{FF2B5EF4-FFF2-40B4-BE49-F238E27FC236}">
-                <a16:creationId xmlns:a16="http://schemas.microsoft.com/office/drawing/2014/main" id="{C52DAF71-A91E-4B03-99F3-F82A10C4BB3E}"/>
-              </a:ext>
-            </a:extLst>
-          </p:cNvPr>
-          <p:cNvSpPr txBox="1"/>
-          <p:nvPr/>
-        </p:nvSpPr>
-        <p:spPr>
-          <a:xfrm>
-            <a:off x="4667000" y="672991"/>
-            <a:ext cx="1928733" cy="584775"/>
-          </a:xfrm>
-          <a:prstGeom prst="rect">
-            <a:avLst/>
-          </a:prstGeom>
-          <a:noFill/>
-        </p:spPr>
-        <p:txBody>
-          <a:bodyPr wrap="none" rtlCol="0">
-            <a:spAutoFit/>
-          </a:bodyPr>
-          <a:lstStyle/>
-          <a:p>
-            <a:r>
-              <a:rPr lang="ko-KR" altLang="en-US" sz="3200" b="1" dirty="0" smtClean="0">
-                <a:ln>
-                  <a:solidFill>
-                    <a:schemeClr val="bg2">
-                      <a:lumMod val="50000"/>
-                      <a:alpha val="15000"/>
-                    </a:schemeClr>
-                  </a:solidFill>
-                </a:ln>
-                <a:latin typeface="나눔스퀘어" panose="020B0600000101010101" pitchFamily="50" charset="-127"/>
-                <a:ea typeface="나눔스퀘어" panose="020B0600000101010101" pitchFamily="50" charset="-127"/>
-                <a:cs typeface="조선일보명조" panose="02030304000000000000" pitchFamily="18" charset="-127"/>
-              </a:rPr>
-              <a:t>주제 개요</a:t>
-            </a:r>
-            <a:endParaRPr lang="ko-KR" altLang="en-US" sz="3200" b="1" dirty="0">
-              <a:ln>
-                <a:solidFill>
-                  <a:schemeClr val="bg2">
-                    <a:lumMod val="50000"/>
-                    <a:alpha val="15000"/>
-                  </a:schemeClr>
-                </a:solidFill>
-              </a:ln>
-              <a:latin typeface="나눔스퀘어" panose="020B0600000101010101" pitchFamily="50" charset="-127"/>
-              <a:ea typeface="나눔스퀘어" panose="020B0600000101010101" pitchFamily="50" charset="-127"/>
-              <a:cs typeface="조선일보명조" panose="02030304000000000000" pitchFamily="18" charset="-127"/>
-            </a:endParaRPr>
-          </a:p>
-        </p:txBody>
-      </p:sp>
-      <p:sp>
-        <p:nvSpPr>
-          <p:cNvPr id="127" name="타원 126">
-            <a:extLst>
-              <a:ext uri="{FF2B5EF4-FFF2-40B4-BE49-F238E27FC236}">
-                <a16:creationId xmlns:a16="http://schemas.microsoft.com/office/drawing/2014/main" id="{CD1921FE-9207-4852-B739-0E98B8D01C76}"/>
-              </a:ext>
-            </a:extLst>
-          </p:cNvPr>
-          <p:cNvSpPr/>
-          <p:nvPr/>
-        </p:nvSpPr>
-        <p:spPr>
-          <a:xfrm>
-            <a:off x="7143368" y="1800806"/>
-            <a:ext cx="1940708" cy="1940708"/>
-          </a:xfrm>
-          <a:prstGeom prst="ellipse">
-            <a:avLst/>
-          </a:prstGeom>
-          <a:noFill/>
-          <a:ln w="38100">
-            <a:solidFill>
-              <a:srgbClr val="2E2926"/>
-            </a:solidFill>
-          </a:ln>
-        </p:spPr>
-        <p:style>
-          <a:lnRef idx="2">
-            <a:schemeClr val="accent1">
-              <a:shade val="50000"/>
-            </a:schemeClr>
-          </a:lnRef>
-          <a:fillRef idx="1">
-            <a:schemeClr val="accent1"/>
-          </a:fillRef>
-          <a:effectRef idx="0">
-            <a:schemeClr val="accent1"/>
-          </a:effectRef>
-          <a:fontRef idx="minor">
-            <a:schemeClr val="lt1"/>
-          </a:fontRef>
-        </p:style>
-        <p:txBody>
-          <a:bodyPr rtlCol="0" anchor="ctr"/>
-          <a:lstStyle/>
-          <a:p>
-            <a:pPr algn="ctr"/>
-            <a:endParaRPr lang="ko-KR" altLang="en-US"/>
-          </a:p>
-        </p:txBody>
-      </p:sp>
-      <p:sp>
-        <p:nvSpPr>
-          <p:cNvPr id="44" name="타원 43">
-            <a:extLst>
-              <a:ext uri="{FF2B5EF4-FFF2-40B4-BE49-F238E27FC236}">
-                <a16:creationId xmlns:a16="http://schemas.microsoft.com/office/drawing/2014/main" id="{B8C5F81E-758E-4469-85C9-45B8FB0533C4}"/>
-              </a:ext>
-            </a:extLst>
-          </p:cNvPr>
-          <p:cNvSpPr/>
-          <p:nvPr/>
-        </p:nvSpPr>
-        <p:spPr>
-          <a:xfrm>
-            <a:off x="7255846" y="1913284"/>
-            <a:ext cx="1715753" cy="1715753"/>
-          </a:xfrm>
-          <a:prstGeom prst="ellipse">
-            <a:avLst/>
-          </a:prstGeom>
-          <a:solidFill>
-            <a:srgbClr val="2E2926"/>
-          </a:solidFill>
-          <a:ln>
-            <a:noFill/>
-          </a:ln>
-        </p:spPr>
-        <p:style>
-          <a:lnRef idx="2">
-            <a:schemeClr val="accent1">
-              <a:shade val="50000"/>
-            </a:schemeClr>
-          </a:lnRef>
-          <a:fillRef idx="1">
-            <a:schemeClr val="accent1"/>
-          </a:fillRef>
-          <a:effectRef idx="0">
-            <a:schemeClr val="accent1"/>
-          </a:effectRef>
-          <a:fontRef idx="minor">
-            <a:schemeClr val="lt1"/>
-          </a:fontRef>
-        </p:style>
-        <p:txBody>
-          <a:bodyPr rtlCol="0" anchor="ctr"/>
-          <a:lstStyle/>
-          <a:p>
-            <a:pPr algn="ctr"/>
-            <a:endParaRPr lang="ko-KR" altLang="en-US"/>
-          </a:p>
-        </p:txBody>
-      </p:sp>
-      <p:sp>
-        <p:nvSpPr>
-          <p:cNvPr id="123" name="타원 122">
-            <a:extLst>
-              <a:ext uri="{FF2B5EF4-FFF2-40B4-BE49-F238E27FC236}">
-                <a16:creationId xmlns:a16="http://schemas.microsoft.com/office/drawing/2014/main" id="{52CB1394-9D37-4696-89C9-ED5BF642AFC0}"/>
-              </a:ext>
-            </a:extLst>
-          </p:cNvPr>
-          <p:cNvSpPr/>
-          <p:nvPr/>
-        </p:nvSpPr>
-        <p:spPr>
-          <a:xfrm>
-            <a:off x="2621393" y="1742016"/>
-            <a:ext cx="1940708" cy="1940708"/>
-          </a:xfrm>
-          <a:prstGeom prst="ellipse">
-            <a:avLst/>
-          </a:prstGeom>
-          <a:noFill/>
-          <a:ln w="38100">
-            <a:solidFill>
-              <a:srgbClr val="F9E1D2"/>
-            </a:solidFill>
-          </a:ln>
-        </p:spPr>
-        <p:style>
-          <a:lnRef idx="2">
-            <a:schemeClr val="accent1">
-              <a:shade val="50000"/>
-            </a:schemeClr>
-          </a:lnRef>
-          <a:fillRef idx="1">
-            <a:schemeClr val="accent1"/>
-          </a:fillRef>
-          <a:effectRef idx="0">
-            <a:schemeClr val="accent1"/>
-          </a:effectRef>
-          <a:fontRef idx="minor">
-            <a:schemeClr val="lt1"/>
-          </a:fontRef>
-        </p:style>
-        <p:txBody>
-          <a:bodyPr rtlCol="0" anchor="ctr"/>
-          <a:lstStyle/>
-          <a:p>
-            <a:pPr algn="ctr"/>
-            <a:endParaRPr lang="ko-KR" altLang="en-US"/>
-          </a:p>
-        </p:txBody>
-      </p:sp>
-      <p:sp>
-        <p:nvSpPr>
-          <p:cNvPr id="3" name="타원 2">
-            <a:extLst>
-              <a:ext uri="{FF2B5EF4-FFF2-40B4-BE49-F238E27FC236}">
-                <a16:creationId xmlns:a16="http://schemas.microsoft.com/office/drawing/2014/main" id="{63F5BC52-9E11-424B-A5BE-065BA466063E}"/>
-              </a:ext>
-            </a:extLst>
-          </p:cNvPr>
-          <p:cNvSpPr/>
-          <p:nvPr/>
-        </p:nvSpPr>
-        <p:spPr>
-          <a:xfrm>
-            <a:off x="2406733" y="1527356"/>
-            <a:ext cx="1185015" cy="1185015"/>
-          </a:xfrm>
-          <a:prstGeom prst="ellipse">
-            <a:avLst/>
-          </a:prstGeom>
-          <a:solidFill>
-            <a:schemeClr val="bg1"/>
-          </a:solidFill>
-          <a:ln>
-            <a:noFill/>
-          </a:ln>
-        </p:spPr>
-        <p:style>
-          <a:lnRef idx="2">
-            <a:schemeClr val="accent1">
-              <a:shade val="50000"/>
-            </a:schemeClr>
-          </a:lnRef>
-          <a:fillRef idx="1">
-            <a:schemeClr val="accent1"/>
-          </a:fillRef>
-          <a:effectRef idx="0">
-            <a:schemeClr val="accent1"/>
-          </a:effectRef>
-          <a:fontRef idx="minor">
-            <a:schemeClr val="lt1"/>
-          </a:fontRef>
-        </p:style>
-        <p:txBody>
-          <a:bodyPr rtlCol="0" anchor="ctr"/>
-          <a:lstStyle/>
-          <a:p>
-            <a:pPr algn="ctr"/>
-            <a:endParaRPr lang="ko-KR" altLang="en-US"/>
-          </a:p>
-        </p:txBody>
-      </p:sp>
-      <p:sp>
-        <p:nvSpPr>
-          <p:cNvPr id="41" name="타원 40">
-            <a:extLst>
-              <a:ext uri="{FF2B5EF4-FFF2-40B4-BE49-F238E27FC236}">
-                <a16:creationId xmlns:a16="http://schemas.microsoft.com/office/drawing/2014/main" id="{B91AE33B-7972-41DA-B710-D65D579D4A19}"/>
-              </a:ext>
-            </a:extLst>
-          </p:cNvPr>
-          <p:cNvSpPr/>
-          <p:nvPr/>
-        </p:nvSpPr>
-        <p:spPr>
-          <a:xfrm>
-            <a:off x="2733871" y="1854494"/>
-            <a:ext cx="1715753" cy="1715753"/>
-          </a:xfrm>
-          <a:prstGeom prst="ellipse">
-            <a:avLst/>
-          </a:prstGeom>
-          <a:solidFill>
-            <a:srgbClr val="F9E1D2"/>
-          </a:solidFill>
-          <a:ln>
-            <a:noFill/>
-          </a:ln>
-        </p:spPr>
-        <p:style>
-          <a:lnRef idx="2">
-            <a:schemeClr val="accent1">
-              <a:shade val="50000"/>
-            </a:schemeClr>
-          </a:lnRef>
-          <a:fillRef idx="1">
-            <a:schemeClr val="accent1"/>
-          </a:fillRef>
-          <a:effectRef idx="0">
-            <a:schemeClr val="accent1"/>
-          </a:effectRef>
-          <a:fontRef idx="minor">
-            <a:schemeClr val="lt1"/>
-          </a:fontRef>
-        </p:style>
-        <p:txBody>
-          <a:bodyPr rtlCol="0" anchor="ctr"/>
-          <a:lstStyle/>
-          <a:p>
-            <a:pPr algn="ctr"/>
-            <a:endParaRPr lang="ko-KR" altLang="en-US"/>
-          </a:p>
-        </p:txBody>
-      </p:sp>
-      <p:sp>
-        <p:nvSpPr>
-          <p:cNvPr id="46" name="TextBox 45">
-            <a:extLst>
-              <a:ext uri="{FF2B5EF4-FFF2-40B4-BE49-F238E27FC236}">
-                <a16:creationId xmlns:a16="http://schemas.microsoft.com/office/drawing/2014/main" id="{FBCA14CE-1C88-4CFB-9AAC-EB8E53D3F3F5}"/>
-              </a:ext>
-            </a:extLst>
-          </p:cNvPr>
-          <p:cNvSpPr txBox="1"/>
-          <p:nvPr/>
-        </p:nvSpPr>
-        <p:spPr>
-          <a:xfrm>
-            <a:off x="3040955" y="2481538"/>
-            <a:ext cx="1101584" cy="461665"/>
-          </a:xfrm>
-          <a:prstGeom prst="rect">
-            <a:avLst/>
-          </a:prstGeom>
-          <a:noFill/>
-        </p:spPr>
-        <p:txBody>
-          <a:bodyPr wrap="none" rtlCol="0">
-            <a:spAutoFit/>
-          </a:bodyPr>
-          <a:lstStyle/>
-          <a:p>
-            <a:r>
-              <a:rPr lang="ko-KR" altLang="en-US" sz="2400" b="1" dirty="0" smtClean="0">
-                <a:ln>
-                  <a:solidFill>
-                    <a:schemeClr val="bg2">
-                      <a:lumMod val="25000"/>
-                      <a:alpha val="15000"/>
-                    </a:schemeClr>
-                  </a:solidFill>
-                </a:ln>
-                <a:solidFill>
-                  <a:schemeClr val="bg2">
-                    <a:lumMod val="25000"/>
-                  </a:schemeClr>
-                </a:solidFill>
-                <a:latin typeface="나눔스퀘어" panose="020B0600000101010101" pitchFamily="50" charset="-127"/>
-                <a:ea typeface="나눔스퀘어" panose="020B0600000101010101" pitchFamily="50" charset="-127"/>
-                <a:cs typeface="조선일보명조" panose="02030304000000000000" pitchFamily="18" charset="-127"/>
-              </a:rPr>
-              <a:t>문제점</a:t>
-            </a:r>
-            <a:endParaRPr lang="ko-KR" altLang="en-US" sz="2400" b="1" dirty="0">
-              <a:ln>
-                <a:solidFill>
-                  <a:schemeClr val="bg2">
-                    <a:lumMod val="25000"/>
-                    <a:alpha val="15000"/>
-                  </a:schemeClr>
-                </a:solidFill>
-              </a:ln>
-              <a:solidFill>
-                <a:schemeClr val="bg2">
-                  <a:lumMod val="25000"/>
-                </a:schemeClr>
-              </a:solidFill>
-              <a:latin typeface="나눔스퀘어" panose="020B0600000101010101" pitchFamily="50" charset="-127"/>
-              <a:ea typeface="나눔스퀘어" panose="020B0600000101010101" pitchFamily="50" charset="-127"/>
-              <a:cs typeface="조선일보명조" panose="02030304000000000000" pitchFamily="18" charset="-127"/>
-            </a:endParaRPr>
-          </a:p>
-        </p:txBody>
-      </p:sp>
-      <p:sp>
-        <p:nvSpPr>
-          <p:cNvPr id="134" name="TextBox 133">
-            <a:extLst>
-              <a:ext uri="{FF2B5EF4-FFF2-40B4-BE49-F238E27FC236}">
-                <a16:creationId xmlns:a16="http://schemas.microsoft.com/office/drawing/2014/main" id="{0BCDAF9C-9B81-4094-B537-670FAAD0E950}"/>
-              </a:ext>
-            </a:extLst>
-          </p:cNvPr>
-          <p:cNvSpPr txBox="1"/>
-          <p:nvPr/>
-        </p:nvSpPr>
-        <p:spPr>
-          <a:xfrm>
-            <a:off x="7483350" y="2562799"/>
-            <a:ext cx="1396536" cy="461665"/>
-          </a:xfrm>
-          <a:prstGeom prst="rect">
-            <a:avLst/>
-          </a:prstGeom>
-          <a:noFill/>
-        </p:spPr>
-        <p:txBody>
-          <a:bodyPr wrap="none" rtlCol="0">
-            <a:spAutoFit/>
-          </a:bodyPr>
-          <a:lstStyle>
-            <a:defPPr>
-              <a:defRPr lang="ko-KR"/>
-            </a:defPPr>
-            <a:lvl1pPr>
-              <a:defRPr sz="2400" b="1">
-                <a:ln>
-                  <a:solidFill>
-                    <a:schemeClr val="bg1">
-                      <a:alpha val="15000"/>
-                    </a:schemeClr>
-                  </a:solidFill>
-                </a:ln>
-                <a:solidFill>
-                  <a:schemeClr val="bg1"/>
-                </a:solidFill>
-                <a:latin typeface="나눔스퀘어" panose="020B0600000101010101" pitchFamily="50" charset="-127"/>
-                <a:ea typeface="나눔스퀘어" panose="020B0600000101010101" pitchFamily="50" charset="-127"/>
-                <a:cs typeface="조선일보명조" panose="02030304000000000000" pitchFamily="18" charset="-127"/>
-              </a:defRPr>
-            </a:lvl1pPr>
-          </a:lstStyle>
-          <a:p>
-            <a:r>
-              <a:rPr lang="ko-KR" altLang="en-US" smtClean="0"/>
-              <a:t>아이디어</a:t>
-            </a:r>
-            <a:endParaRPr lang="ko-KR" altLang="en-US" dirty="0"/>
-          </a:p>
-        </p:txBody>
-      </p:sp>
-    </p:spTree>
-    <p:extLst>
-      <p:ext uri="{BB962C8B-B14F-4D97-AF65-F5344CB8AC3E}">
-        <p14:creationId xmlns:p14="http://schemas.microsoft.com/office/powerpoint/2010/main" val="1565735505"/>
-      </p:ext>
-    </p:extLst>
-  </p:cSld>
-  <p:clrMapOvr>
-    <a:masterClrMapping/>
-  </p:clrMapOvr>
-  <p:timing>
-    <p:tnLst>
-      <p:par>
-        <p:cTn id="1" dur="indefinite" restart="never" nodeType="tmRoot"/>
-      </p:par>
-    </p:tnLst>
-  </p:timing>
-</p:sld>
-</file>
-
-<file path=ppt/slides/slide5.xml><?xml version="1.0" encoding="utf-8"?>
-<p:sld xmlns:a="http://schemas.openxmlformats.org/drawingml/2006/main" xmlns:r="http://schemas.openxmlformats.org/officeDocument/2006/relationships" xmlns:p="http://schemas.openxmlformats.org/presentationml/2006/main">
-  <p:cSld>
-    <p:spTree>
-      <p:nvGrpSpPr>
-        <p:cNvPr id="1" name=""/>
-        <p:cNvGrpSpPr/>
-        <p:nvPr/>
-      </p:nvGrpSpPr>
-      <p:grpSpPr>
-        <a:xfrm>
-          <a:off x="0" y="0"/>
-          <a:ext cx="0" cy="0"/>
-          <a:chOff x="0" y="0"/>
-          <a:chExt cx="0" cy="0"/>
-        </a:xfrm>
-      </p:grpSpPr>
-      <p:sp>
-        <p:nvSpPr>
-          <p:cNvPr id="6" name="직사각형 5"/>
-          <p:cNvSpPr/>
-          <p:nvPr/>
-        </p:nvSpPr>
-        <p:spPr>
-          <a:xfrm>
-            <a:off x="807791" y="1683026"/>
-            <a:ext cx="8839926" cy="5174974"/>
-          </a:xfrm>
-          <a:prstGeom prst="rect">
-            <a:avLst/>
-          </a:prstGeom>
-          <a:solidFill>
-            <a:schemeClr val="accent2">
-              <a:lumMod val="20000"/>
-              <a:lumOff val="80000"/>
-            </a:schemeClr>
-          </a:solidFill>
-          <a:ln>
-            <a:noFill/>
-          </a:ln>
-        </p:spPr>
-        <p:style>
-          <a:lnRef idx="2">
-            <a:schemeClr val="accent1">
-              <a:shade val="50000"/>
-            </a:schemeClr>
-          </a:lnRef>
-          <a:fillRef idx="1">
-            <a:schemeClr val="accent1"/>
-          </a:fillRef>
-          <a:effectRef idx="0">
-            <a:schemeClr val="accent1"/>
-          </a:effectRef>
-          <a:fontRef idx="minor">
-            <a:schemeClr val="lt1"/>
-          </a:fontRef>
-        </p:style>
-        <p:txBody>
-          <a:bodyPr rtlCol="0" anchor="ctr"/>
-          <a:lstStyle/>
-          <a:p>
-            <a:pPr algn="ctr"/>
-            <a:endParaRPr lang="ko-KR" altLang="en-US"/>
-          </a:p>
-        </p:txBody>
-      </p:sp>
-      <p:sp>
-        <p:nvSpPr>
-          <p:cNvPr id="9" name="TextBox 8">
-            <a:extLst>
-              <a:ext uri="{FF2B5EF4-FFF2-40B4-BE49-F238E27FC236}">
-                <a16:creationId xmlns:a16="http://schemas.microsoft.com/office/drawing/2014/main" id="{53D894E1-17B5-4116-8BF7-04FAC5459A1A}"/>
-              </a:ext>
-            </a:extLst>
-          </p:cNvPr>
-          <p:cNvSpPr txBox="1"/>
-          <p:nvPr/>
-        </p:nvSpPr>
-        <p:spPr>
-          <a:xfrm>
-            <a:off x="1997985" y="1151549"/>
-            <a:ext cx="2876108" cy="584775"/>
-          </a:xfrm>
-          <a:prstGeom prst="rect">
-            <a:avLst/>
-          </a:prstGeom>
-          <a:noFill/>
-        </p:spPr>
-        <p:txBody>
-          <a:bodyPr wrap="none" rtlCol="0">
-            <a:spAutoFit/>
-          </a:bodyPr>
-          <a:lstStyle>
-            <a:defPPr>
-              <a:defRPr lang="ko-KR"/>
-            </a:defPPr>
-            <a:lvl1pPr>
-              <a:defRPr sz="1200">
-                <a:ln>
-                  <a:solidFill>
-                    <a:schemeClr val="bg2">
-                      <a:lumMod val="50000"/>
-                      <a:alpha val="15000"/>
-                    </a:schemeClr>
-                  </a:solidFill>
-                </a:ln>
-                <a:solidFill>
-                  <a:schemeClr val="bg2">
-                    <a:lumMod val="50000"/>
-                  </a:schemeClr>
-                </a:solidFill>
-                <a:latin typeface="나눔스퀘어" panose="020B0600000101010101" pitchFamily="50" charset="-127"/>
-                <a:ea typeface="나눔스퀘어" panose="020B0600000101010101" pitchFamily="50" charset="-127"/>
-                <a:cs typeface="조선일보명조" panose="02030304000000000000" pitchFamily="18" charset="-127"/>
-              </a:defRPr>
-            </a:lvl1pPr>
-          </a:lstStyle>
-          <a:p>
-            <a:r>
-              <a:rPr lang="ko-KR" altLang="en-US" sz="3200" b="1" dirty="0" smtClean="0">
-                <a:solidFill>
-                  <a:schemeClr val="bg2">
-                    <a:lumMod val="25000"/>
-                  </a:schemeClr>
-                </a:solidFill>
-              </a:rPr>
-              <a:t>운동 자세 목록</a:t>
-            </a:r>
-            <a:endParaRPr lang="ko-KR" altLang="en-US" sz="3200" b="1" dirty="0">
-              <a:solidFill>
-                <a:schemeClr val="bg2">
-                  <a:lumMod val="25000"/>
-                </a:schemeClr>
-              </a:solidFill>
-            </a:endParaRPr>
-          </a:p>
-        </p:txBody>
-      </p:sp>
-      <p:sp>
-        <p:nvSpPr>
-          <p:cNvPr id="7" name="직사각형 6"/>
-          <p:cNvSpPr/>
-          <p:nvPr/>
-        </p:nvSpPr>
-        <p:spPr>
-          <a:xfrm>
-            <a:off x="5831912" y="1678828"/>
-            <a:ext cx="3365326" cy="45719"/>
-          </a:xfrm>
-          <a:prstGeom prst="rect">
-            <a:avLst/>
-          </a:prstGeom>
-          <a:solidFill>
-            <a:srgbClr val="2E2926"/>
-          </a:solidFill>
-          <a:ln>
-            <a:noFill/>
-          </a:ln>
-        </p:spPr>
-        <p:style>
-          <a:lnRef idx="2">
-            <a:schemeClr val="accent1">
-              <a:shade val="50000"/>
-            </a:schemeClr>
-          </a:lnRef>
-          <a:fillRef idx="1">
-            <a:schemeClr val="accent1"/>
-          </a:fillRef>
-          <a:effectRef idx="0">
-            <a:schemeClr val="accent1"/>
-          </a:effectRef>
-          <a:fontRef idx="minor">
-            <a:schemeClr val="lt1"/>
-          </a:fontRef>
-        </p:style>
-        <p:txBody>
-          <a:bodyPr rtlCol="0" anchor="ctr"/>
-          <a:lstStyle/>
-          <a:p>
-            <a:pPr algn="ctr"/>
-            <a:endParaRPr lang="ko-KR" altLang="en-US"/>
-          </a:p>
-        </p:txBody>
-      </p:sp>
-      <p:pic>
-        <p:nvPicPr>
-          <p:cNvPr id="2" name="그림 1"/>
-          <p:cNvPicPr>
-            <a:picLocks noChangeAspect="1"/>
-          </p:cNvPicPr>
-          <p:nvPr/>
-        </p:nvPicPr>
-        <p:blipFill>
-          <a:blip r:embed="rId2"/>
-          <a:stretch>
-            <a:fillRect/>
-          </a:stretch>
-        </p:blipFill>
-        <p:spPr>
-          <a:xfrm>
-            <a:off x="8115763" y="433928"/>
-            <a:ext cx="3815806" cy="5895343"/>
-          </a:xfrm>
-          <a:prstGeom prst="rect">
-            <a:avLst/>
-          </a:prstGeom>
-        </p:spPr>
-      </p:pic>
-    </p:spTree>
-    <p:extLst>
-      <p:ext uri="{BB962C8B-B14F-4D97-AF65-F5344CB8AC3E}">
-        <p14:creationId xmlns:p14="http://schemas.microsoft.com/office/powerpoint/2010/main" val="1938526185"/>
-      </p:ext>
-    </p:extLst>
-  </p:cSld>
-  <p:clrMapOvr>
-    <a:masterClrMapping/>
-  </p:clrMapOvr>
-  <p:timing>
-    <p:tnLst>
-      <p:par>
-        <p:cTn id="1" dur="indefinite" restart="never" nodeType="tmRoot"/>
-      </p:par>
-    </p:tnLst>
-  </p:timing>
-</p:sld>
-</file>
-
-<file path=ppt/slides/slide6.xml><?xml version="1.0" encoding="utf-8"?>
-<p:sld xmlns:a="http://schemas.openxmlformats.org/drawingml/2006/main" xmlns:r="http://schemas.openxmlformats.org/officeDocument/2006/relationships" xmlns:p="http://schemas.openxmlformats.org/presentationml/2006/main">
-  <p:cSld>
-    <p:spTree>
-      <p:nvGrpSpPr>
-        <p:cNvPr id="1" name=""/>
-        <p:cNvGrpSpPr/>
-        <p:nvPr/>
-      </p:nvGrpSpPr>
-      <p:grpSpPr>
-        <a:xfrm>
-          <a:off x="0" y="0"/>
-          <a:ext cx="0" cy="0"/>
-          <a:chOff x="0" y="0"/>
-          <a:chExt cx="0" cy="0"/>
-        </a:xfrm>
-      </p:grpSpPr>
-      <p:sp>
-        <p:nvSpPr>
           <p:cNvPr id="3" name="직사각형 2"/>
           <p:cNvSpPr/>
           <p:nvPr/>
@@ -8223,232 +6565,7 @@
 </p:sld>
 </file>
 
-<file path=ppt/slides/slide7.xml><?xml version="1.0" encoding="utf-8"?>
-<p:sld xmlns:a="http://schemas.openxmlformats.org/drawingml/2006/main" xmlns:r="http://schemas.openxmlformats.org/officeDocument/2006/relationships" xmlns:p="http://schemas.openxmlformats.org/presentationml/2006/main">
-  <p:cSld>
-    <p:spTree>
-      <p:nvGrpSpPr>
-        <p:cNvPr id="1" name=""/>
-        <p:cNvGrpSpPr/>
-        <p:nvPr/>
-      </p:nvGrpSpPr>
-      <p:grpSpPr>
-        <a:xfrm>
-          <a:off x="0" y="0"/>
-          <a:ext cx="0" cy="0"/>
-          <a:chOff x="0" y="0"/>
-          <a:chExt cx="0" cy="0"/>
-        </a:xfrm>
-      </p:grpSpPr>
-      <p:sp>
-        <p:nvSpPr>
-          <p:cNvPr id="9" name="TextBox 8">
-            <a:extLst>
-              <a:ext uri="{FF2B5EF4-FFF2-40B4-BE49-F238E27FC236}">
-                <a16:creationId xmlns:a16="http://schemas.microsoft.com/office/drawing/2014/main" id="{53D894E1-17B5-4116-8BF7-04FAC5459A1A}"/>
-              </a:ext>
-            </a:extLst>
-          </p:cNvPr>
-          <p:cNvSpPr txBox="1"/>
-          <p:nvPr/>
-        </p:nvSpPr>
-        <p:spPr>
-          <a:xfrm>
-            <a:off x="1997985" y="1151549"/>
-            <a:ext cx="3807453" cy="584775"/>
-          </a:xfrm>
-          <a:prstGeom prst="rect">
-            <a:avLst/>
-          </a:prstGeom>
-          <a:noFill/>
-        </p:spPr>
-        <p:txBody>
-          <a:bodyPr wrap="none" rtlCol="0">
-            <a:spAutoFit/>
-          </a:bodyPr>
-          <a:lstStyle>
-            <a:defPPr>
-              <a:defRPr lang="ko-KR"/>
-            </a:defPPr>
-            <a:lvl1pPr>
-              <a:defRPr sz="1200">
-                <a:ln>
-                  <a:solidFill>
-                    <a:schemeClr val="bg2">
-                      <a:lumMod val="50000"/>
-                      <a:alpha val="15000"/>
-                    </a:schemeClr>
-                  </a:solidFill>
-                </a:ln>
-                <a:solidFill>
-                  <a:schemeClr val="bg2">
-                    <a:lumMod val="50000"/>
-                  </a:schemeClr>
-                </a:solidFill>
-                <a:latin typeface="나눔스퀘어" panose="020B0600000101010101" pitchFamily="50" charset="-127"/>
-                <a:ea typeface="나눔스퀘어" panose="020B0600000101010101" pitchFamily="50" charset="-127"/>
-                <a:cs typeface="조선일보명조" panose="02030304000000000000" pitchFamily="18" charset="-127"/>
-              </a:defRPr>
-            </a:lvl1pPr>
-          </a:lstStyle>
-          <a:p>
-            <a:r>
-              <a:rPr lang="ko-KR" altLang="en-US" sz="3200" b="1" dirty="0" smtClean="0">
-                <a:solidFill>
-                  <a:schemeClr val="bg2">
-                    <a:lumMod val="25000"/>
-                  </a:schemeClr>
-                </a:solidFill>
-              </a:rPr>
-              <a:t>자세 비교 결과 처리</a:t>
-            </a:r>
-            <a:endParaRPr lang="ko-KR" altLang="en-US" sz="3200" b="1" dirty="0">
-              <a:solidFill>
-                <a:schemeClr val="bg2">
-                  <a:lumMod val="25000"/>
-                </a:schemeClr>
-              </a:solidFill>
-            </a:endParaRPr>
-          </a:p>
-        </p:txBody>
-      </p:sp>
-      <p:sp>
-        <p:nvSpPr>
-          <p:cNvPr id="7" name="직사각형 6"/>
-          <p:cNvSpPr/>
-          <p:nvPr/>
-        </p:nvSpPr>
-        <p:spPr>
-          <a:xfrm>
-            <a:off x="5831912" y="1678828"/>
-            <a:ext cx="3365326" cy="45719"/>
-          </a:xfrm>
-          <a:prstGeom prst="rect">
-            <a:avLst/>
-          </a:prstGeom>
-          <a:solidFill>
-            <a:srgbClr val="2E2926"/>
-          </a:solidFill>
-          <a:ln>
-            <a:noFill/>
-          </a:ln>
-        </p:spPr>
-        <p:style>
-          <a:lnRef idx="2">
-            <a:schemeClr val="accent1">
-              <a:shade val="50000"/>
-            </a:schemeClr>
-          </a:lnRef>
-          <a:fillRef idx="1">
-            <a:schemeClr val="accent1"/>
-          </a:fillRef>
-          <a:effectRef idx="0">
-            <a:schemeClr val="accent1"/>
-          </a:effectRef>
-          <a:fontRef idx="minor">
-            <a:schemeClr val="lt1"/>
-          </a:fontRef>
-        </p:style>
-        <p:txBody>
-          <a:bodyPr rtlCol="0" anchor="ctr"/>
-          <a:lstStyle/>
-          <a:p>
-            <a:pPr algn="ctr"/>
-            <a:endParaRPr lang="ko-KR" altLang="en-US"/>
-          </a:p>
-        </p:txBody>
-      </p:sp>
-      <p:sp>
-        <p:nvSpPr>
-          <p:cNvPr id="8" name="직사각형 7"/>
-          <p:cNvSpPr/>
-          <p:nvPr/>
-        </p:nvSpPr>
-        <p:spPr>
-          <a:xfrm>
-            <a:off x="807791" y="1683026"/>
-            <a:ext cx="8839926" cy="5174974"/>
-          </a:xfrm>
-          <a:prstGeom prst="rect">
-            <a:avLst/>
-          </a:prstGeom>
-          <a:solidFill>
-            <a:srgbClr val="F9E1D2"/>
-          </a:solidFill>
-          <a:ln>
-            <a:noFill/>
-          </a:ln>
-        </p:spPr>
-        <p:style>
-          <a:lnRef idx="2">
-            <a:schemeClr val="accent1">
-              <a:shade val="50000"/>
-            </a:schemeClr>
-          </a:lnRef>
-          <a:fillRef idx="1">
-            <a:schemeClr val="accent1"/>
-          </a:fillRef>
-          <a:effectRef idx="0">
-            <a:schemeClr val="accent1"/>
-          </a:effectRef>
-          <a:fontRef idx="minor">
-            <a:schemeClr val="lt1"/>
-          </a:fontRef>
-        </p:style>
-        <p:txBody>
-          <a:bodyPr rtlCol="0" anchor="ctr"/>
-          <a:lstStyle/>
-          <a:p>
-            <a:pPr algn="ctr"/>
-            <a:endParaRPr lang="ko-KR" altLang="en-US"/>
-          </a:p>
-        </p:txBody>
-      </p:sp>
-      <p:pic>
-        <p:nvPicPr>
-          <p:cNvPr id="2" name="그림 1"/>
-          <p:cNvPicPr>
-            <a:picLocks noChangeAspect="1"/>
-          </p:cNvPicPr>
-          <p:nvPr/>
-        </p:nvPicPr>
-        <p:blipFill>
-          <a:blip r:embed="rId2"/>
-          <a:stretch>
-            <a:fillRect/>
-          </a:stretch>
-        </p:blipFill>
-        <p:spPr>
-          <a:xfrm>
-            <a:off x="8115763" y="433928"/>
-            <a:ext cx="3815806" cy="5895343"/>
-          </a:xfrm>
-          <a:prstGeom prst="rect">
-            <a:avLst/>
-          </a:prstGeom>
-        </p:spPr>
-      </p:pic>
-    </p:spTree>
-    <p:extLst>
-      <p:ext uri="{BB962C8B-B14F-4D97-AF65-F5344CB8AC3E}">
-        <p14:creationId xmlns:p14="http://schemas.microsoft.com/office/powerpoint/2010/main" val="3656072094"/>
-      </p:ext>
-    </p:extLst>
-  </p:cSld>
-  <p:clrMapOvr>
-    <a:masterClrMapping/>
-  </p:clrMapOvr>
-  <p:timing>
-    <p:tnLst>
-      <p:par>
-        <p:cTn id="1" dur="indefinite" restart="never" nodeType="tmRoot"/>
-      </p:par>
-    </p:tnLst>
-  </p:timing>
-</p:sld>
-</file>
-
-<file path=ppt/slides/slide8.xml><?xml version="1.0" encoding="utf-8"?>
+<file path=ppt/slides/slide5.xml><?xml version="1.0" encoding="utf-8"?>
 <p:sld xmlns:a="http://schemas.openxmlformats.org/drawingml/2006/main" xmlns:r="http://schemas.openxmlformats.org/officeDocument/2006/relationships" xmlns:p="http://schemas.openxmlformats.org/presentationml/2006/main">
   <p:cSld>
     <p:spTree>
@@ -9663,7 +7780,7 @@
 </p:sld>
 </file>
 
-<file path=ppt/slides/slide9.xml><?xml version="1.0" encoding="utf-8"?>
+<file path=ppt/slides/slide6.xml><?xml version="1.0" encoding="utf-8"?>
 <p:sld xmlns:a="http://schemas.openxmlformats.org/drawingml/2006/main" xmlns:r="http://schemas.openxmlformats.org/officeDocument/2006/relationships" xmlns:p="http://schemas.openxmlformats.org/presentationml/2006/main">
   <p:cSld>
     <p:spTree>
@@ -10655,6 +8772,1205 @@
     <p:extLst>
       <p:ext uri="{BB962C8B-B14F-4D97-AF65-F5344CB8AC3E}">
         <p14:creationId xmlns:p14="http://schemas.microsoft.com/office/powerpoint/2010/main" val="3147907415"/>
+      </p:ext>
+    </p:extLst>
+  </p:cSld>
+  <p:clrMapOvr>
+    <a:masterClrMapping/>
+  </p:clrMapOvr>
+  <p:timing>
+    <p:tnLst>
+      <p:par>
+        <p:cTn id="1" dur="indefinite" restart="never" nodeType="tmRoot"/>
+      </p:par>
+    </p:tnLst>
+  </p:timing>
+</p:sld>
+</file>
+
+<file path=ppt/slides/slide7.xml><?xml version="1.0" encoding="utf-8"?>
+<p:sld xmlns:a="http://schemas.openxmlformats.org/drawingml/2006/main" xmlns:r="http://schemas.openxmlformats.org/officeDocument/2006/relationships" xmlns:p="http://schemas.openxmlformats.org/presentationml/2006/main">
+  <p:cSld>
+    <p:spTree>
+      <p:nvGrpSpPr>
+        <p:cNvPr id="1" name=""/>
+        <p:cNvGrpSpPr/>
+        <p:nvPr/>
+      </p:nvGrpSpPr>
+      <p:grpSpPr>
+        <a:xfrm>
+          <a:off x="0" y="0"/>
+          <a:ext cx="0" cy="0"/>
+          <a:chOff x="0" y="0"/>
+          <a:chExt cx="0" cy="0"/>
+        </a:xfrm>
+      </p:grpSpPr>
+      <p:sp>
+        <p:nvSpPr>
+          <p:cNvPr id="3" name="직사각형 2"/>
+          <p:cNvSpPr/>
+          <p:nvPr/>
+        </p:nvSpPr>
+        <p:spPr>
+          <a:xfrm>
+            <a:off x="1524000" y="6715148"/>
+            <a:ext cx="9144000" cy="142852"/>
+          </a:xfrm>
+          <a:prstGeom prst="rect">
+            <a:avLst/>
+          </a:prstGeom>
+          <a:solidFill>
+            <a:srgbClr val="F9E1D2"/>
+          </a:solidFill>
+          <a:ln>
+            <a:noFill/>
+          </a:ln>
+        </p:spPr>
+        <p:style>
+          <a:lnRef idx="2">
+            <a:schemeClr val="accent1">
+              <a:shade val="50000"/>
+            </a:schemeClr>
+          </a:lnRef>
+          <a:fillRef idx="1">
+            <a:schemeClr val="accent1"/>
+          </a:fillRef>
+          <a:effectRef idx="0">
+            <a:schemeClr val="accent1"/>
+          </a:effectRef>
+          <a:fontRef idx="minor">
+            <a:schemeClr val="lt1"/>
+          </a:fontRef>
+        </p:style>
+        <p:txBody>
+          <a:bodyPr rtlCol="0" anchor="ctr"/>
+          <a:lstStyle/>
+          <a:p>
+            <a:pPr algn="ctr"/>
+            <a:endParaRPr lang="ko-KR" altLang="en-US"/>
+          </a:p>
+        </p:txBody>
+      </p:sp>
+      <p:pic>
+        <p:nvPicPr>
+          <p:cNvPr id="14" name="Picture 2" descr="핸드폰png에 대한 이미지 검색결과"/>
+          <p:cNvPicPr>
+            <a:picLocks noChangeAspect="1" noChangeArrowheads="1"/>
+          </p:cNvPicPr>
+          <p:nvPr/>
+        </p:nvPicPr>
+        <p:blipFill>
+          <a:blip r:embed="rId3">
+            <a:extLst>
+              <a:ext uri="{28A0092B-C50C-407E-A947-70E740481C1C}">
+                <a14:useLocalDpi xmlns:a14="http://schemas.microsoft.com/office/drawing/2010/main" val="0"/>
+              </a:ext>
+            </a:extLst>
+          </a:blip>
+          <a:srcRect/>
+          <a:stretch>
+            <a:fillRect/>
+          </a:stretch>
+        </p:blipFill>
+        <p:spPr bwMode="auto">
+          <a:xfrm>
+            <a:off x="5258705" y="1596140"/>
+            <a:ext cx="1674589" cy="3091549"/>
+          </a:xfrm>
+          <a:prstGeom prst="rect">
+            <a:avLst/>
+          </a:prstGeom>
+          <a:noFill/>
+          <a:extLst>
+            <a:ext uri="{909E8E84-426E-40DD-AFC4-6F175D3DCCD1}">
+              <a14:hiddenFill xmlns:a14="http://schemas.microsoft.com/office/drawing/2010/main">
+                <a:solidFill>
+                  <a:srgbClr val="FFFFFF"/>
+                </a:solidFill>
+              </a14:hiddenFill>
+            </a:ext>
+          </a:extLst>
+        </p:spPr>
+      </p:pic>
+      <p:sp>
+        <p:nvSpPr>
+          <p:cNvPr id="37" name="TextBox 36"/>
+          <p:cNvSpPr txBox="1"/>
+          <p:nvPr/>
+        </p:nvSpPr>
+        <p:spPr>
+          <a:xfrm>
+            <a:off x="2171216" y="5055732"/>
+            <a:ext cx="7849568" cy="1338828"/>
+          </a:xfrm>
+          <a:prstGeom prst="rect">
+            <a:avLst/>
+          </a:prstGeom>
+          <a:noFill/>
+        </p:spPr>
+        <p:txBody>
+          <a:bodyPr wrap="square" rtlCol="0">
+            <a:spAutoFit/>
+          </a:bodyPr>
+          <a:lstStyle/>
+          <a:p>
+            <a:pPr>
+              <a:lnSpc>
+                <a:spcPct val="150000"/>
+              </a:lnSpc>
+            </a:pPr>
+            <a:r>
+              <a:rPr lang="ko-KR" altLang="en-US" dirty="0" smtClean="0">
+                <a:solidFill>
+                  <a:srgbClr val="5A5059"/>
+                </a:solidFill>
+              </a:rPr>
+              <a:t>자세 비교 안내는 순서대로 </a:t>
+            </a:r>
+            <a:r>
+              <a:rPr lang="en-US" altLang="ko-KR" dirty="0" smtClean="0">
+                <a:solidFill>
+                  <a:srgbClr val="5A5059"/>
+                </a:solidFill>
+              </a:rPr>
+              <a:t>1</a:t>
+            </a:r>
+            <a:r>
+              <a:rPr lang="ko-KR" altLang="en-US" dirty="0" smtClean="0">
+                <a:solidFill>
+                  <a:srgbClr val="5A5059"/>
+                </a:solidFill>
+              </a:rPr>
+              <a:t>번부터 ○번 구분 동작 까지의 자세를 천천히 사용자가 취할 수 있도록 음성을 통해 안내합니다</a:t>
+            </a:r>
+            <a:r>
+              <a:rPr lang="en-US" altLang="ko-KR" dirty="0" smtClean="0">
+                <a:solidFill>
+                  <a:srgbClr val="5A5059"/>
+                </a:solidFill>
+              </a:rPr>
+              <a:t>.</a:t>
+            </a:r>
+          </a:p>
+          <a:p>
+            <a:pPr>
+              <a:lnSpc>
+                <a:spcPct val="150000"/>
+              </a:lnSpc>
+            </a:pPr>
+            <a:r>
+              <a:rPr lang="en-US" altLang="ko-KR" dirty="0" smtClean="0">
+                <a:solidFill>
+                  <a:srgbClr val="5A5059"/>
+                </a:solidFill>
+              </a:rPr>
+              <a:t>Ex) 1</a:t>
+            </a:r>
+            <a:r>
+              <a:rPr lang="ko-KR" altLang="en-US" dirty="0" smtClean="0">
+                <a:solidFill>
+                  <a:srgbClr val="5A5059"/>
+                </a:solidFill>
+              </a:rPr>
+              <a:t>번 구분 동작을 취해주세요</a:t>
+            </a:r>
+            <a:r>
+              <a:rPr lang="en-US" altLang="ko-KR" dirty="0" smtClean="0">
+                <a:solidFill>
+                  <a:srgbClr val="5A5059"/>
+                </a:solidFill>
+              </a:rPr>
+              <a:t>, 5</a:t>
+            </a:r>
+            <a:r>
+              <a:rPr lang="ko-KR" altLang="en-US" dirty="0" err="1" smtClean="0">
+                <a:solidFill>
+                  <a:srgbClr val="5A5059"/>
+                </a:solidFill>
+              </a:rPr>
+              <a:t>초뒤에</a:t>
+            </a:r>
+            <a:r>
+              <a:rPr lang="ko-KR" altLang="en-US" dirty="0" smtClean="0">
+                <a:solidFill>
+                  <a:srgbClr val="5A5059"/>
+                </a:solidFill>
+              </a:rPr>
+              <a:t> 촬영이 시작됩니다</a:t>
+            </a:r>
+            <a:r>
+              <a:rPr lang="en-US" altLang="ko-KR" dirty="0" smtClean="0">
+                <a:solidFill>
+                  <a:srgbClr val="5A5059"/>
+                </a:solidFill>
+              </a:rPr>
+              <a:t>. 5,4,3,2,1…</a:t>
+            </a:r>
+            <a:endParaRPr lang="ko-KR" altLang="en-US" dirty="0">
+              <a:solidFill>
+                <a:srgbClr val="5A5059"/>
+              </a:solidFill>
+            </a:endParaRPr>
+          </a:p>
+        </p:txBody>
+      </p:sp>
+      <p:pic>
+        <p:nvPicPr>
+          <p:cNvPr id="2" name="그림 1"/>
+          <p:cNvPicPr>
+            <a:picLocks noChangeAspect="1"/>
+          </p:cNvPicPr>
+          <p:nvPr/>
+        </p:nvPicPr>
+        <p:blipFill>
+          <a:blip r:embed="rId4"/>
+          <a:stretch>
+            <a:fillRect/>
+          </a:stretch>
+        </p:blipFill>
+        <p:spPr>
+          <a:xfrm>
+            <a:off x="5448299" y="2151622"/>
+            <a:ext cx="1295400" cy="1162050"/>
+          </a:xfrm>
+          <a:prstGeom prst="rect">
+            <a:avLst/>
+          </a:prstGeom>
+        </p:spPr>
+      </p:pic>
+      <p:sp>
+        <p:nvSpPr>
+          <p:cNvPr id="4" name="TextBox 3"/>
+          <p:cNvSpPr txBox="1"/>
+          <p:nvPr/>
+        </p:nvSpPr>
+        <p:spPr>
+          <a:xfrm>
+            <a:off x="5489904" y="3398194"/>
+            <a:ext cx="1212191" cy="646331"/>
+          </a:xfrm>
+          <a:prstGeom prst="rect">
+            <a:avLst/>
+          </a:prstGeom>
+          <a:noFill/>
+        </p:spPr>
+        <p:txBody>
+          <a:bodyPr wrap="none" rtlCol="0">
+            <a:spAutoFit/>
+          </a:bodyPr>
+          <a:lstStyle/>
+          <a:p>
+            <a:pPr algn="ctr"/>
+            <a:r>
+              <a:rPr lang="ko-KR" altLang="en-US" dirty="0" smtClean="0"/>
+              <a:t>자세 비교</a:t>
+            </a:r>
+            <a:endParaRPr lang="en-US" altLang="ko-KR" dirty="0" smtClean="0"/>
+          </a:p>
+          <a:p>
+            <a:pPr algn="ctr"/>
+            <a:r>
+              <a:rPr lang="ko-KR" altLang="en-US" dirty="0" smtClean="0"/>
+              <a:t>안내 중</a:t>
+            </a:r>
+            <a:r>
+              <a:rPr lang="en-US" altLang="ko-KR" dirty="0" smtClean="0"/>
+              <a:t>…</a:t>
+            </a:r>
+            <a:endParaRPr lang="ko-KR" altLang="en-US" dirty="0"/>
+          </a:p>
+        </p:txBody>
+      </p:sp>
+      <p:sp>
+        <p:nvSpPr>
+          <p:cNvPr id="9" name="직사각형 8">
+            <a:extLst>
+              <a:ext uri="{FF2B5EF4-FFF2-40B4-BE49-F238E27FC236}">
+                <a16:creationId xmlns:a16="http://schemas.microsoft.com/office/drawing/2014/main" id="{BC928A49-E8FC-4698-9DF3-C1ECCCAA9010}"/>
+              </a:ext>
+            </a:extLst>
+          </p:cNvPr>
+          <p:cNvSpPr/>
+          <p:nvPr/>
+        </p:nvSpPr>
+        <p:spPr>
+          <a:xfrm>
+            <a:off x="0" y="358461"/>
+            <a:ext cx="552450" cy="779907"/>
+          </a:xfrm>
+          <a:prstGeom prst="rect">
+            <a:avLst/>
+          </a:prstGeom>
+          <a:solidFill>
+            <a:srgbClr val="F1DBCB"/>
+          </a:solidFill>
+          <a:ln>
+            <a:noFill/>
+          </a:ln>
+        </p:spPr>
+        <p:style>
+          <a:lnRef idx="2">
+            <a:schemeClr val="accent1">
+              <a:shade val="50000"/>
+            </a:schemeClr>
+          </a:lnRef>
+          <a:fillRef idx="1">
+            <a:schemeClr val="accent1"/>
+          </a:fillRef>
+          <a:effectRef idx="0">
+            <a:schemeClr val="accent1"/>
+          </a:effectRef>
+          <a:fontRef idx="minor">
+            <a:schemeClr val="lt1"/>
+          </a:fontRef>
+        </p:style>
+        <p:txBody>
+          <a:bodyPr rtlCol="0" anchor="ctr"/>
+          <a:lstStyle/>
+          <a:p>
+            <a:pPr algn="ctr"/>
+            <a:endParaRPr lang="ko-KR" altLang="en-US"/>
+          </a:p>
+        </p:txBody>
+      </p:sp>
+      <p:sp>
+        <p:nvSpPr>
+          <p:cNvPr id="10" name="TextBox 9">
+            <a:extLst>
+              <a:ext uri="{FF2B5EF4-FFF2-40B4-BE49-F238E27FC236}">
+                <a16:creationId xmlns:a16="http://schemas.microsoft.com/office/drawing/2014/main" id="{E0ADA58E-6A48-4162-A86C-847135D83AB1}"/>
+              </a:ext>
+            </a:extLst>
+          </p:cNvPr>
+          <p:cNvSpPr txBox="1"/>
+          <p:nvPr/>
+        </p:nvSpPr>
+        <p:spPr>
+          <a:xfrm>
+            <a:off x="580586" y="441958"/>
+            <a:ext cx="1794081" cy="584775"/>
+          </a:xfrm>
+          <a:prstGeom prst="rect">
+            <a:avLst/>
+          </a:prstGeom>
+          <a:noFill/>
+        </p:spPr>
+        <p:txBody>
+          <a:bodyPr wrap="none" rtlCol="0">
+            <a:spAutoFit/>
+          </a:bodyPr>
+          <a:lstStyle/>
+          <a:p>
+            <a:r>
+              <a:rPr lang="ko-KR" altLang="en-US" sz="3200" b="1" dirty="0" smtClean="0">
+                <a:ln>
+                  <a:solidFill>
+                    <a:schemeClr val="bg2">
+                      <a:lumMod val="50000"/>
+                      <a:alpha val="15000"/>
+                    </a:schemeClr>
+                  </a:solidFill>
+                </a:ln>
+                <a:solidFill>
+                  <a:schemeClr val="bg2">
+                    <a:lumMod val="50000"/>
+                  </a:schemeClr>
+                </a:solidFill>
+                <a:latin typeface="나눔스퀘어" panose="020B0600000101010101" pitchFamily="50" charset="-127"/>
+                <a:ea typeface="나눔스퀘어" panose="020B0600000101010101" pitchFamily="50" charset="-127"/>
+                <a:cs typeface="조선일보명조" panose="02030304000000000000" pitchFamily="18" charset="-127"/>
+              </a:rPr>
+              <a:t>자세비교</a:t>
+            </a:r>
+            <a:endParaRPr lang="ko-KR" altLang="en-US" sz="3200" b="1" dirty="0">
+              <a:ln>
+                <a:solidFill>
+                  <a:schemeClr val="bg2">
+                    <a:lumMod val="50000"/>
+                    <a:alpha val="15000"/>
+                  </a:schemeClr>
+                </a:solidFill>
+              </a:ln>
+              <a:solidFill>
+                <a:schemeClr val="bg2">
+                  <a:lumMod val="50000"/>
+                </a:schemeClr>
+              </a:solidFill>
+              <a:latin typeface="나눔스퀘어" panose="020B0600000101010101" pitchFamily="50" charset="-127"/>
+              <a:ea typeface="나눔스퀘어" panose="020B0600000101010101" pitchFamily="50" charset="-127"/>
+              <a:cs typeface="조선일보명조" panose="02030304000000000000" pitchFamily="18" charset="-127"/>
+            </a:endParaRPr>
+          </a:p>
+        </p:txBody>
+      </p:sp>
+    </p:spTree>
+    <p:extLst>
+      <p:ext uri="{BB962C8B-B14F-4D97-AF65-F5344CB8AC3E}">
+        <p14:creationId xmlns:p14="http://schemas.microsoft.com/office/powerpoint/2010/main" val="1363279188"/>
+      </p:ext>
+    </p:extLst>
+  </p:cSld>
+  <p:clrMapOvr>
+    <a:masterClrMapping/>
+  </p:clrMapOvr>
+  <p:timing>
+    <p:tnLst>
+      <p:par>
+        <p:cTn id="1" dur="indefinite" restart="never" nodeType="tmRoot"/>
+      </p:par>
+    </p:tnLst>
+  </p:timing>
+</p:sld>
+</file>
+
+<file path=ppt/slides/slide8.xml><?xml version="1.0" encoding="utf-8"?>
+<p:sld xmlns:a="http://schemas.openxmlformats.org/drawingml/2006/main" xmlns:r="http://schemas.openxmlformats.org/officeDocument/2006/relationships" xmlns:p="http://schemas.openxmlformats.org/presentationml/2006/main">
+  <p:cSld>
+    <p:spTree>
+      <p:nvGrpSpPr>
+        <p:cNvPr id="1" name=""/>
+        <p:cNvGrpSpPr/>
+        <p:nvPr/>
+      </p:nvGrpSpPr>
+      <p:grpSpPr>
+        <a:xfrm>
+          <a:off x="0" y="0"/>
+          <a:ext cx="0" cy="0"/>
+          <a:chOff x="0" y="0"/>
+          <a:chExt cx="0" cy="0"/>
+        </a:xfrm>
+      </p:grpSpPr>
+      <p:sp>
+        <p:nvSpPr>
+          <p:cNvPr id="3" name="직사각형 2"/>
+          <p:cNvSpPr/>
+          <p:nvPr/>
+        </p:nvSpPr>
+        <p:spPr>
+          <a:xfrm>
+            <a:off x="1524000" y="6715148"/>
+            <a:ext cx="9144000" cy="142852"/>
+          </a:xfrm>
+          <a:prstGeom prst="rect">
+            <a:avLst/>
+          </a:prstGeom>
+          <a:solidFill>
+            <a:srgbClr val="F9E1D2"/>
+          </a:solidFill>
+          <a:ln>
+            <a:noFill/>
+          </a:ln>
+        </p:spPr>
+        <p:style>
+          <a:lnRef idx="2">
+            <a:schemeClr val="accent1">
+              <a:shade val="50000"/>
+            </a:schemeClr>
+          </a:lnRef>
+          <a:fillRef idx="1">
+            <a:schemeClr val="accent1"/>
+          </a:fillRef>
+          <a:effectRef idx="0">
+            <a:schemeClr val="accent1"/>
+          </a:effectRef>
+          <a:fontRef idx="minor">
+            <a:schemeClr val="lt1"/>
+          </a:fontRef>
+        </p:style>
+        <p:txBody>
+          <a:bodyPr rtlCol="0" anchor="ctr"/>
+          <a:lstStyle/>
+          <a:p>
+            <a:pPr algn="ctr"/>
+            <a:endParaRPr lang="ko-KR" altLang="en-US"/>
+          </a:p>
+        </p:txBody>
+      </p:sp>
+      <p:pic>
+        <p:nvPicPr>
+          <p:cNvPr id="8" name="Picture 2" descr="핸드폰png에 대한 이미지 검색결과"/>
+          <p:cNvPicPr>
+            <a:picLocks noChangeAspect="1" noChangeArrowheads="1"/>
+          </p:cNvPicPr>
+          <p:nvPr/>
+        </p:nvPicPr>
+        <p:blipFill>
+          <a:blip r:embed="rId3">
+            <a:extLst>
+              <a:ext uri="{28A0092B-C50C-407E-A947-70E740481C1C}">
+                <a14:useLocalDpi xmlns:a14="http://schemas.microsoft.com/office/drawing/2010/main" val="0"/>
+              </a:ext>
+            </a:extLst>
+          </a:blip>
+          <a:srcRect/>
+          <a:stretch>
+            <a:fillRect/>
+          </a:stretch>
+        </p:blipFill>
+        <p:spPr bwMode="auto">
+          <a:xfrm>
+            <a:off x="2179075" y="1655651"/>
+            <a:ext cx="1674589" cy="3091549"/>
+          </a:xfrm>
+          <a:prstGeom prst="rect">
+            <a:avLst/>
+          </a:prstGeom>
+          <a:noFill/>
+          <a:extLst>
+            <a:ext uri="{909E8E84-426E-40DD-AFC4-6F175D3DCCD1}">
+              <a14:hiddenFill xmlns:a14="http://schemas.microsoft.com/office/drawing/2010/main">
+                <a:solidFill>
+                  <a:srgbClr val="FFFFFF"/>
+                </a:solidFill>
+              </a14:hiddenFill>
+            </a:ext>
+          </a:extLst>
+        </p:spPr>
+      </p:pic>
+      <p:sp>
+        <p:nvSpPr>
+          <p:cNvPr id="9" name="직사각형 8"/>
+          <p:cNvSpPr/>
+          <p:nvPr/>
+        </p:nvSpPr>
+        <p:spPr>
+          <a:xfrm>
+            <a:off x="2207568" y="1865721"/>
+            <a:ext cx="1620000" cy="1276400"/>
+          </a:xfrm>
+          <a:prstGeom prst="rect">
+            <a:avLst/>
+          </a:prstGeom>
+          <a:noFill/>
+          <a:ln>
+            <a:solidFill>
+              <a:schemeClr val="tx1"/>
+            </a:solidFill>
+          </a:ln>
+        </p:spPr>
+        <p:style>
+          <a:lnRef idx="2">
+            <a:schemeClr val="accent1">
+              <a:shade val="50000"/>
+            </a:schemeClr>
+          </a:lnRef>
+          <a:fillRef idx="1">
+            <a:schemeClr val="accent1"/>
+          </a:fillRef>
+          <a:effectRef idx="0">
+            <a:schemeClr val="accent1"/>
+          </a:effectRef>
+          <a:fontRef idx="minor">
+            <a:schemeClr val="lt1"/>
+          </a:fontRef>
+        </p:style>
+        <p:txBody>
+          <a:bodyPr rtlCol="0" anchor="ctr"/>
+          <a:lstStyle/>
+          <a:p>
+            <a:pPr algn="ctr"/>
+            <a:endParaRPr lang="ko-KR" altLang="en-US"/>
+          </a:p>
+        </p:txBody>
+      </p:sp>
+      <p:sp>
+        <p:nvSpPr>
+          <p:cNvPr id="10" name="TextBox 9"/>
+          <p:cNvSpPr txBox="1"/>
+          <p:nvPr/>
+        </p:nvSpPr>
+        <p:spPr>
+          <a:xfrm>
+            <a:off x="2207568" y="2156653"/>
+            <a:ext cx="1620000" cy="646331"/>
+          </a:xfrm>
+          <a:prstGeom prst="rect">
+            <a:avLst/>
+          </a:prstGeom>
+          <a:noFill/>
+        </p:spPr>
+        <p:txBody>
+          <a:bodyPr wrap="square" rtlCol="0">
+            <a:spAutoFit/>
+          </a:bodyPr>
+          <a:lstStyle/>
+          <a:p>
+            <a:pPr algn="ctr"/>
+            <a:r>
+              <a:rPr lang="ko-KR" altLang="en-US"/>
+              <a:t>트레이너의 자세</a:t>
+            </a:r>
+          </a:p>
+        </p:txBody>
+      </p:sp>
+      <p:sp>
+        <p:nvSpPr>
+          <p:cNvPr id="11" name="TextBox 10"/>
+          <p:cNvSpPr txBox="1"/>
+          <p:nvPr/>
+        </p:nvSpPr>
+        <p:spPr>
+          <a:xfrm>
+            <a:off x="2206368" y="3575328"/>
+            <a:ext cx="1620000" cy="369332"/>
+          </a:xfrm>
+          <a:prstGeom prst="rect">
+            <a:avLst/>
+          </a:prstGeom>
+          <a:noFill/>
+        </p:spPr>
+        <p:txBody>
+          <a:bodyPr wrap="square" rtlCol="0">
+            <a:spAutoFit/>
+          </a:bodyPr>
+          <a:lstStyle/>
+          <a:p>
+            <a:pPr algn="ctr"/>
+            <a:r>
+              <a:rPr lang="ko-KR" altLang="en-US" dirty="0" smtClean="0"/>
+              <a:t>사용자 </a:t>
+            </a:r>
+            <a:r>
+              <a:rPr lang="ko-KR" altLang="en-US" dirty="0"/>
+              <a:t>자세</a:t>
+            </a:r>
+          </a:p>
+        </p:txBody>
+      </p:sp>
+      <p:pic>
+        <p:nvPicPr>
+          <p:cNvPr id="16" name="그림 15"/>
+          <p:cNvPicPr>
+            <a:picLocks noChangeAspect="1"/>
+          </p:cNvPicPr>
+          <p:nvPr/>
+        </p:nvPicPr>
+        <p:blipFill>
+          <a:blip r:embed="rId4"/>
+          <a:stretch>
+            <a:fillRect/>
+          </a:stretch>
+        </p:blipFill>
+        <p:spPr>
+          <a:xfrm>
+            <a:off x="4511824" y="1825116"/>
+            <a:ext cx="5689328" cy="2812170"/>
+          </a:xfrm>
+          <a:prstGeom prst="rect">
+            <a:avLst/>
+          </a:prstGeom>
+        </p:spPr>
+      </p:pic>
+      <p:cxnSp>
+        <p:nvCxnSpPr>
+          <p:cNvPr id="19" name="직선 화살표 연결선 18"/>
+          <p:cNvCxnSpPr/>
+          <p:nvPr/>
+        </p:nvCxnSpPr>
+        <p:spPr>
+          <a:xfrm>
+            <a:off x="3800274" y="3845562"/>
+            <a:ext cx="711551" cy="12052"/>
+          </a:xfrm>
+          <a:prstGeom prst="straightConnector1">
+            <a:avLst/>
+          </a:prstGeom>
+          <a:ln w="38100">
+            <a:solidFill>
+              <a:srgbClr val="FF0000"/>
+            </a:solidFill>
+            <a:tailEnd type="triangle"/>
+          </a:ln>
+        </p:spPr>
+        <p:style>
+          <a:lnRef idx="1">
+            <a:schemeClr val="accent1"/>
+          </a:lnRef>
+          <a:fillRef idx="0">
+            <a:schemeClr val="accent1"/>
+          </a:fillRef>
+          <a:effectRef idx="0">
+            <a:schemeClr val="accent1"/>
+          </a:effectRef>
+          <a:fontRef idx="minor">
+            <a:schemeClr val="tx1"/>
+          </a:fontRef>
+        </p:style>
+      </p:cxnSp>
+      <p:cxnSp>
+        <p:nvCxnSpPr>
+          <p:cNvPr id="20" name="직선 화살표 연결선 19"/>
+          <p:cNvCxnSpPr/>
+          <p:nvPr/>
+        </p:nvCxnSpPr>
+        <p:spPr>
+          <a:xfrm>
+            <a:off x="3800274" y="2491869"/>
+            <a:ext cx="711551" cy="12052"/>
+          </a:xfrm>
+          <a:prstGeom prst="straightConnector1">
+            <a:avLst/>
+          </a:prstGeom>
+          <a:ln w="38100">
+            <a:solidFill>
+              <a:srgbClr val="FF0000"/>
+            </a:solidFill>
+            <a:tailEnd type="triangle"/>
+          </a:ln>
+        </p:spPr>
+        <p:style>
+          <a:lnRef idx="1">
+            <a:schemeClr val="accent1"/>
+          </a:lnRef>
+          <a:fillRef idx="0">
+            <a:schemeClr val="accent1"/>
+          </a:fillRef>
+          <a:effectRef idx="0">
+            <a:schemeClr val="accent1"/>
+          </a:effectRef>
+          <a:fontRef idx="minor">
+            <a:schemeClr val="tx1"/>
+          </a:fontRef>
+        </p:style>
+      </p:cxnSp>
+      <p:sp>
+        <p:nvSpPr>
+          <p:cNvPr id="23" name="TextBox 22"/>
+          <p:cNvSpPr txBox="1"/>
+          <p:nvPr/>
+        </p:nvSpPr>
+        <p:spPr>
+          <a:xfrm>
+            <a:off x="2351584" y="5061799"/>
+            <a:ext cx="7849568" cy="923330"/>
+          </a:xfrm>
+          <a:prstGeom prst="rect">
+            <a:avLst/>
+          </a:prstGeom>
+          <a:noFill/>
+        </p:spPr>
+        <p:txBody>
+          <a:bodyPr wrap="square" rtlCol="0">
+            <a:spAutoFit/>
+          </a:bodyPr>
+          <a:lstStyle/>
+          <a:p>
+            <a:pPr>
+              <a:lnSpc>
+                <a:spcPct val="150000"/>
+              </a:lnSpc>
+            </a:pPr>
+            <a:r>
+              <a:rPr lang="ko-KR" altLang="en-US" dirty="0" smtClean="0"/>
+              <a:t>이후 촬영된 사진을 위와 같이 영상 처리된 결과물이 트레이너의 자세와 사용자 자세로 나누어 출력됩니다</a:t>
+            </a:r>
+            <a:r>
+              <a:rPr lang="en-US" altLang="ko-KR" dirty="0" smtClean="0"/>
+              <a:t>.</a:t>
+            </a:r>
+            <a:endParaRPr lang="ko-KR" altLang="en-US" dirty="0"/>
+          </a:p>
+        </p:txBody>
+      </p:sp>
+      <p:sp>
+        <p:nvSpPr>
+          <p:cNvPr id="14" name="직사각형 13">
+            <a:extLst>
+              <a:ext uri="{FF2B5EF4-FFF2-40B4-BE49-F238E27FC236}">
+                <a16:creationId xmlns:a16="http://schemas.microsoft.com/office/drawing/2014/main" id="{BC928A49-E8FC-4698-9DF3-C1ECCCAA9010}"/>
+              </a:ext>
+            </a:extLst>
+          </p:cNvPr>
+          <p:cNvSpPr/>
+          <p:nvPr/>
+        </p:nvSpPr>
+        <p:spPr>
+          <a:xfrm>
+            <a:off x="0" y="358461"/>
+            <a:ext cx="552450" cy="779907"/>
+          </a:xfrm>
+          <a:prstGeom prst="rect">
+            <a:avLst/>
+          </a:prstGeom>
+          <a:solidFill>
+            <a:srgbClr val="F1DBCB"/>
+          </a:solidFill>
+          <a:ln>
+            <a:noFill/>
+          </a:ln>
+        </p:spPr>
+        <p:style>
+          <a:lnRef idx="2">
+            <a:schemeClr val="accent1">
+              <a:shade val="50000"/>
+            </a:schemeClr>
+          </a:lnRef>
+          <a:fillRef idx="1">
+            <a:schemeClr val="accent1"/>
+          </a:fillRef>
+          <a:effectRef idx="0">
+            <a:schemeClr val="accent1"/>
+          </a:effectRef>
+          <a:fontRef idx="minor">
+            <a:schemeClr val="lt1"/>
+          </a:fontRef>
+        </p:style>
+        <p:txBody>
+          <a:bodyPr rtlCol="0" anchor="ctr"/>
+          <a:lstStyle/>
+          <a:p>
+            <a:pPr algn="ctr"/>
+            <a:endParaRPr lang="ko-KR" altLang="en-US"/>
+          </a:p>
+        </p:txBody>
+      </p:sp>
+      <p:sp>
+        <p:nvSpPr>
+          <p:cNvPr id="15" name="TextBox 14">
+            <a:extLst>
+              <a:ext uri="{FF2B5EF4-FFF2-40B4-BE49-F238E27FC236}">
+                <a16:creationId xmlns:a16="http://schemas.microsoft.com/office/drawing/2014/main" id="{E0ADA58E-6A48-4162-A86C-847135D83AB1}"/>
+              </a:ext>
+            </a:extLst>
+          </p:cNvPr>
+          <p:cNvSpPr txBox="1"/>
+          <p:nvPr/>
+        </p:nvSpPr>
+        <p:spPr>
+          <a:xfrm>
+            <a:off x="580586" y="441958"/>
+            <a:ext cx="1794081" cy="584775"/>
+          </a:xfrm>
+          <a:prstGeom prst="rect">
+            <a:avLst/>
+          </a:prstGeom>
+          <a:noFill/>
+        </p:spPr>
+        <p:txBody>
+          <a:bodyPr wrap="none" rtlCol="0">
+            <a:spAutoFit/>
+          </a:bodyPr>
+          <a:lstStyle/>
+          <a:p>
+            <a:r>
+              <a:rPr lang="ko-KR" altLang="en-US" sz="3200" b="1" dirty="0" smtClean="0">
+                <a:ln>
+                  <a:solidFill>
+                    <a:schemeClr val="bg2">
+                      <a:lumMod val="50000"/>
+                      <a:alpha val="15000"/>
+                    </a:schemeClr>
+                  </a:solidFill>
+                </a:ln>
+                <a:solidFill>
+                  <a:schemeClr val="bg2">
+                    <a:lumMod val="50000"/>
+                  </a:schemeClr>
+                </a:solidFill>
+                <a:latin typeface="나눔스퀘어" panose="020B0600000101010101" pitchFamily="50" charset="-127"/>
+                <a:ea typeface="나눔스퀘어" panose="020B0600000101010101" pitchFamily="50" charset="-127"/>
+                <a:cs typeface="조선일보명조" panose="02030304000000000000" pitchFamily="18" charset="-127"/>
+              </a:rPr>
+              <a:t>자세비교</a:t>
+            </a:r>
+            <a:endParaRPr lang="ko-KR" altLang="en-US" sz="3200" b="1" dirty="0">
+              <a:ln>
+                <a:solidFill>
+                  <a:schemeClr val="bg2">
+                    <a:lumMod val="50000"/>
+                    <a:alpha val="15000"/>
+                  </a:schemeClr>
+                </a:solidFill>
+              </a:ln>
+              <a:solidFill>
+                <a:schemeClr val="bg2">
+                  <a:lumMod val="50000"/>
+                </a:schemeClr>
+              </a:solidFill>
+              <a:latin typeface="나눔스퀘어" panose="020B0600000101010101" pitchFamily="50" charset="-127"/>
+              <a:ea typeface="나눔스퀘어" panose="020B0600000101010101" pitchFamily="50" charset="-127"/>
+              <a:cs typeface="조선일보명조" panose="02030304000000000000" pitchFamily="18" charset="-127"/>
+            </a:endParaRPr>
+          </a:p>
+        </p:txBody>
+      </p:sp>
+    </p:spTree>
+    <p:extLst>
+      <p:ext uri="{BB962C8B-B14F-4D97-AF65-F5344CB8AC3E}">
+        <p14:creationId xmlns:p14="http://schemas.microsoft.com/office/powerpoint/2010/main" val="2488935104"/>
+      </p:ext>
+    </p:extLst>
+  </p:cSld>
+  <p:clrMapOvr>
+    <a:masterClrMapping/>
+  </p:clrMapOvr>
+  <p:timing>
+    <p:tnLst>
+      <p:par>
+        <p:cTn id="1" dur="indefinite" restart="never" nodeType="tmRoot"/>
+      </p:par>
+    </p:tnLst>
+  </p:timing>
+</p:sld>
+</file>
+
+<file path=ppt/slides/slide9.xml><?xml version="1.0" encoding="utf-8"?>
+<p:sld xmlns:a="http://schemas.openxmlformats.org/drawingml/2006/main" xmlns:r="http://schemas.openxmlformats.org/officeDocument/2006/relationships" xmlns:p="http://schemas.openxmlformats.org/presentationml/2006/main">
+  <p:cSld>
+    <p:spTree>
+      <p:nvGrpSpPr>
+        <p:cNvPr id="1" name=""/>
+        <p:cNvGrpSpPr/>
+        <p:nvPr/>
+      </p:nvGrpSpPr>
+      <p:grpSpPr>
+        <a:xfrm>
+          <a:off x="0" y="0"/>
+          <a:ext cx="0" cy="0"/>
+          <a:chOff x="0" y="0"/>
+          <a:chExt cx="0" cy="0"/>
+        </a:xfrm>
+      </p:grpSpPr>
+      <p:sp>
+        <p:nvSpPr>
+          <p:cNvPr id="7" name="직사각형 6"/>
+          <p:cNvSpPr/>
+          <p:nvPr/>
+        </p:nvSpPr>
+        <p:spPr>
+          <a:xfrm>
+            <a:off x="5831912" y="1678828"/>
+            <a:ext cx="3365326" cy="45719"/>
+          </a:xfrm>
+          <a:prstGeom prst="rect">
+            <a:avLst/>
+          </a:prstGeom>
+          <a:solidFill>
+            <a:srgbClr val="2E2926"/>
+          </a:solidFill>
+          <a:ln>
+            <a:noFill/>
+          </a:ln>
+        </p:spPr>
+        <p:style>
+          <a:lnRef idx="2">
+            <a:schemeClr val="accent1">
+              <a:shade val="50000"/>
+            </a:schemeClr>
+          </a:lnRef>
+          <a:fillRef idx="1">
+            <a:schemeClr val="accent1"/>
+          </a:fillRef>
+          <a:effectRef idx="0">
+            <a:schemeClr val="accent1"/>
+          </a:effectRef>
+          <a:fontRef idx="minor">
+            <a:schemeClr val="lt1"/>
+          </a:fontRef>
+        </p:style>
+        <p:txBody>
+          <a:bodyPr rtlCol="0" anchor="ctr"/>
+          <a:lstStyle/>
+          <a:p>
+            <a:pPr algn="ctr"/>
+            <a:endParaRPr lang="ko-KR" altLang="en-US"/>
+          </a:p>
+        </p:txBody>
+      </p:sp>
+      <p:sp>
+        <p:nvSpPr>
+          <p:cNvPr id="8" name="직사각형 7"/>
+          <p:cNvSpPr/>
+          <p:nvPr/>
+        </p:nvSpPr>
+        <p:spPr>
+          <a:xfrm>
+            <a:off x="807791" y="1683026"/>
+            <a:ext cx="8839926" cy="5174974"/>
+          </a:xfrm>
+          <a:prstGeom prst="rect">
+            <a:avLst/>
+          </a:prstGeom>
+          <a:solidFill>
+            <a:srgbClr val="F9E1D2"/>
+          </a:solidFill>
+          <a:ln>
+            <a:noFill/>
+          </a:ln>
+        </p:spPr>
+        <p:style>
+          <a:lnRef idx="2">
+            <a:schemeClr val="accent1">
+              <a:shade val="50000"/>
+            </a:schemeClr>
+          </a:lnRef>
+          <a:fillRef idx="1">
+            <a:schemeClr val="accent1"/>
+          </a:fillRef>
+          <a:effectRef idx="0">
+            <a:schemeClr val="accent1"/>
+          </a:effectRef>
+          <a:fontRef idx="minor">
+            <a:schemeClr val="lt1"/>
+          </a:fontRef>
+        </p:style>
+        <p:txBody>
+          <a:bodyPr rtlCol="0" anchor="ctr"/>
+          <a:lstStyle/>
+          <a:p>
+            <a:pPr algn="ctr"/>
+            <a:endParaRPr lang="ko-KR" altLang="en-US"/>
+          </a:p>
+        </p:txBody>
+      </p:sp>
+      <p:sp>
+        <p:nvSpPr>
+          <p:cNvPr id="3" name="직사각형 2"/>
+          <p:cNvSpPr/>
+          <p:nvPr/>
+        </p:nvSpPr>
+        <p:spPr>
+          <a:xfrm>
+            <a:off x="0" y="3050771"/>
+            <a:ext cx="12192000" cy="1388225"/>
+          </a:xfrm>
+          <a:prstGeom prst="rect">
+            <a:avLst/>
+          </a:prstGeom>
+          <a:solidFill>
+            <a:schemeClr val="bg1"/>
+          </a:solidFill>
+          <a:ln>
+            <a:solidFill>
+              <a:schemeClr val="bg1"/>
+            </a:solidFill>
+          </a:ln>
+        </p:spPr>
+        <p:style>
+          <a:lnRef idx="2">
+            <a:schemeClr val="accent1">
+              <a:shade val="50000"/>
+            </a:schemeClr>
+          </a:lnRef>
+          <a:fillRef idx="1">
+            <a:schemeClr val="accent1"/>
+          </a:fillRef>
+          <a:effectRef idx="0">
+            <a:schemeClr val="accent1"/>
+          </a:effectRef>
+          <a:fontRef idx="minor">
+            <a:schemeClr val="lt1"/>
+          </a:fontRef>
+        </p:style>
+        <p:txBody>
+          <a:bodyPr rtlCol="0" anchor="ctr"/>
+          <a:lstStyle/>
+          <a:p>
+            <a:pPr algn="ctr"/>
+            <a:endParaRPr lang="ko-KR" altLang="en-US"/>
+          </a:p>
+        </p:txBody>
+      </p:sp>
+      <p:pic>
+        <p:nvPicPr>
+          <p:cNvPr id="2" name="그림 1"/>
+          <p:cNvPicPr>
+            <a:picLocks noChangeAspect="1"/>
+          </p:cNvPicPr>
+          <p:nvPr/>
+        </p:nvPicPr>
+        <p:blipFill>
+          <a:blip r:embed="rId2"/>
+          <a:stretch>
+            <a:fillRect/>
+          </a:stretch>
+        </p:blipFill>
+        <p:spPr>
+          <a:xfrm>
+            <a:off x="8115763" y="433928"/>
+            <a:ext cx="3815806" cy="5895343"/>
+          </a:xfrm>
+          <a:prstGeom prst="rect">
+            <a:avLst/>
+          </a:prstGeom>
+        </p:spPr>
+      </p:pic>
+      <p:sp>
+        <p:nvSpPr>
+          <p:cNvPr id="9" name="TextBox 8">
+            <a:extLst>
+              <a:ext uri="{FF2B5EF4-FFF2-40B4-BE49-F238E27FC236}">
+                <a16:creationId xmlns:a16="http://schemas.microsoft.com/office/drawing/2014/main" id="{53D894E1-17B5-4116-8BF7-04FAC5459A1A}"/>
+              </a:ext>
+            </a:extLst>
+          </p:cNvPr>
+          <p:cNvSpPr txBox="1"/>
+          <p:nvPr/>
+        </p:nvSpPr>
+        <p:spPr>
+          <a:xfrm>
+            <a:off x="4439542" y="2838558"/>
+            <a:ext cx="2784737" cy="1600438"/>
+          </a:xfrm>
+          <a:prstGeom prst="rect">
+            <a:avLst/>
+          </a:prstGeom>
+          <a:noFill/>
+        </p:spPr>
+        <p:txBody>
+          <a:bodyPr wrap="none" rtlCol="0">
+            <a:spAutoFit/>
+          </a:bodyPr>
+          <a:lstStyle>
+            <a:defPPr>
+              <a:defRPr lang="ko-KR"/>
+            </a:defPPr>
+            <a:lvl1pPr>
+              <a:defRPr sz="1200">
+                <a:ln>
+                  <a:solidFill>
+                    <a:schemeClr val="bg2">
+                      <a:lumMod val="50000"/>
+                      <a:alpha val="15000"/>
+                    </a:schemeClr>
+                  </a:solidFill>
+                </a:ln>
+                <a:solidFill>
+                  <a:schemeClr val="bg2">
+                    <a:lumMod val="50000"/>
+                  </a:schemeClr>
+                </a:solidFill>
+                <a:latin typeface="나눔스퀘어" panose="020B0600000101010101" pitchFamily="50" charset="-127"/>
+                <a:ea typeface="나눔스퀘어" panose="020B0600000101010101" pitchFamily="50" charset="-127"/>
+                <a:cs typeface="조선일보명조" panose="02030304000000000000" pitchFamily="18" charset="-127"/>
+              </a:defRPr>
+            </a:lvl1pPr>
+          </a:lstStyle>
+          <a:p>
+            <a:r>
+              <a:rPr lang="en-US" altLang="ko-KR" sz="9800" b="1" dirty="0" smtClean="0">
+                <a:solidFill>
+                  <a:schemeClr val="bg2">
+                    <a:lumMod val="25000"/>
+                  </a:schemeClr>
+                </a:solidFill>
+              </a:rPr>
+              <a:t>Q&amp;A</a:t>
+            </a:r>
+            <a:endParaRPr lang="ko-KR" altLang="en-US" sz="9800" b="1" dirty="0">
+              <a:solidFill>
+                <a:schemeClr val="bg2">
+                  <a:lumMod val="25000"/>
+                </a:schemeClr>
+              </a:solidFill>
+            </a:endParaRPr>
+          </a:p>
+        </p:txBody>
+      </p:sp>
+    </p:spTree>
+    <p:extLst>
+      <p:ext uri="{BB962C8B-B14F-4D97-AF65-F5344CB8AC3E}">
+        <p14:creationId xmlns:p14="http://schemas.microsoft.com/office/powerpoint/2010/main" val="2003285196"/>
       </p:ext>
     </p:extLst>
   </p:cSld>

--- a/Team-1/2018-03-14-발표자료/2018-03-14-발표자료.pptx
+++ b/Team-1/2018-03-14-발표자료/2018-03-14-발표자료.pptx
@@ -7,6 +7,9 @@
   <p:notesMasterIdLst>
     <p:notesMasterId r:id="rId12"/>
   </p:notesMasterIdLst>
+  <p:handoutMasterIdLst>
+    <p:handoutMasterId r:id="rId13"/>
+  </p:handoutMasterIdLst>
   <p:sldIdLst>
     <p:sldId id="267" r:id="rId2"/>
     <p:sldId id="256" r:id="rId3"/>
@@ -20,16 +23,16 @@
     <p:sldId id="268" r:id="rId11"/>
   </p:sldIdLst>
   <p:sldSz cx="12192000" cy="6858000"/>
-  <p:notesSz cx="6858000" cy="9144000"/>
+  <p:notesSz cx="9144000" cy="6858000"/>
   <p:embeddedFontLst>
     <p:embeddedFont>
       <p:font typeface="나눔스퀘어" panose="020B0600000101010101" charset="-127"/>
-      <p:regular r:id="rId13"/>
+      <p:regular r:id="rId14"/>
     </p:embeddedFont>
     <p:embeddedFont>
       <p:font typeface="맑은 고딕" panose="020B0503020000020004" pitchFamily="50" charset="-127"/>
-      <p:regular r:id="rId14"/>
-      <p:bold r:id="rId15"/>
+      <p:regular r:id="rId15"/>
+      <p:bold r:id="rId16"/>
     </p:embeddedFont>
   </p:embeddedFontLst>
   <p:defaultTextStyle>
@@ -146,6 +149,171 @@
 </p:presentation>
 </file>
 
+<file path=ppt/handoutMasters/handoutMaster1.xml><?xml version="1.0" encoding="utf-8"?>
+<p:handoutMaster xmlns:a="http://schemas.openxmlformats.org/drawingml/2006/main" xmlns:r="http://schemas.openxmlformats.org/officeDocument/2006/relationships" xmlns:p="http://schemas.openxmlformats.org/presentationml/2006/main">
+  <p:cSld>
+    <p:bg>
+      <p:bgRef idx="1001">
+        <a:schemeClr val="bg1"/>
+      </p:bgRef>
+    </p:bg>
+    <p:spTree>
+      <p:nvGrpSpPr>
+        <p:cNvPr id="1" name=""/>
+        <p:cNvGrpSpPr/>
+        <p:nvPr/>
+      </p:nvGrpSpPr>
+      <p:grpSpPr>
+        <a:xfrm>
+          <a:off x="0" y="0"/>
+          <a:ext cx="0" cy="0"/>
+          <a:chOff x="0" y="0"/>
+          <a:chExt cx="0" cy="0"/>
+        </a:xfrm>
+      </p:grpSpPr>
+      <p:sp>
+        <p:nvSpPr>
+          <p:cNvPr id="2" name="머리글 개체 틀 1"/>
+          <p:cNvSpPr>
+            <a:spLocks noGrp="1"/>
+          </p:cNvSpPr>
+          <p:nvPr>
+            <p:ph type="hdr" sz="quarter"/>
+          </p:nvPr>
+        </p:nvSpPr>
+        <p:spPr>
+          <a:xfrm>
+            <a:off x="0" y="0"/>
+            <a:ext cx="3962400" cy="344091"/>
+          </a:xfrm>
+          <a:prstGeom prst="rect">
+            <a:avLst/>
+          </a:prstGeom>
+        </p:spPr>
+        <p:txBody>
+          <a:bodyPr vert="horz" lIns="91440" tIns="45720" rIns="91440" bIns="45720" rtlCol="0"/>
+          <a:lstStyle>
+            <a:lvl1pPr algn="l">
+              <a:defRPr sz="1200"/>
+            </a:lvl1pPr>
+          </a:lstStyle>
+          <a:p>
+            <a:endParaRPr lang="ko-KR" altLang="en-US"/>
+          </a:p>
+        </p:txBody>
+      </p:sp>
+      <p:sp>
+        <p:nvSpPr>
+          <p:cNvPr id="3" name="날짜 개체 틀 2"/>
+          <p:cNvSpPr>
+            <a:spLocks noGrp="1"/>
+          </p:cNvSpPr>
+          <p:nvPr>
+            <p:ph type="dt" sz="quarter" idx="1"/>
+          </p:nvPr>
+        </p:nvSpPr>
+        <p:spPr>
+          <a:xfrm>
+            <a:off x="5179484" y="0"/>
+            <a:ext cx="3962400" cy="344091"/>
+          </a:xfrm>
+          <a:prstGeom prst="rect">
+            <a:avLst/>
+          </a:prstGeom>
+        </p:spPr>
+        <p:txBody>
+          <a:bodyPr vert="horz" lIns="91440" tIns="45720" rIns="91440" bIns="45720" rtlCol="0"/>
+          <a:lstStyle>
+            <a:lvl1pPr algn="r">
+              <a:defRPr sz="1200"/>
+            </a:lvl1pPr>
+          </a:lstStyle>
+          <a:p>
+            <a:fld id="{924AF1F6-3009-4F9E-9F95-C5CB73515F05}" type="datetimeFigureOut">
+              <a:rPr lang="ko-KR" altLang="en-US" smtClean="0"/>
+              <a:t>2018-03-14</a:t>
+            </a:fld>
+            <a:endParaRPr lang="ko-KR" altLang="en-US"/>
+          </a:p>
+        </p:txBody>
+      </p:sp>
+      <p:sp>
+        <p:nvSpPr>
+          <p:cNvPr id="4" name="바닥글 개체 틀 3"/>
+          <p:cNvSpPr>
+            <a:spLocks noGrp="1"/>
+          </p:cNvSpPr>
+          <p:nvPr>
+            <p:ph type="ftr" sz="quarter" idx="2"/>
+          </p:nvPr>
+        </p:nvSpPr>
+        <p:spPr>
+          <a:xfrm>
+            <a:off x="0" y="6513910"/>
+            <a:ext cx="3962400" cy="344090"/>
+          </a:xfrm>
+          <a:prstGeom prst="rect">
+            <a:avLst/>
+          </a:prstGeom>
+        </p:spPr>
+        <p:txBody>
+          <a:bodyPr vert="horz" lIns="91440" tIns="45720" rIns="91440" bIns="45720" rtlCol="0" anchor="b"/>
+          <a:lstStyle>
+            <a:lvl1pPr algn="l">
+              <a:defRPr sz="1200"/>
+            </a:lvl1pPr>
+          </a:lstStyle>
+          <a:p>
+            <a:endParaRPr lang="ko-KR" altLang="en-US"/>
+          </a:p>
+        </p:txBody>
+      </p:sp>
+      <p:sp>
+        <p:nvSpPr>
+          <p:cNvPr id="5" name="슬라이드 번호 개체 틀 4"/>
+          <p:cNvSpPr>
+            <a:spLocks noGrp="1"/>
+          </p:cNvSpPr>
+          <p:nvPr>
+            <p:ph type="sldNum" sz="quarter" idx="3"/>
+          </p:nvPr>
+        </p:nvSpPr>
+        <p:spPr>
+          <a:xfrm>
+            <a:off x="5179484" y="6513910"/>
+            <a:ext cx="3962400" cy="344090"/>
+          </a:xfrm>
+          <a:prstGeom prst="rect">
+            <a:avLst/>
+          </a:prstGeom>
+        </p:spPr>
+        <p:txBody>
+          <a:bodyPr vert="horz" lIns="91440" tIns="45720" rIns="91440" bIns="45720" rtlCol="0" anchor="b"/>
+          <a:lstStyle>
+            <a:lvl1pPr algn="r">
+              <a:defRPr sz="1200"/>
+            </a:lvl1pPr>
+          </a:lstStyle>
+          <a:p>
+            <a:fld id="{EBE8EC0B-CC13-4B88-B2DA-7F588F7B0D42}" type="slidenum">
+              <a:rPr lang="ko-KR" altLang="en-US" smtClean="0"/>
+              <a:t>‹#›</a:t>
+            </a:fld>
+            <a:endParaRPr lang="ko-KR" altLang="en-US"/>
+          </a:p>
+        </p:txBody>
+      </p:sp>
+    </p:spTree>
+    <p:extLst>
+      <p:ext uri="{BB962C8B-B14F-4D97-AF65-F5344CB8AC3E}">
+        <p14:creationId xmlns:p14="http://schemas.microsoft.com/office/powerpoint/2010/main" val="3758617883"/>
+      </p:ext>
+    </p:extLst>
+  </p:cSld>
+  <p:clrMap bg1="lt1" tx1="dk1" bg2="lt2" tx2="dk2" accent1="accent1" accent2="accent2" accent3="accent3" accent4="accent4" accent5="accent5" accent6="accent6" hlink="hlink" folHlink="folHlink"/>
+</p:handoutMaster>
+</file>
+
 <file path=ppt/notesMasters/notesMaster1.xml><?xml version="1.0" encoding="utf-8"?>
 <p:notesMaster xmlns:a="http://schemas.openxmlformats.org/drawingml/2006/main" xmlns:r="http://schemas.openxmlformats.org/officeDocument/2006/relationships" xmlns:p="http://schemas.openxmlformats.org/presentationml/2006/main">
   <p:cSld>
@@ -181,7 +349,7 @@
         <p:spPr>
           <a:xfrm>
             <a:off x="0" y="0"/>
-            <a:ext cx="2971800" cy="458788"/>
+            <a:ext cx="3962400" cy="344091"/>
           </a:xfrm>
           <a:prstGeom prst="rect">
             <a:avLst/>
@@ -211,8 +379,8 @@
         </p:nvSpPr>
         <p:spPr>
           <a:xfrm>
-            <a:off x="3884613" y="0"/>
-            <a:ext cx="2971800" cy="458788"/>
+            <a:off x="5179484" y="0"/>
+            <a:ext cx="3962400" cy="344091"/>
           </a:xfrm>
           <a:prstGeom prst="rect">
             <a:avLst/>
@@ -228,7 +396,7 @@
           <a:p>
             <a:fld id="{4AB57EFC-A8CF-42EC-AFAA-0B024A5A7825}" type="datetimeFigureOut">
               <a:rPr lang="ko-KR" altLang="en-US" smtClean="0"/>
-              <a:t>2018-03-13</a:t>
+              <a:t>2018-03-14</a:t>
             </a:fld>
             <a:endParaRPr lang="ko-KR" altLang="en-US"/>
           </a:p>
@@ -246,8 +414,8 @@
         </p:nvSpPr>
         <p:spPr>
           <a:xfrm>
-            <a:off x="685800" y="1143000"/>
-            <a:ext cx="5486400" cy="3086100"/>
+            <a:off x="2514600" y="857250"/>
+            <a:ext cx="4114800" cy="2314575"/>
           </a:xfrm>
           <a:prstGeom prst="rect">
             <a:avLst/>
@@ -279,8 +447,8 @@
         </p:nvSpPr>
         <p:spPr>
           <a:xfrm>
-            <a:off x="685800" y="4400550"/>
-            <a:ext cx="5486400" cy="3600450"/>
+            <a:off x="914400" y="3300412"/>
+            <a:ext cx="7315200" cy="2700338"/>
           </a:xfrm>
           <a:prstGeom prst="rect">
             <a:avLst/>
@@ -339,8 +507,8 @@
         </p:nvSpPr>
         <p:spPr>
           <a:xfrm>
-            <a:off x="0" y="8685213"/>
-            <a:ext cx="2971800" cy="458787"/>
+            <a:off x="0" y="6513910"/>
+            <a:ext cx="3962400" cy="344090"/>
           </a:xfrm>
           <a:prstGeom prst="rect">
             <a:avLst/>
@@ -370,8 +538,8 @@
         </p:nvSpPr>
         <p:spPr>
           <a:xfrm>
-            <a:off x="3884613" y="8685213"/>
-            <a:ext cx="2971800" cy="458787"/>
+            <a:off x="5179484" y="6513910"/>
+            <a:ext cx="3962400" cy="344090"/>
           </a:xfrm>
           <a:prstGeom prst="rect">
             <a:avLst/>
@@ -879,7 +1047,7 @@
           <a:p>
             <a:fld id="{858C740F-6345-449F-BB23-DB9DFB9BE0C6}" type="datetimeFigureOut">
               <a:rPr lang="ko-KR" altLang="en-US" smtClean="0"/>
-              <a:t>2018-03-13</a:t>
+              <a:t>2018-03-14</a:t>
             </a:fld>
             <a:endParaRPr lang="ko-KR" altLang="en-US"/>
           </a:p>
@@ -1049,7 +1217,7 @@
           <a:p>
             <a:fld id="{858C740F-6345-449F-BB23-DB9DFB9BE0C6}" type="datetimeFigureOut">
               <a:rPr lang="ko-KR" altLang="en-US" smtClean="0"/>
-              <a:t>2018-03-13</a:t>
+              <a:t>2018-03-14</a:t>
             </a:fld>
             <a:endParaRPr lang="ko-KR" altLang="en-US"/>
           </a:p>
@@ -1229,7 +1397,7 @@
           <a:p>
             <a:fld id="{858C740F-6345-449F-BB23-DB9DFB9BE0C6}" type="datetimeFigureOut">
               <a:rPr lang="ko-KR" altLang="en-US" smtClean="0"/>
-              <a:t>2018-03-13</a:t>
+              <a:t>2018-03-14</a:t>
             </a:fld>
             <a:endParaRPr lang="ko-KR" altLang="en-US"/>
           </a:p>
@@ -1399,7 +1567,7 @@
           <a:p>
             <a:fld id="{858C740F-6345-449F-BB23-DB9DFB9BE0C6}" type="datetimeFigureOut">
               <a:rPr lang="ko-KR" altLang="en-US" smtClean="0"/>
-              <a:t>2018-03-13</a:t>
+              <a:t>2018-03-14</a:t>
             </a:fld>
             <a:endParaRPr lang="ko-KR" altLang="en-US"/>
           </a:p>
@@ -1645,7 +1813,7 @@
           <a:p>
             <a:fld id="{858C740F-6345-449F-BB23-DB9DFB9BE0C6}" type="datetimeFigureOut">
               <a:rPr lang="ko-KR" altLang="en-US" smtClean="0"/>
-              <a:t>2018-03-13</a:t>
+              <a:t>2018-03-14</a:t>
             </a:fld>
             <a:endParaRPr lang="ko-KR" altLang="en-US"/>
           </a:p>
@@ -1877,7 +2045,7 @@
           <a:p>
             <a:fld id="{858C740F-6345-449F-BB23-DB9DFB9BE0C6}" type="datetimeFigureOut">
               <a:rPr lang="ko-KR" altLang="en-US" smtClean="0"/>
-              <a:t>2018-03-13</a:t>
+              <a:t>2018-03-14</a:t>
             </a:fld>
             <a:endParaRPr lang="ko-KR" altLang="en-US"/>
           </a:p>
@@ -2244,7 +2412,7 @@
           <a:p>
             <a:fld id="{858C740F-6345-449F-BB23-DB9DFB9BE0C6}" type="datetimeFigureOut">
               <a:rPr lang="ko-KR" altLang="en-US" smtClean="0"/>
-              <a:t>2018-03-13</a:t>
+              <a:t>2018-03-14</a:t>
             </a:fld>
             <a:endParaRPr lang="ko-KR" altLang="en-US"/>
           </a:p>
@@ -2362,7 +2530,7 @@
           <a:p>
             <a:fld id="{858C740F-6345-449F-BB23-DB9DFB9BE0C6}" type="datetimeFigureOut">
               <a:rPr lang="ko-KR" altLang="en-US" smtClean="0"/>
-              <a:t>2018-03-13</a:t>
+              <a:t>2018-03-14</a:t>
             </a:fld>
             <a:endParaRPr lang="ko-KR" altLang="en-US"/>
           </a:p>
@@ -2457,7 +2625,7 @@
           <a:p>
             <a:fld id="{858C740F-6345-449F-BB23-DB9DFB9BE0C6}" type="datetimeFigureOut">
               <a:rPr lang="ko-KR" altLang="en-US" smtClean="0"/>
-              <a:t>2018-03-13</a:t>
+              <a:t>2018-03-14</a:t>
             </a:fld>
             <a:endParaRPr lang="ko-KR" altLang="en-US"/>
           </a:p>
@@ -2734,7 +2902,7 @@
           <a:p>
             <a:fld id="{858C740F-6345-449F-BB23-DB9DFB9BE0C6}" type="datetimeFigureOut">
               <a:rPr lang="ko-KR" altLang="en-US" smtClean="0"/>
-              <a:t>2018-03-13</a:t>
+              <a:t>2018-03-14</a:t>
             </a:fld>
             <a:endParaRPr lang="ko-KR" altLang="en-US"/>
           </a:p>
@@ -2987,7 +3155,7 @@
           <a:p>
             <a:fld id="{858C740F-6345-449F-BB23-DB9DFB9BE0C6}" type="datetimeFigureOut">
               <a:rPr lang="ko-KR" altLang="en-US" smtClean="0"/>
-              <a:t>2018-03-13</a:t>
+              <a:t>2018-03-14</a:t>
             </a:fld>
             <a:endParaRPr lang="ko-KR" altLang="en-US"/>
           </a:p>
@@ -3200,7 +3368,7 @@
           <a:p>
             <a:fld id="{858C740F-6345-449F-BB23-DB9DFB9BE0C6}" type="datetimeFigureOut">
               <a:rPr lang="ko-KR" altLang="en-US" smtClean="0"/>
-              <a:t>2018-03-13</a:t>
+              <a:t>2018-03-14</a:t>
             </a:fld>
             <a:endParaRPr lang="ko-KR" altLang="en-US"/>
           </a:p>
@@ -3679,7 +3847,7 @@
           <a:lstStyle/>
           <a:p>
             <a:pPr algn="ctr"/>
-            <a:endParaRPr lang="ko-KR" altLang="en-US"/>
+            <a:endParaRPr lang="ko-KR" altLang="en-US" dirty="0"/>
           </a:p>
         </p:txBody>
       </p:sp>
@@ -4056,6 +4224,36 @@
               </a:solidFill>
               <a:latin typeface="+mn-ea"/>
             </a:endParaRPr>
+          </a:p>
+        </p:txBody>
+      </p:sp>
+      <p:sp>
+        <p:nvSpPr>
+          <p:cNvPr id="6" name="TextBox 5"/>
+          <p:cNvSpPr txBox="1"/>
+          <p:nvPr/>
+        </p:nvSpPr>
+        <p:spPr>
+          <a:xfrm>
+            <a:off x="11330247" y="6400800"/>
+            <a:ext cx="1047404" cy="369332"/>
+          </a:xfrm>
+          <a:prstGeom prst="rect">
+            <a:avLst/>
+          </a:prstGeom>
+          <a:noFill/>
+        </p:spPr>
+        <p:txBody>
+          <a:bodyPr wrap="square" rtlCol="0">
+            <a:spAutoFit/>
+          </a:bodyPr>
+          <a:lstStyle/>
+          <a:p>
+            <a:r>
+              <a:rPr lang="en-US" altLang="ko-KR" dirty="0" smtClean="0"/>
+              <a:t>1/10</a:t>
+            </a:r>
+            <a:endParaRPr lang="ko-KR" altLang="en-US" dirty="0"/>
           </a:p>
         </p:txBody>
       </p:sp>
@@ -4301,6 +4499,36 @@
           </a:fontRef>
         </p:style>
       </p:cxnSp>
+      <p:sp>
+        <p:nvSpPr>
+          <p:cNvPr id="7" name="TextBox 6"/>
+          <p:cNvSpPr txBox="1"/>
+          <p:nvPr/>
+        </p:nvSpPr>
+        <p:spPr>
+          <a:xfrm>
+            <a:off x="11330247" y="6400800"/>
+            <a:ext cx="1047404" cy="369332"/>
+          </a:xfrm>
+          <a:prstGeom prst="rect">
+            <a:avLst/>
+          </a:prstGeom>
+          <a:noFill/>
+        </p:spPr>
+        <p:txBody>
+          <a:bodyPr wrap="square" rtlCol="0">
+            <a:spAutoFit/>
+          </a:bodyPr>
+          <a:lstStyle/>
+          <a:p>
+            <a:r>
+              <a:rPr lang="en-US" altLang="ko-KR" dirty="0" smtClean="0"/>
+              <a:t>10/10</a:t>
+            </a:r>
+            <a:endParaRPr lang="ko-KR" altLang="en-US" dirty="0"/>
+          </a:p>
+        </p:txBody>
+      </p:sp>
     </p:spTree>
     <p:extLst>
       <p:ext uri="{BB962C8B-B14F-4D97-AF65-F5344CB8AC3E}">
@@ -5216,6 +5444,36 @@
           </a:p>
         </p:txBody>
       </p:sp>
+      <p:sp>
+        <p:nvSpPr>
+          <p:cNvPr id="18" name="TextBox 17"/>
+          <p:cNvSpPr txBox="1"/>
+          <p:nvPr/>
+        </p:nvSpPr>
+        <p:spPr>
+          <a:xfrm>
+            <a:off x="11330247" y="6400800"/>
+            <a:ext cx="1047404" cy="369332"/>
+          </a:xfrm>
+          <a:prstGeom prst="rect">
+            <a:avLst/>
+          </a:prstGeom>
+          <a:noFill/>
+        </p:spPr>
+        <p:txBody>
+          <a:bodyPr wrap="square" rtlCol="0">
+            <a:spAutoFit/>
+          </a:bodyPr>
+          <a:lstStyle/>
+          <a:p>
+            <a:r>
+              <a:rPr lang="en-US" altLang="ko-KR" dirty="0" smtClean="0"/>
+              <a:t>2/10</a:t>
+            </a:r>
+            <a:endParaRPr lang="ko-KR" altLang="en-US" dirty="0"/>
+          </a:p>
+        </p:txBody>
+      </p:sp>
     </p:spTree>
     <p:extLst>
       <p:ext uri="{BB962C8B-B14F-4D97-AF65-F5344CB8AC3E}">
@@ -6010,6 +6268,36 @@
           </a:p>
         </p:txBody>
       </p:sp>
+      <p:sp>
+        <p:nvSpPr>
+          <p:cNvPr id="13" name="TextBox 12"/>
+          <p:cNvSpPr txBox="1"/>
+          <p:nvPr/>
+        </p:nvSpPr>
+        <p:spPr>
+          <a:xfrm>
+            <a:off x="11330247" y="6400800"/>
+            <a:ext cx="1047404" cy="369332"/>
+          </a:xfrm>
+          <a:prstGeom prst="rect">
+            <a:avLst/>
+          </a:prstGeom>
+          <a:noFill/>
+        </p:spPr>
+        <p:txBody>
+          <a:bodyPr wrap="square" rtlCol="0">
+            <a:spAutoFit/>
+          </a:bodyPr>
+          <a:lstStyle/>
+          <a:p>
+            <a:r>
+              <a:rPr lang="en-US" altLang="ko-KR" dirty="0" smtClean="0"/>
+              <a:t>3/10</a:t>
+            </a:r>
+            <a:endParaRPr lang="ko-KR" altLang="en-US" dirty="0"/>
+          </a:p>
+        </p:txBody>
+      </p:sp>
     </p:spTree>
     <p:extLst>
       <p:ext uri="{BB962C8B-B14F-4D97-AF65-F5344CB8AC3E}">
@@ -6541,6 +6829,36 @@
               <a:buFont typeface="+mj-ea"/>
               <a:buAutoNum type="circleNumDbPlain" startAt="6"/>
             </a:pPr>
+            <a:endParaRPr lang="ko-KR" altLang="en-US" dirty="0"/>
+          </a:p>
+        </p:txBody>
+      </p:sp>
+      <p:sp>
+        <p:nvSpPr>
+          <p:cNvPr id="8" name="TextBox 7"/>
+          <p:cNvSpPr txBox="1"/>
+          <p:nvPr/>
+        </p:nvSpPr>
+        <p:spPr>
+          <a:xfrm>
+            <a:off x="11330247" y="6400800"/>
+            <a:ext cx="1047404" cy="369332"/>
+          </a:xfrm>
+          <a:prstGeom prst="rect">
+            <a:avLst/>
+          </a:prstGeom>
+          <a:noFill/>
+        </p:spPr>
+        <p:txBody>
+          <a:bodyPr wrap="square" rtlCol="0">
+            <a:spAutoFit/>
+          </a:bodyPr>
+          <a:lstStyle/>
+          <a:p>
+            <a:r>
+              <a:rPr lang="en-US" altLang="ko-KR" dirty="0" smtClean="0"/>
+              <a:t>4/10</a:t>
+            </a:r>
             <a:endParaRPr lang="ko-KR" altLang="en-US" dirty="0"/>
           </a:p>
         </p:txBody>
@@ -7760,6 +8078,36 @@
           </a:p>
         </p:txBody>
       </p:sp>
+      <p:sp>
+        <p:nvSpPr>
+          <p:cNvPr id="29" name="TextBox 28"/>
+          <p:cNvSpPr txBox="1"/>
+          <p:nvPr/>
+        </p:nvSpPr>
+        <p:spPr>
+          <a:xfrm>
+            <a:off x="11330247" y="6400800"/>
+            <a:ext cx="1047404" cy="369332"/>
+          </a:xfrm>
+          <a:prstGeom prst="rect">
+            <a:avLst/>
+          </a:prstGeom>
+          <a:noFill/>
+        </p:spPr>
+        <p:txBody>
+          <a:bodyPr wrap="square" rtlCol="0">
+            <a:spAutoFit/>
+          </a:bodyPr>
+          <a:lstStyle/>
+          <a:p>
+            <a:r>
+              <a:rPr lang="en-US" altLang="ko-KR" dirty="0" smtClean="0"/>
+              <a:t>5/10</a:t>
+            </a:r>
+            <a:endParaRPr lang="ko-KR" altLang="en-US" dirty="0"/>
+          </a:p>
+        </p:txBody>
+      </p:sp>
     </p:spTree>
     <p:extLst>
       <p:ext uri="{BB962C8B-B14F-4D97-AF65-F5344CB8AC3E}">
@@ -8768,6 +9116,36 @@
           </a:p>
         </p:txBody>
       </p:sp>
+      <p:sp>
+        <p:nvSpPr>
+          <p:cNvPr id="30" name="TextBox 29"/>
+          <p:cNvSpPr txBox="1"/>
+          <p:nvPr/>
+        </p:nvSpPr>
+        <p:spPr>
+          <a:xfrm>
+            <a:off x="11330247" y="6400800"/>
+            <a:ext cx="1047404" cy="369332"/>
+          </a:xfrm>
+          <a:prstGeom prst="rect">
+            <a:avLst/>
+          </a:prstGeom>
+          <a:noFill/>
+        </p:spPr>
+        <p:txBody>
+          <a:bodyPr wrap="square" rtlCol="0">
+            <a:spAutoFit/>
+          </a:bodyPr>
+          <a:lstStyle/>
+          <a:p>
+            <a:r>
+              <a:rPr lang="en-US" altLang="ko-KR" dirty="0" smtClean="0"/>
+              <a:t>6/10</a:t>
+            </a:r>
+            <a:endParaRPr lang="ko-KR" altLang="en-US" dirty="0"/>
+          </a:p>
+        </p:txBody>
+      </p:sp>
     </p:spTree>
     <p:extLst>
       <p:ext uri="{BB962C8B-B14F-4D97-AF65-F5344CB8AC3E}">
@@ -9203,6 +9581,36 @@
           </a:p>
         </p:txBody>
       </p:sp>
+      <p:sp>
+        <p:nvSpPr>
+          <p:cNvPr id="11" name="TextBox 10"/>
+          <p:cNvSpPr txBox="1"/>
+          <p:nvPr/>
+        </p:nvSpPr>
+        <p:spPr>
+          <a:xfrm>
+            <a:off x="11330247" y="6400800"/>
+            <a:ext cx="1047404" cy="369332"/>
+          </a:xfrm>
+          <a:prstGeom prst="rect">
+            <a:avLst/>
+          </a:prstGeom>
+          <a:noFill/>
+        </p:spPr>
+        <p:txBody>
+          <a:bodyPr wrap="square" rtlCol="0">
+            <a:spAutoFit/>
+          </a:bodyPr>
+          <a:lstStyle/>
+          <a:p>
+            <a:r>
+              <a:rPr lang="en-US" altLang="ko-KR" dirty="0" smtClean="0"/>
+              <a:t>7/10</a:t>
+            </a:r>
+            <a:endParaRPr lang="ko-KR" altLang="en-US" dirty="0"/>
+          </a:p>
+        </p:txBody>
+      </p:sp>
     </p:spTree>
     <p:extLst>
       <p:ext uri="{BB962C8B-B14F-4D97-AF65-F5344CB8AC3E}">
@@ -9694,6 +10102,36 @@
           </a:p>
         </p:txBody>
       </p:sp>
+      <p:sp>
+        <p:nvSpPr>
+          <p:cNvPr id="13" name="TextBox 12"/>
+          <p:cNvSpPr txBox="1"/>
+          <p:nvPr/>
+        </p:nvSpPr>
+        <p:spPr>
+          <a:xfrm>
+            <a:off x="11330247" y="6400800"/>
+            <a:ext cx="1047404" cy="369332"/>
+          </a:xfrm>
+          <a:prstGeom prst="rect">
+            <a:avLst/>
+          </a:prstGeom>
+          <a:noFill/>
+        </p:spPr>
+        <p:txBody>
+          <a:bodyPr wrap="square" rtlCol="0">
+            <a:spAutoFit/>
+          </a:bodyPr>
+          <a:lstStyle/>
+          <a:p>
+            <a:r>
+              <a:rPr lang="en-US" altLang="ko-KR" dirty="0" smtClean="0"/>
+              <a:t>8/10</a:t>
+            </a:r>
+            <a:endParaRPr lang="ko-KR" altLang="en-US" dirty="0"/>
+          </a:p>
+        </p:txBody>
+      </p:sp>
     </p:spTree>
     <p:extLst>
       <p:ext uri="{BB962C8B-B14F-4D97-AF65-F5344CB8AC3E}">
@@ -9964,6 +10402,40 @@
                 </a:schemeClr>
               </a:solidFill>
             </a:endParaRPr>
+          </a:p>
+        </p:txBody>
+      </p:sp>
+      <p:sp>
+        <p:nvSpPr>
+          <p:cNvPr id="10" name="TextBox 9"/>
+          <p:cNvSpPr txBox="1"/>
+          <p:nvPr/>
+        </p:nvSpPr>
+        <p:spPr>
+          <a:xfrm>
+            <a:off x="11330247" y="6400800"/>
+            <a:ext cx="1047404" cy="369332"/>
+          </a:xfrm>
+          <a:prstGeom prst="rect">
+            <a:avLst/>
+          </a:prstGeom>
+          <a:noFill/>
+        </p:spPr>
+        <p:txBody>
+          <a:bodyPr wrap="square" rtlCol="0">
+            <a:spAutoFit/>
+          </a:bodyPr>
+          <a:lstStyle/>
+          <a:p>
+            <a:r>
+              <a:rPr lang="en-US" altLang="ko-KR" dirty="0"/>
+              <a:t>9</a:t>
+            </a:r>
+            <a:r>
+              <a:rPr lang="en-US" altLang="ko-KR" dirty="0" smtClean="0"/>
+              <a:t>/10</a:t>
+            </a:r>
+            <a:endParaRPr lang="ko-KR" altLang="en-US" dirty="0"/>
           </a:p>
         </p:txBody>
       </p:sp>
@@ -10507,4 +10979,265 @@
     </a:ext>
   </a:extLst>
 </a:theme>
+</file>
+
+<file path=ppt/theme/theme3.xml><?xml version="1.0" encoding="utf-8"?>
+<a:theme xmlns:a="http://schemas.openxmlformats.org/drawingml/2006/main" name="Office 테마">
+  <a:themeElements>
+    <a:clrScheme name="Office">
+      <a:dk1>
+        <a:sysClr val="windowText" lastClr="000000"/>
+      </a:dk1>
+      <a:lt1>
+        <a:sysClr val="window" lastClr="FFFFFF"/>
+      </a:lt1>
+      <a:dk2>
+        <a:srgbClr val="44546A"/>
+      </a:dk2>
+      <a:lt2>
+        <a:srgbClr val="E7E6E6"/>
+      </a:lt2>
+      <a:accent1>
+        <a:srgbClr val="5B9BD5"/>
+      </a:accent1>
+      <a:accent2>
+        <a:srgbClr val="ED7D31"/>
+      </a:accent2>
+      <a:accent3>
+        <a:srgbClr val="A5A5A5"/>
+      </a:accent3>
+      <a:accent4>
+        <a:srgbClr val="FFC000"/>
+      </a:accent4>
+      <a:accent5>
+        <a:srgbClr val="4472C4"/>
+      </a:accent5>
+      <a:accent6>
+        <a:srgbClr val="70AD47"/>
+      </a:accent6>
+      <a:hlink>
+        <a:srgbClr val="0563C1"/>
+      </a:hlink>
+      <a:folHlink>
+        <a:srgbClr val="954F72"/>
+      </a:folHlink>
+    </a:clrScheme>
+    <a:fontScheme name="Office">
+      <a:majorFont>
+        <a:latin typeface="맑은 고딕" panose="020F0302020204030204"/>
+        <a:ea typeface=""/>
+        <a:cs typeface=""/>
+        <a:font script="Jpan" typeface="游ゴシック Light"/>
+        <a:font script="Hang" typeface="맑은 고딕"/>
+        <a:font script="Hans" typeface="等线 Light"/>
+        <a:font script="Hant" typeface="新細明體"/>
+        <a:font script="Arab" typeface="Times New Roman"/>
+        <a:font script="Hebr" typeface="Times New Roman"/>
+        <a:font script="Thai" typeface="Angsana New"/>
+        <a:font script="Ethi" typeface="Nyala"/>
+        <a:font script="Beng" typeface="Vrinda"/>
+        <a:font script="Gujr" typeface="Shruti"/>
+        <a:font script="Khmr" typeface="MoolBoran"/>
+        <a:font script="Knda" typeface="Tunga"/>
+        <a:font script="Guru" typeface="Raavi"/>
+        <a:font script="Cans" typeface="Euphemia"/>
+        <a:font script="Cher" typeface="Plantagenet Cherokee"/>
+        <a:font script="Yiii" typeface="Microsoft Yi Baiti"/>
+        <a:font script="Tibt" typeface="Microsoft Himalaya"/>
+        <a:font script="Thaa" typeface="MV Boli"/>
+        <a:font script="Deva" typeface="Mangal"/>
+        <a:font script="Telu" typeface="Gautami"/>
+        <a:font script="Taml" typeface="Latha"/>
+        <a:font script="Syrc" typeface="Estrangelo Edessa"/>
+        <a:font script="Orya" typeface="Kalinga"/>
+        <a:font script="Mlym" typeface="Kartika"/>
+        <a:font script="Laoo" typeface="DokChampa"/>
+        <a:font script="Sinh" typeface="Iskoola Pota"/>
+        <a:font script="Mong" typeface="Mongolian Baiti"/>
+        <a:font script="Viet" typeface="Times New Roman"/>
+        <a:font script="Uigh" typeface="Microsoft Uighur"/>
+        <a:font script="Geor" typeface="Sylfaen"/>
+      </a:majorFont>
+      <a:minorFont>
+        <a:latin typeface="맑은 고딕" panose="020F0502020204030204"/>
+        <a:ea typeface=""/>
+        <a:cs typeface=""/>
+        <a:font script="Jpan" typeface="游ゴシック"/>
+        <a:font script="Hang" typeface="맑은 고딕"/>
+        <a:font script="Hans" typeface="等线"/>
+        <a:font script="Hant" typeface="新細明體"/>
+        <a:font script="Arab" typeface="Arial"/>
+        <a:font script="Hebr" typeface="Arial"/>
+        <a:font script="Thai" typeface="Cordia New"/>
+        <a:font script="Ethi" typeface="Nyala"/>
+        <a:font script="Beng" typeface="Vrinda"/>
+        <a:font script="Gujr" typeface="Shruti"/>
+        <a:font script="Khmr" typeface="DaunPenh"/>
+        <a:font script="Knda" typeface="Tunga"/>
+        <a:font script="Guru" typeface="Raavi"/>
+        <a:font script="Cans" typeface="Euphemia"/>
+        <a:font script="Cher" typeface="Plantagenet Cherokee"/>
+        <a:font script="Yiii" typeface="Microsoft Yi Baiti"/>
+        <a:font script="Tibt" typeface="Microsoft Himalaya"/>
+        <a:font script="Thaa" typeface="MV Boli"/>
+        <a:font script="Deva" typeface="Mangal"/>
+        <a:font script="Telu" typeface="Gautami"/>
+        <a:font script="Taml" typeface="Latha"/>
+        <a:font script="Syrc" typeface="Estrangelo Edessa"/>
+        <a:font script="Orya" typeface="Kalinga"/>
+        <a:font script="Mlym" typeface="Kartika"/>
+        <a:font script="Laoo" typeface="DokChampa"/>
+        <a:font script="Sinh" typeface="Iskoola Pota"/>
+        <a:font script="Mong" typeface="Mongolian Baiti"/>
+        <a:font script="Viet" typeface="Arial"/>
+        <a:font script="Uigh" typeface="Microsoft Uighur"/>
+        <a:font script="Geor" typeface="Sylfaen"/>
+      </a:minorFont>
+    </a:fontScheme>
+    <a:fmtScheme name="Office">
+      <a:fillStyleLst>
+        <a:solidFill>
+          <a:schemeClr val="phClr"/>
+        </a:solidFill>
+        <a:gradFill rotWithShape="1">
+          <a:gsLst>
+            <a:gs pos="0">
+              <a:schemeClr val="phClr">
+                <a:lumMod val="110000"/>
+                <a:satMod val="105000"/>
+                <a:tint val="67000"/>
+              </a:schemeClr>
+            </a:gs>
+            <a:gs pos="50000">
+              <a:schemeClr val="phClr">
+                <a:lumMod val="105000"/>
+                <a:satMod val="103000"/>
+                <a:tint val="73000"/>
+              </a:schemeClr>
+            </a:gs>
+            <a:gs pos="100000">
+              <a:schemeClr val="phClr">
+                <a:lumMod val="105000"/>
+                <a:satMod val="109000"/>
+                <a:tint val="81000"/>
+              </a:schemeClr>
+            </a:gs>
+          </a:gsLst>
+          <a:lin ang="5400000" scaled="0"/>
+        </a:gradFill>
+        <a:gradFill rotWithShape="1">
+          <a:gsLst>
+            <a:gs pos="0">
+              <a:schemeClr val="phClr">
+                <a:satMod val="103000"/>
+                <a:lumMod val="102000"/>
+                <a:tint val="94000"/>
+              </a:schemeClr>
+            </a:gs>
+            <a:gs pos="50000">
+              <a:schemeClr val="phClr">
+                <a:satMod val="110000"/>
+                <a:lumMod val="100000"/>
+                <a:shade val="100000"/>
+              </a:schemeClr>
+            </a:gs>
+            <a:gs pos="100000">
+              <a:schemeClr val="phClr">
+                <a:lumMod val="99000"/>
+                <a:satMod val="120000"/>
+                <a:shade val="78000"/>
+              </a:schemeClr>
+            </a:gs>
+          </a:gsLst>
+          <a:lin ang="5400000" scaled="0"/>
+        </a:gradFill>
+      </a:fillStyleLst>
+      <a:lnStyleLst>
+        <a:ln w="6350" cap="flat" cmpd="sng" algn="ctr">
+          <a:solidFill>
+            <a:schemeClr val="phClr"/>
+          </a:solidFill>
+          <a:prstDash val="solid"/>
+          <a:miter lim="800000"/>
+        </a:ln>
+        <a:ln w="12700" cap="flat" cmpd="sng" algn="ctr">
+          <a:solidFill>
+            <a:schemeClr val="phClr"/>
+          </a:solidFill>
+          <a:prstDash val="solid"/>
+          <a:miter lim="800000"/>
+        </a:ln>
+        <a:ln w="19050" cap="flat" cmpd="sng" algn="ctr">
+          <a:solidFill>
+            <a:schemeClr val="phClr"/>
+          </a:solidFill>
+          <a:prstDash val="solid"/>
+          <a:miter lim="800000"/>
+        </a:ln>
+      </a:lnStyleLst>
+      <a:effectStyleLst>
+        <a:effectStyle>
+          <a:effectLst/>
+        </a:effectStyle>
+        <a:effectStyle>
+          <a:effectLst/>
+        </a:effectStyle>
+        <a:effectStyle>
+          <a:effectLst>
+            <a:outerShdw blurRad="57150" dist="19050" dir="5400000" algn="ctr" rotWithShape="0">
+              <a:srgbClr val="000000">
+                <a:alpha val="63000"/>
+              </a:srgbClr>
+            </a:outerShdw>
+          </a:effectLst>
+        </a:effectStyle>
+      </a:effectStyleLst>
+      <a:bgFillStyleLst>
+        <a:solidFill>
+          <a:schemeClr val="phClr"/>
+        </a:solidFill>
+        <a:solidFill>
+          <a:schemeClr val="phClr">
+            <a:tint val="95000"/>
+            <a:satMod val="170000"/>
+          </a:schemeClr>
+        </a:solidFill>
+        <a:gradFill rotWithShape="1">
+          <a:gsLst>
+            <a:gs pos="0">
+              <a:schemeClr val="phClr">
+                <a:tint val="93000"/>
+                <a:satMod val="150000"/>
+                <a:shade val="98000"/>
+                <a:lumMod val="102000"/>
+              </a:schemeClr>
+            </a:gs>
+            <a:gs pos="50000">
+              <a:schemeClr val="phClr">
+                <a:tint val="98000"/>
+                <a:satMod val="130000"/>
+                <a:shade val="90000"/>
+                <a:lumMod val="103000"/>
+              </a:schemeClr>
+            </a:gs>
+            <a:gs pos="100000">
+              <a:schemeClr val="phClr">
+                <a:shade val="63000"/>
+                <a:satMod val="120000"/>
+              </a:schemeClr>
+            </a:gs>
+          </a:gsLst>
+          <a:lin ang="5400000" scaled="0"/>
+        </a:gradFill>
+      </a:bgFillStyleLst>
+    </a:fmtScheme>
+  </a:themeElements>
+  <a:objectDefaults/>
+  <a:extraClrSchemeLst/>
+  <a:extLst>
+    <a:ext uri="{05A4C25C-085E-4340-85A3-A5531E510DB2}">
+      <thm15:themeFamily xmlns:thm15="http://schemas.microsoft.com/office/thememl/2012/main" name="Office Theme" id="{62F939B6-93AF-4DB8-9C6B-D6C7DFDC589F}" vid="{4A3C46E8-61CC-4603-A589-7422A47A8E4A}"/>
+    </a:ext>
+  </a:extLst>
+</a:theme>
 </file>